--- a/docs/LookupsDesign.pptx
+++ b/docs/LookupsDesign.pptx
@@ -5,7 +5,7 @@
     <p:sldMasterId id="2147483648" r:id="rId1"/>
   </p:sldMasterIdLst>
   <p:notesMasterIdLst>
-    <p:notesMasterId r:id="rId12"/>
+    <p:notesMasterId r:id="rId11"/>
   </p:notesMasterIdLst>
   <p:sldIdLst>
     <p:sldId id="256" r:id="rId2"/>
@@ -15,9 +15,8 @@
     <p:sldId id="262" r:id="rId6"/>
     <p:sldId id="263" r:id="rId7"/>
     <p:sldId id="265" r:id="rId8"/>
-    <p:sldId id="266" r:id="rId9"/>
-    <p:sldId id="267" r:id="rId10"/>
-    <p:sldId id="268" r:id="rId11"/>
+    <p:sldId id="267" r:id="rId9"/>
+    <p:sldId id="268" r:id="rId10"/>
   </p:sldIdLst>
   <p:sldSz cx="12192000" cy="6858000"/>
   <p:notesSz cx="6858000" cy="9144000"/>
@@ -206,7 +205,7 @@
           <a:p>
             <a:fld id="{BF5530F1-BB2D-4453-B544-7EE3362641FB}" type="datetimeFigureOut">
               <a:rPr lang="en-US" smtClean="0"/>
-              <a:t>5/4/2023</a:t>
+              <a:t>5/6/2023</a:t>
             </a:fld>
             <a:endParaRPr lang="en-US"/>
           </a:p>
@@ -620,7 +619,7 @@
           <a:p>
             <a:fld id="{CB167EDE-B260-44FD-886D-2B2B152B6062}" type="datetimeFigureOut">
               <a:rPr lang="en-US" smtClean="0"/>
-              <a:t>5/4/2023</a:t>
+              <a:t>5/6/2023</a:t>
             </a:fld>
             <a:endParaRPr lang="en-US"/>
           </a:p>
@@ -818,7 +817,7 @@
           <a:p>
             <a:fld id="{CB167EDE-B260-44FD-886D-2B2B152B6062}" type="datetimeFigureOut">
               <a:rPr lang="en-US" smtClean="0"/>
-              <a:t>5/4/2023</a:t>
+              <a:t>5/6/2023</a:t>
             </a:fld>
             <a:endParaRPr lang="en-US"/>
           </a:p>
@@ -1026,7 +1025,7 @@
           <a:p>
             <a:fld id="{CB167EDE-B260-44FD-886D-2B2B152B6062}" type="datetimeFigureOut">
               <a:rPr lang="en-US" smtClean="0"/>
-              <a:t>5/4/2023</a:t>
+              <a:t>5/6/2023</a:t>
             </a:fld>
             <a:endParaRPr lang="en-US"/>
           </a:p>
@@ -1224,7 +1223,7 @@
           <a:p>
             <a:fld id="{CB167EDE-B260-44FD-886D-2B2B152B6062}" type="datetimeFigureOut">
               <a:rPr lang="en-US" smtClean="0"/>
-              <a:t>5/4/2023</a:t>
+              <a:t>5/6/2023</a:t>
             </a:fld>
             <a:endParaRPr lang="en-US"/>
           </a:p>
@@ -1499,7 +1498,7 @@
           <a:p>
             <a:fld id="{CB167EDE-B260-44FD-886D-2B2B152B6062}" type="datetimeFigureOut">
               <a:rPr lang="en-US" smtClean="0"/>
-              <a:t>5/4/2023</a:t>
+              <a:t>5/6/2023</a:t>
             </a:fld>
             <a:endParaRPr lang="en-US"/>
           </a:p>
@@ -1764,7 +1763,7 @@
           <a:p>
             <a:fld id="{CB167EDE-B260-44FD-886D-2B2B152B6062}" type="datetimeFigureOut">
               <a:rPr lang="en-US" smtClean="0"/>
-              <a:t>5/4/2023</a:t>
+              <a:t>5/6/2023</a:t>
             </a:fld>
             <a:endParaRPr lang="en-US"/>
           </a:p>
@@ -2176,7 +2175,7 @@
           <a:p>
             <a:fld id="{CB167EDE-B260-44FD-886D-2B2B152B6062}" type="datetimeFigureOut">
               <a:rPr lang="en-US" smtClean="0"/>
-              <a:t>5/4/2023</a:t>
+              <a:t>5/6/2023</a:t>
             </a:fld>
             <a:endParaRPr lang="en-US"/>
           </a:p>
@@ -2317,7 +2316,7 @@
           <a:p>
             <a:fld id="{CB167EDE-B260-44FD-886D-2B2B152B6062}" type="datetimeFigureOut">
               <a:rPr lang="en-US" smtClean="0"/>
-              <a:t>5/4/2023</a:t>
+              <a:t>5/6/2023</a:t>
             </a:fld>
             <a:endParaRPr lang="en-US"/>
           </a:p>
@@ -2430,7 +2429,7 @@
           <a:p>
             <a:fld id="{CB167EDE-B260-44FD-886D-2B2B152B6062}" type="datetimeFigureOut">
               <a:rPr lang="en-US" smtClean="0"/>
-              <a:t>5/4/2023</a:t>
+              <a:t>5/6/2023</a:t>
             </a:fld>
             <a:endParaRPr lang="en-US"/>
           </a:p>
@@ -2741,7 +2740,7 @@
           <a:p>
             <a:fld id="{CB167EDE-B260-44FD-886D-2B2B152B6062}" type="datetimeFigureOut">
               <a:rPr lang="en-US" smtClean="0"/>
-              <a:t>5/4/2023</a:t>
+              <a:t>5/6/2023</a:t>
             </a:fld>
             <a:endParaRPr lang="en-US"/>
           </a:p>
@@ -3029,7 +3028,7 @@
           <a:p>
             <a:fld id="{CB167EDE-B260-44FD-886D-2B2B152B6062}" type="datetimeFigureOut">
               <a:rPr lang="en-US" smtClean="0"/>
-              <a:t>5/4/2023</a:t>
+              <a:t>5/6/2023</a:t>
             </a:fld>
             <a:endParaRPr lang="en-US"/>
           </a:p>
@@ -3270,7 +3269,7 @@
           <a:p>
             <a:fld id="{CB167EDE-B260-44FD-886D-2B2B152B6062}" type="datetimeFigureOut">
               <a:rPr lang="en-US" smtClean="0"/>
-              <a:t>5/4/2023</a:t>
+              <a:t>5/6/2023</a:t>
             </a:fld>
             <a:endParaRPr lang="en-US"/>
           </a:p>
@@ -3753,86 +3752,6 @@
 </p:sld>
 </file>
 
-<file path=ppt/slides/slide10.xml><?xml version="1.0" encoding="utf-8"?>
-<p:sld xmlns:a="http://schemas.openxmlformats.org/drawingml/2006/main" xmlns:r="http://schemas.openxmlformats.org/officeDocument/2006/relationships" xmlns:p="http://schemas.openxmlformats.org/presentationml/2006/main">
-  <p:cSld>
-    <p:spTree>
-      <p:nvGrpSpPr>
-        <p:cNvPr id="1" name=""/>
-        <p:cNvGrpSpPr/>
-        <p:nvPr/>
-      </p:nvGrpSpPr>
-      <p:grpSpPr>
-        <a:xfrm>
-          <a:off x="0" y="0"/>
-          <a:ext cx="0" cy="0"/>
-          <a:chOff x="0" y="0"/>
-          <a:chExt cx="0" cy="0"/>
-        </a:xfrm>
-      </p:grpSpPr>
-      <p:sp>
-        <p:nvSpPr>
-          <p:cNvPr id="2" name="Title 1">
-            <a:extLst>
-              <a:ext uri="{FF2B5EF4-FFF2-40B4-BE49-F238E27FC236}">
-                <a16:creationId xmlns:a16="http://schemas.microsoft.com/office/drawing/2014/main" id="{9D7E0FD1-1E50-89EE-5BC7-3954EB4BCD79}"/>
-              </a:ext>
-            </a:extLst>
-          </p:cNvPr>
-          <p:cNvSpPr>
-            <a:spLocks noGrp="1"/>
-          </p:cNvSpPr>
-          <p:nvPr>
-            <p:ph type="title"/>
-          </p:nvPr>
-        </p:nvSpPr>
-        <p:spPr/>
-        <p:txBody>
-          <a:bodyPr/>
-          <a:lstStyle/>
-          <a:p>
-            <a:endParaRPr lang="en-US"/>
-          </a:p>
-        </p:txBody>
-      </p:sp>
-      <p:sp>
-        <p:nvSpPr>
-          <p:cNvPr id="3" name="Content Placeholder 2">
-            <a:extLst>
-              <a:ext uri="{FF2B5EF4-FFF2-40B4-BE49-F238E27FC236}">
-                <a16:creationId xmlns:a16="http://schemas.microsoft.com/office/drawing/2014/main" id="{655A58E3-2DF4-D0A4-2A73-1B8EEFC91F25}"/>
-              </a:ext>
-            </a:extLst>
-          </p:cNvPr>
-          <p:cNvSpPr>
-            <a:spLocks noGrp="1"/>
-          </p:cNvSpPr>
-          <p:nvPr>
-            <p:ph idx="1"/>
-          </p:nvPr>
-        </p:nvSpPr>
-        <p:spPr/>
-        <p:txBody>
-          <a:bodyPr/>
-          <a:lstStyle/>
-          <a:p>
-            <a:endParaRPr lang="en-US"/>
-          </a:p>
-        </p:txBody>
-      </p:sp>
-    </p:spTree>
-    <p:extLst>
-      <p:ext uri="{BB962C8B-B14F-4D97-AF65-F5344CB8AC3E}">
-        <p14:creationId xmlns:p14="http://schemas.microsoft.com/office/powerpoint/2010/main" val="2006550171"/>
-      </p:ext>
-    </p:extLst>
-  </p:cSld>
-  <p:clrMapOvr>
-    <a:masterClrMapping/>
-  </p:clrMapOvr>
-</p:sld>
-</file>
-
 <file path=ppt/slides/slide2.xml><?xml version="1.0" encoding="utf-8"?>
 <p:sld xmlns:a="http://schemas.openxmlformats.org/drawingml/2006/main" xmlns:r="http://schemas.openxmlformats.org/officeDocument/2006/relationships" xmlns:p="http://schemas.openxmlformats.org/presentationml/2006/main">
   <p:cSld>
@@ -3901,21 +3820,21 @@
           <a:p>
             <a:r>
               <a:rPr lang="en-US" dirty="0"/>
-              <a:t>Supports database lookup tables and </a:t>
-            </a:r>
-            <a:r>
-              <a:rPr lang="en-US" dirty="0" err="1"/>
-              <a:t>enum</a:t>
-            </a:r>
-            <a:r>
-              <a:rPr lang="en-US" dirty="0"/>
-              <a:t> lookups </a:t>
-            </a:r>
-          </a:p>
-          <a:p>
-            <a:r>
-              <a:rPr lang="en-US" dirty="0"/>
-              <a:t>Returns lookup values localized to language requested in accept-lang header</a:t>
+              <a:t>Supports Database Lookup tables and Enum lookups </a:t>
+            </a:r>
+          </a:p>
+          <a:p>
+            <a:r>
+              <a:rPr lang="en-US" dirty="0"/>
+              <a:t>Returns lookup values localized </a:t>
+            </a:r>
+            <a:r>
+              <a:rPr lang="en-US"/>
+              <a:t>to language </a:t>
+            </a:r>
+            <a:r>
+              <a:rPr lang="en-US" dirty="0"/>
+              <a:t>requested in accept-lang header</a:t>
             </a:r>
           </a:p>
           <a:p>
@@ -5955,7 +5874,10 @@
               <a:rPr lang="en-US" dirty="0" err="1"/>
               <a:t>ILookupTypeEnum</a:t>
             </a:r>
-            <a:endParaRPr lang="en-US" dirty="0"/>
+            <a:r>
+              <a:rPr lang="en-US" dirty="0"/>
+              <a:t> and register them with the lookup service</a:t>
+            </a:r>
           </a:p>
           <a:p>
             <a:pPr marL="0" indent="0">
@@ -6111,19 +6033,19 @@
             </a:pPr>
             <a:r>
               <a:rPr lang="en-US" dirty="0"/>
-              <a:t> Option A: Subclass </a:t>
+              <a:t> Call the </a:t>
             </a:r>
             <a:r>
               <a:rPr lang="en-US" dirty="0" err="1"/>
-              <a:t>BaseLookupService</a:t>
-            </a:r>
-            <a:r>
-              <a:rPr lang="en-US" dirty="0"/>
-              <a:t> and register the lookup type  </a:t>
+              <a:t>registerLookupTypes</a:t>
+            </a:r>
+            <a:r>
+              <a:rPr lang="en-US" dirty="0"/>
+              <a:t> on the </a:t>
             </a:r>
             <a:r>
               <a:rPr lang="en-US" dirty="0" err="1"/>
-              <a:t>enums</a:t>
+              <a:t>LookupType</a:t>
             </a:r>
             <a:br>
               <a:rPr lang="en-US" dirty="0"/>
@@ -6151,17 +6073,17 @@
             </a:pPr>
             <a:r>
               <a:rPr lang="en-US" dirty="0"/>
-              <a:t>Note: Make sure there is only one lookup service marked with @Primary.</a:t>
+              <a:t> </a:t>
             </a:r>
           </a:p>
         </p:txBody>
       </p:sp>
       <p:pic>
         <p:nvPicPr>
-          <p:cNvPr id="6" name="Picture 5">
-            <a:extLst>
-              <a:ext uri="{FF2B5EF4-FFF2-40B4-BE49-F238E27FC236}">
-                <a16:creationId xmlns:a16="http://schemas.microsoft.com/office/drawing/2014/main" id="{2C7B1047-6405-DA63-6D43-8E9143ADB3C2}"/>
+          <p:cNvPr id="5" name="Picture 4">
+            <a:extLst>
+              <a:ext uri="{FF2B5EF4-FFF2-40B4-BE49-F238E27FC236}">
+                <a16:creationId xmlns:a16="http://schemas.microsoft.com/office/drawing/2014/main" id="{4D375A2F-A9F5-2C0D-E916-0F460EE42E72}"/>
               </a:ext>
             </a:extLst>
           </p:cNvPr>
@@ -6178,8 +6100,8 @@
         </p:blipFill>
         <p:spPr>
           <a:xfrm>
-            <a:off x="1378636" y="2624549"/>
-            <a:ext cx="6430272" cy="2467319"/>
+            <a:off x="1058480" y="2382796"/>
+            <a:ext cx="7274981" cy="2087603"/>
           </a:xfrm>
           <a:prstGeom prst="rect">
             <a:avLst/>
@@ -6189,7 +6111,7 @@
     </p:spTree>
     <p:extLst>
       <p:ext uri="{BB962C8B-B14F-4D97-AF65-F5344CB8AC3E}">
-        <p14:creationId xmlns:p14="http://schemas.microsoft.com/office/powerpoint/2010/main" val="1014225380"/>
+        <p14:creationId xmlns:p14="http://schemas.microsoft.com/office/powerpoint/2010/main" val="821779698"/>
       </p:ext>
     </p:extLst>
   </p:cSld>
@@ -6221,7 +6143,7 @@
           <p:cNvPr id="2" name="Title 1">
             <a:extLst>
               <a:ext uri="{FF2B5EF4-FFF2-40B4-BE49-F238E27FC236}">
-                <a16:creationId xmlns:a16="http://schemas.microsoft.com/office/drawing/2014/main" id="{ABD2D63A-122D-A2FD-C639-CFDBB6A7A47C}"/>
+                <a16:creationId xmlns:a16="http://schemas.microsoft.com/office/drawing/2014/main" id="{9D7E0FD1-1E50-89EE-5BC7-3954EB4BCD79}"/>
               </a:ext>
             </a:extLst>
           </p:cNvPr>
@@ -6237,10 +6159,7 @@
           <a:bodyPr/>
           <a:lstStyle/>
           <a:p>
-            <a:r>
-              <a:rPr lang="en-US" dirty="0"/>
-              <a:t>Integration Guide: Common</a:t>
-            </a:r>
+            <a:endParaRPr lang="en-US"/>
           </a:p>
         </p:txBody>
       </p:sp>
@@ -6249,7 +6168,7 @@
           <p:cNvPr id="3" name="Content Placeholder 2">
             <a:extLst>
               <a:ext uri="{FF2B5EF4-FFF2-40B4-BE49-F238E27FC236}">
-                <a16:creationId xmlns:a16="http://schemas.microsoft.com/office/drawing/2014/main" id="{D2F0607F-DDE5-DF4E-3B52-C25A67E5FCFB}"/>
+                <a16:creationId xmlns:a16="http://schemas.microsoft.com/office/drawing/2014/main" id="{655A58E3-2DF4-D0A4-2A73-1B8EEFC91F25}"/>
               </a:ext>
             </a:extLst>
           </p:cNvPr>
@@ -6260,103 +6179,19 @@
             <p:ph idx="1"/>
           </p:nvPr>
         </p:nvSpPr>
-        <p:spPr>
-          <a:xfrm>
-            <a:off x="838200" y="1778972"/>
-            <a:ext cx="10515600" cy="4351338"/>
-          </a:xfrm>
-        </p:spPr>
-        <p:txBody>
-          <a:bodyPr>
-            <a:normAutofit/>
-          </a:bodyPr>
-          <a:lstStyle/>
-          <a:p>
-            <a:pPr>
-              <a:buFont typeface="Wingdings" panose="05000000000000000000" pitchFamily="2" charset="2"/>
-              <a:buChar char="Ø"/>
-            </a:pPr>
-            <a:r>
-              <a:rPr lang="en-US" dirty="0"/>
-              <a:t> Option A: Subclass </a:t>
-            </a:r>
-            <a:r>
-              <a:rPr lang="en-US" dirty="0" err="1"/>
-              <a:t>BaseLookupService</a:t>
-            </a:r>
-            <a:r>
-              <a:rPr lang="en-US" dirty="0"/>
-              <a:t> and register the lookup type  </a:t>
-            </a:r>
-            <a:r>
-              <a:rPr lang="en-US" dirty="0" err="1"/>
-              <a:t>enums</a:t>
-            </a:r>
-            <a:br>
-              <a:rPr lang="en-US" dirty="0"/>
-            </a:br>
-            <a:br>
-              <a:rPr lang="en-US" dirty="0"/>
-            </a:br>
-            <a:br>
-              <a:rPr lang="en-US" dirty="0"/>
-            </a:br>
-            <a:br>
-              <a:rPr lang="en-US" dirty="0"/>
-            </a:br>
-            <a:br>
-              <a:rPr lang="en-US" dirty="0"/>
-            </a:br>
-            <a:br>
-              <a:rPr lang="en-US" dirty="0"/>
-            </a:br>
-            <a:endParaRPr lang="en-US" dirty="0"/>
-          </a:p>
-          <a:p>
-            <a:pPr marL="0" indent="0">
-              <a:buNone/>
-            </a:pPr>
-            <a:r>
-              <a:rPr lang="en-US" dirty="0"/>
-              <a:t>Note: Make sure there is only one lookup service marked with @Primary.</a:t>
-            </a:r>
-          </a:p>
-        </p:txBody>
-      </p:sp>
-      <p:pic>
-        <p:nvPicPr>
-          <p:cNvPr id="6" name="Picture 5">
-            <a:extLst>
-              <a:ext uri="{FF2B5EF4-FFF2-40B4-BE49-F238E27FC236}">
-                <a16:creationId xmlns:a16="http://schemas.microsoft.com/office/drawing/2014/main" id="{2C7B1047-6405-DA63-6D43-8E9143ADB3C2}"/>
-              </a:ext>
-            </a:extLst>
-          </p:cNvPr>
-          <p:cNvPicPr>
-            <a:picLocks noChangeAspect="1"/>
-          </p:cNvPicPr>
-          <p:nvPr/>
-        </p:nvPicPr>
-        <p:blipFill>
-          <a:blip r:embed="rId2"/>
-          <a:stretch>
-            <a:fillRect/>
-          </a:stretch>
-        </p:blipFill>
-        <p:spPr>
-          <a:xfrm>
-            <a:off x="1378636" y="2624549"/>
-            <a:ext cx="6430272" cy="2467319"/>
-          </a:xfrm>
-          <a:prstGeom prst="rect">
-            <a:avLst/>
-          </a:prstGeom>
-        </p:spPr>
-      </p:pic>
+        <p:spPr/>
+        <p:txBody>
+          <a:bodyPr/>
+          <a:lstStyle/>
+          <a:p>
+            <a:endParaRPr lang="en-US"/>
+          </a:p>
+        </p:txBody>
+      </p:sp>
     </p:spTree>
     <p:extLst>
       <p:ext uri="{BB962C8B-B14F-4D97-AF65-F5344CB8AC3E}">
-        <p14:creationId xmlns:p14="http://schemas.microsoft.com/office/powerpoint/2010/main" val="821779698"/>
+        <p14:creationId xmlns:p14="http://schemas.microsoft.com/office/powerpoint/2010/main" val="2006550171"/>
       </p:ext>
     </p:extLst>
   </p:cSld>

--- a/docs/LookupsDesign.pptx
+++ b/docs/LookupsDesign.pptx
@@ -5,18 +5,20 @@
     <p:sldMasterId id="2147483648" r:id="rId1"/>
   </p:sldMasterIdLst>
   <p:notesMasterIdLst>
-    <p:notesMasterId r:id="rId11"/>
+    <p:notesMasterId r:id="rId13"/>
   </p:notesMasterIdLst>
   <p:sldIdLst>
     <p:sldId id="256" r:id="rId2"/>
     <p:sldId id="259" r:id="rId3"/>
     <p:sldId id="260" r:id="rId4"/>
-    <p:sldId id="261" r:id="rId5"/>
-    <p:sldId id="262" r:id="rId6"/>
-    <p:sldId id="263" r:id="rId7"/>
-    <p:sldId id="265" r:id="rId8"/>
-    <p:sldId id="267" r:id="rId9"/>
-    <p:sldId id="268" r:id="rId10"/>
+    <p:sldId id="270" r:id="rId5"/>
+    <p:sldId id="261" r:id="rId6"/>
+    <p:sldId id="262" r:id="rId7"/>
+    <p:sldId id="263" r:id="rId8"/>
+    <p:sldId id="265" r:id="rId9"/>
+    <p:sldId id="267" r:id="rId10"/>
+    <p:sldId id="268" r:id="rId11"/>
+    <p:sldId id="269" r:id="rId12"/>
   </p:sldIdLst>
   <p:sldSz cx="12192000" cy="6858000"/>
   <p:notesSz cx="6858000" cy="9144000"/>
@@ -205,7 +207,7 @@
           <a:p>
             <a:fld id="{BF5530F1-BB2D-4453-B544-7EE3362641FB}" type="datetimeFigureOut">
               <a:rPr lang="en-US" smtClean="0"/>
-              <a:t>5/6/2023</a:t>
+              <a:t>5/7/2023</a:t>
             </a:fld>
             <a:endParaRPr lang="en-US"/>
           </a:p>
@@ -619,7 +621,7 @@
           <a:p>
             <a:fld id="{CB167EDE-B260-44FD-886D-2B2B152B6062}" type="datetimeFigureOut">
               <a:rPr lang="en-US" smtClean="0"/>
-              <a:t>5/6/2023</a:t>
+              <a:t>5/7/2023</a:t>
             </a:fld>
             <a:endParaRPr lang="en-US"/>
           </a:p>
@@ -817,7 +819,7 @@
           <a:p>
             <a:fld id="{CB167EDE-B260-44FD-886D-2B2B152B6062}" type="datetimeFigureOut">
               <a:rPr lang="en-US" smtClean="0"/>
-              <a:t>5/6/2023</a:t>
+              <a:t>5/7/2023</a:t>
             </a:fld>
             <a:endParaRPr lang="en-US"/>
           </a:p>
@@ -1025,7 +1027,7 @@
           <a:p>
             <a:fld id="{CB167EDE-B260-44FD-886D-2B2B152B6062}" type="datetimeFigureOut">
               <a:rPr lang="en-US" smtClean="0"/>
-              <a:t>5/6/2023</a:t>
+              <a:t>5/7/2023</a:t>
             </a:fld>
             <a:endParaRPr lang="en-US"/>
           </a:p>
@@ -1223,7 +1225,7 @@
           <a:p>
             <a:fld id="{CB167EDE-B260-44FD-886D-2B2B152B6062}" type="datetimeFigureOut">
               <a:rPr lang="en-US" smtClean="0"/>
-              <a:t>5/6/2023</a:t>
+              <a:t>5/7/2023</a:t>
             </a:fld>
             <a:endParaRPr lang="en-US"/>
           </a:p>
@@ -1498,7 +1500,7 @@
           <a:p>
             <a:fld id="{CB167EDE-B260-44FD-886D-2B2B152B6062}" type="datetimeFigureOut">
               <a:rPr lang="en-US" smtClean="0"/>
-              <a:t>5/6/2023</a:t>
+              <a:t>5/7/2023</a:t>
             </a:fld>
             <a:endParaRPr lang="en-US"/>
           </a:p>
@@ -1763,7 +1765,7 @@
           <a:p>
             <a:fld id="{CB167EDE-B260-44FD-886D-2B2B152B6062}" type="datetimeFigureOut">
               <a:rPr lang="en-US" smtClean="0"/>
-              <a:t>5/6/2023</a:t>
+              <a:t>5/7/2023</a:t>
             </a:fld>
             <a:endParaRPr lang="en-US"/>
           </a:p>
@@ -2175,7 +2177,7 @@
           <a:p>
             <a:fld id="{CB167EDE-B260-44FD-886D-2B2B152B6062}" type="datetimeFigureOut">
               <a:rPr lang="en-US" smtClean="0"/>
-              <a:t>5/6/2023</a:t>
+              <a:t>5/7/2023</a:t>
             </a:fld>
             <a:endParaRPr lang="en-US"/>
           </a:p>
@@ -2316,7 +2318,7 @@
           <a:p>
             <a:fld id="{CB167EDE-B260-44FD-886D-2B2B152B6062}" type="datetimeFigureOut">
               <a:rPr lang="en-US" smtClean="0"/>
-              <a:t>5/6/2023</a:t>
+              <a:t>5/7/2023</a:t>
             </a:fld>
             <a:endParaRPr lang="en-US"/>
           </a:p>
@@ -2429,7 +2431,7 @@
           <a:p>
             <a:fld id="{CB167EDE-B260-44FD-886D-2B2B152B6062}" type="datetimeFigureOut">
               <a:rPr lang="en-US" smtClean="0"/>
-              <a:t>5/6/2023</a:t>
+              <a:t>5/7/2023</a:t>
             </a:fld>
             <a:endParaRPr lang="en-US"/>
           </a:p>
@@ -2740,7 +2742,7 @@
           <a:p>
             <a:fld id="{CB167EDE-B260-44FD-886D-2B2B152B6062}" type="datetimeFigureOut">
               <a:rPr lang="en-US" smtClean="0"/>
-              <a:t>5/6/2023</a:t>
+              <a:t>5/7/2023</a:t>
             </a:fld>
             <a:endParaRPr lang="en-US"/>
           </a:p>
@@ -3028,7 +3030,7 @@
           <a:p>
             <a:fld id="{CB167EDE-B260-44FD-886D-2B2B152B6062}" type="datetimeFigureOut">
               <a:rPr lang="en-US" smtClean="0"/>
-              <a:t>5/6/2023</a:t>
+              <a:t>5/7/2023</a:t>
             </a:fld>
             <a:endParaRPr lang="en-US"/>
           </a:p>
@@ -3269,7 +3271,7 @@
           <a:p>
             <a:fld id="{CB167EDE-B260-44FD-886D-2B2B152B6062}" type="datetimeFigureOut">
               <a:rPr lang="en-US" smtClean="0"/>
-              <a:t>5/6/2023</a:t>
+              <a:t>5/7/2023</a:t>
             </a:fld>
             <a:endParaRPr lang="en-US"/>
           </a:p>
@@ -3752,6 +3754,180 @@
 </p:sld>
 </file>
 
+<file path=ppt/slides/slide10.xml><?xml version="1.0" encoding="utf-8"?>
+<p:sld xmlns:a="http://schemas.openxmlformats.org/drawingml/2006/main" xmlns:r="http://schemas.openxmlformats.org/officeDocument/2006/relationships" xmlns:p="http://schemas.openxmlformats.org/presentationml/2006/main">
+  <p:cSld>
+    <p:spTree>
+      <p:nvGrpSpPr>
+        <p:cNvPr id="1" name=""/>
+        <p:cNvGrpSpPr/>
+        <p:nvPr/>
+      </p:nvGrpSpPr>
+      <p:grpSpPr>
+        <a:xfrm>
+          <a:off x="0" y="0"/>
+          <a:ext cx="0" cy="0"/>
+          <a:chOff x="0" y="0"/>
+          <a:chExt cx="0" cy="0"/>
+        </a:xfrm>
+      </p:grpSpPr>
+      <p:sp>
+        <p:nvSpPr>
+          <p:cNvPr id="2" name="Title 1">
+            <a:extLst>
+              <a:ext uri="{FF2B5EF4-FFF2-40B4-BE49-F238E27FC236}">
+                <a16:creationId xmlns:a16="http://schemas.microsoft.com/office/drawing/2014/main" id="{9D7E0FD1-1E50-89EE-5BC7-3954EB4BCD79}"/>
+              </a:ext>
+            </a:extLst>
+          </p:cNvPr>
+          <p:cNvSpPr>
+            <a:spLocks noGrp="1"/>
+          </p:cNvSpPr>
+          <p:nvPr>
+            <p:ph type="title"/>
+          </p:nvPr>
+        </p:nvSpPr>
+        <p:spPr/>
+        <p:txBody>
+          <a:bodyPr/>
+          <a:lstStyle/>
+          <a:p>
+            <a:r>
+              <a:rPr lang="en-US" dirty="0"/>
+              <a:t>Lookups API</a:t>
+            </a:r>
+          </a:p>
+        </p:txBody>
+      </p:sp>
+      <p:pic>
+        <p:nvPicPr>
+          <p:cNvPr id="5" name="Content Placeholder 4">
+            <a:extLst>
+              <a:ext uri="{FF2B5EF4-FFF2-40B4-BE49-F238E27FC236}">
+                <a16:creationId xmlns:a16="http://schemas.microsoft.com/office/drawing/2014/main" id="{68451C01-2E7C-6ADB-72CB-20C023D47BF8}"/>
+              </a:ext>
+            </a:extLst>
+          </p:cNvPr>
+          <p:cNvPicPr>
+            <a:picLocks noGrp="1" noChangeAspect="1"/>
+          </p:cNvPicPr>
+          <p:nvPr>
+            <p:ph idx="1"/>
+          </p:nvPr>
+        </p:nvPicPr>
+        <p:blipFill>
+          <a:blip r:embed="rId2"/>
+          <a:stretch>
+            <a:fillRect/>
+          </a:stretch>
+        </p:blipFill>
+        <p:spPr>
+          <a:xfrm>
+            <a:off x="838200" y="1690688"/>
+            <a:ext cx="10515600" cy="1278256"/>
+          </a:xfrm>
+        </p:spPr>
+      </p:pic>
+    </p:spTree>
+    <p:extLst>
+      <p:ext uri="{BB962C8B-B14F-4D97-AF65-F5344CB8AC3E}">
+        <p14:creationId xmlns:p14="http://schemas.microsoft.com/office/powerpoint/2010/main" val="2006550171"/>
+      </p:ext>
+    </p:extLst>
+  </p:cSld>
+  <p:clrMapOvr>
+    <a:masterClrMapping/>
+  </p:clrMapOvr>
+</p:sld>
+</file>
+
+<file path=ppt/slides/slide11.xml><?xml version="1.0" encoding="utf-8"?>
+<p:sld xmlns:a="http://schemas.openxmlformats.org/drawingml/2006/main" xmlns:r="http://schemas.openxmlformats.org/officeDocument/2006/relationships" xmlns:p="http://schemas.openxmlformats.org/presentationml/2006/main">
+  <p:cSld>
+    <p:spTree>
+      <p:nvGrpSpPr>
+        <p:cNvPr id="1" name=""/>
+        <p:cNvGrpSpPr/>
+        <p:nvPr/>
+      </p:nvGrpSpPr>
+      <p:grpSpPr>
+        <a:xfrm>
+          <a:off x="0" y="0"/>
+          <a:ext cx="0" cy="0"/>
+          <a:chOff x="0" y="0"/>
+          <a:chExt cx="0" cy="0"/>
+        </a:xfrm>
+      </p:grpSpPr>
+      <p:sp>
+        <p:nvSpPr>
+          <p:cNvPr id="2" name="Title 1">
+            <a:extLst>
+              <a:ext uri="{FF2B5EF4-FFF2-40B4-BE49-F238E27FC236}">
+                <a16:creationId xmlns:a16="http://schemas.microsoft.com/office/drawing/2014/main" id="{9D7E0FD1-1E50-89EE-5BC7-3954EB4BCD79}"/>
+              </a:ext>
+            </a:extLst>
+          </p:cNvPr>
+          <p:cNvSpPr>
+            <a:spLocks noGrp="1"/>
+          </p:cNvSpPr>
+          <p:nvPr>
+            <p:ph type="title"/>
+          </p:nvPr>
+        </p:nvSpPr>
+        <p:spPr/>
+        <p:txBody>
+          <a:bodyPr/>
+          <a:lstStyle/>
+          <a:p>
+            <a:r>
+              <a:rPr lang="en-US" dirty="0"/>
+              <a:t>Lookup Management API</a:t>
+            </a:r>
+          </a:p>
+        </p:txBody>
+      </p:sp>
+      <p:pic>
+        <p:nvPicPr>
+          <p:cNvPr id="7" name="Content Placeholder 6">
+            <a:extLst>
+              <a:ext uri="{FF2B5EF4-FFF2-40B4-BE49-F238E27FC236}">
+                <a16:creationId xmlns:a16="http://schemas.microsoft.com/office/drawing/2014/main" id="{6F828CEB-95F2-E7D7-F9F9-6933C77316AA}"/>
+              </a:ext>
+            </a:extLst>
+          </p:cNvPr>
+          <p:cNvPicPr>
+            <a:picLocks noGrp="1" noChangeAspect="1"/>
+          </p:cNvPicPr>
+          <p:nvPr>
+            <p:ph idx="1"/>
+          </p:nvPr>
+        </p:nvPicPr>
+        <p:blipFill>
+          <a:blip r:embed="rId2"/>
+          <a:stretch>
+            <a:fillRect/>
+          </a:stretch>
+        </p:blipFill>
+        <p:spPr>
+          <a:xfrm>
+            <a:off x="965200" y="1911452"/>
+            <a:ext cx="10515600" cy="1969884"/>
+          </a:xfrm>
+        </p:spPr>
+      </p:pic>
+    </p:spTree>
+    <p:extLst>
+      <p:ext uri="{BB962C8B-B14F-4D97-AF65-F5344CB8AC3E}">
+        <p14:creationId xmlns:p14="http://schemas.microsoft.com/office/powerpoint/2010/main" val="21134320"/>
+      </p:ext>
+    </p:extLst>
+  </p:cSld>
+  <p:clrMapOvr>
+    <a:masterClrMapping/>
+  </p:clrMapOvr>
+</p:sld>
+</file>
+
 <file path=ppt/slides/slide2.xml><?xml version="1.0" encoding="utf-8"?>
 <p:sld xmlns:a="http://schemas.openxmlformats.org/drawingml/2006/main" xmlns:r="http://schemas.openxmlformats.org/officeDocument/2006/relationships" xmlns:p="http://schemas.openxmlformats.org/presentationml/2006/main">
   <p:cSld>
@@ -3820,21 +3996,21 @@
           <a:p>
             <a:r>
               <a:rPr lang="en-US" dirty="0"/>
-              <a:t>Supports Database Lookup tables and Enum lookups </a:t>
-            </a:r>
-          </a:p>
-          <a:p>
-            <a:r>
-              <a:rPr lang="en-US" dirty="0"/>
-              <a:t>Returns lookup values localized </a:t>
-            </a:r>
-            <a:r>
-              <a:rPr lang="en-US"/>
-              <a:t>to language </a:t>
-            </a:r>
-            <a:r>
-              <a:rPr lang="en-US" dirty="0"/>
-              <a:t>requested in accept-lang header</a:t>
+              <a:t>Supports Database Lookup tables and Enum(</a:t>
+            </a:r>
+            <a:r>
+              <a:rPr lang="en-US" dirty="0" err="1"/>
+              <a:t>ReadOnly</a:t>
+            </a:r>
+            <a:r>
+              <a:rPr lang="en-US" dirty="0"/>
+              <a:t>) lookups </a:t>
+            </a:r>
+          </a:p>
+          <a:p>
+            <a:r>
+              <a:rPr lang="en-US" dirty="0"/>
+              <a:t>Returns lookup values localized to language requested in accept-lang header</a:t>
             </a:r>
           </a:p>
           <a:p>
@@ -3846,15 +4022,13 @@
           <a:p>
             <a:r>
               <a:rPr lang="en-US" dirty="0"/>
-              <a:t>Extensible:  supports adding lookups in other modules easily by overriding the lookup service and registering new lookup type </a:t>
-            </a:r>
-            <a:r>
-              <a:rPr lang="en-US" dirty="0" err="1"/>
-              <a:t>enums</a:t>
-            </a:r>
-            <a:r>
-              <a:rPr lang="en-US" dirty="0"/>
-              <a:t>. </a:t>
+              <a:t>Extensible:  supports adding lookups in other modules easily by registering new lookup type Enums on the lookup service. </a:t>
+            </a:r>
+          </a:p>
+          <a:p>
+            <a:r>
+              <a:rPr lang="en-US" dirty="0"/>
+              <a:t>Auto-create lookup tables controlled by a property.</a:t>
             </a:r>
           </a:p>
         </p:txBody>
@@ -4797,7 +4971,7 @@
           <a:p>
             <a:r>
               <a:rPr lang="en-US" sz="1000" dirty="0"/>
-              <a:t>An enumeration of all lookup types defined in the application.  </a:t>
+              <a:t>An enumeration of lookup types defined in the application.  </a:t>
             </a:r>
           </a:p>
         </p:txBody>
@@ -5258,7 +5432,7 @@
           <p:cNvPr id="2" name="Title 1">
             <a:extLst>
               <a:ext uri="{FF2B5EF4-FFF2-40B4-BE49-F238E27FC236}">
-                <a16:creationId xmlns:a16="http://schemas.microsoft.com/office/drawing/2014/main" id="{ABD2D63A-122D-A2FD-C639-CFDBB6A7A47C}"/>
+                <a16:creationId xmlns:a16="http://schemas.microsoft.com/office/drawing/2014/main" id="{A6C9D21B-FC14-C225-0D25-D898A08A571E}"/>
               </a:ext>
             </a:extLst>
           </p:cNvPr>
@@ -5276,163 +5450,670 @@
           <a:p>
             <a:r>
               <a:rPr lang="en-US" dirty="0"/>
-              <a:t>Integration Guide: Db managed lookups</a:t>
-            </a:r>
-          </a:p>
-        </p:txBody>
-      </p:sp>
-      <p:sp>
-        <p:nvSpPr>
-          <p:cNvPr id="3" name="Content Placeholder 2">
-            <a:extLst>
-              <a:ext uri="{FF2B5EF4-FFF2-40B4-BE49-F238E27FC236}">
-                <a16:creationId xmlns:a16="http://schemas.microsoft.com/office/drawing/2014/main" id="{D2F0607F-DDE5-DF4E-3B52-C25A67E5FCFB}"/>
-              </a:ext>
-            </a:extLst>
-          </p:cNvPr>
-          <p:cNvSpPr>
-            <a:spLocks noGrp="1"/>
-          </p:cNvSpPr>
-          <p:nvPr>
-            <p:ph idx="1"/>
-          </p:nvPr>
-        </p:nvSpPr>
-        <p:spPr>
-          <a:xfrm>
-            <a:off x="838200" y="1778972"/>
-            <a:ext cx="10515600" cy="4351338"/>
-          </a:xfrm>
-        </p:spPr>
-        <p:txBody>
-          <a:bodyPr/>
-          <a:lstStyle/>
-          <a:p>
-            <a:pPr>
-              <a:buFont typeface="Wingdings" panose="05000000000000000000" pitchFamily="2" charset="2"/>
-              <a:buChar char="Ø"/>
-            </a:pPr>
-            <a:r>
-              <a:rPr lang="en-US" dirty="0"/>
-              <a:t>Add entity table to your schema</a:t>
-            </a:r>
-            <a:br>
-              <a:rPr lang="en-US" dirty="0"/>
-            </a:br>
-            <a:br>
-              <a:rPr lang="en-US" dirty="0"/>
-            </a:br>
-            <a:br>
-              <a:rPr lang="en-US" dirty="0"/>
-            </a:br>
-            <a:br>
-              <a:rPr lang="en-US" dirty="0"/>
-            </a:br>
-            <a:br>
-              <a:rPr lang="en-US" dirty="0"/>
-            </a:br>
-            <a:endParaRPr lang="en-US" dirty="0"/>
-          </a:p>
-          <a:p>
-            <a:pPr>
-              <a:buFont typeface="Wingdings" panose="05000000000000000000" pitchFamily="2" charset="2"/>
-              <a:buChar char="Ø"/>
-            </a:pPr>
-            <a:r>
-              <a:rPr lang="en-US" dirty="0"/>
-              <a:t>Define entity class , </a:t>
-            </a:r>
-            <a:r>
-              <a:rPr lang="en-US" dirty="0" err="1"/>
-              <a:t>Cachable</a:t>
-            </a:r>
-            <a:r>
-              <a:rPr lang="en-US" dirty="0"/>
-              <a:t> &amp; extending </a:t>
-            </a:r>
-            <a:r>
-              <a:rPr lang="en-US" dirty="0" err="1"/>
-              <a:t>BaseLookupEntity</a:t>
-            </a:r>
-            <a:br>
-              <a:rPr lang="en-US" dirty="0"/>
-            </a:br>
-            <a:br>
-              <a:rPr lang="en-US" dirty="0"/>
-            </a:br>
-            <a:br>
-              <a:rPr lang="en-US" dirty="0"/>
-            </a:br>
-            <a:endParaRPr lang="en-US" dirty="0"/>
-          </a:p>
-          <a:p>
-            <a:endParaRPr lang="en-US" dirty="0"/>
-          </a:p>
-        </p:txBody>
-      </p:sp>
-      <p:pic>
-        <p:nvPicPr>
-          <p:cNvPr id="6" name="Picture 5">
-            <a:extLst>
-              <a:ext uri="{FF2B5EF4-FFF2-40B4-BE49-F238E27FC236}">
-                <a16:creationId xmlns:a16="http://schemas.microsoft.com/office/drawing/2014/main" id="{18BB87C6-B107-42F2-6035-B1398A3DFE49}"/>
-              </a:ext>
-            </a:extLst>
-          </p:cNvPr>
-          <p:cNvPicPr>
-            <a:picLocks noChangeAspect="1"/>
-          </p:cNvPicPr>
+              <a:t>Main Components</a:t>
+            </a:r>
+          </a:p>
+        </p:txBody>
+      </p:sp>
+      <p:sp>
+        <p:nvSpPr>
+          <p:cNvPr id="6" name="Rectangle: Rounded Corners 5">
+            <a:extLst>
+              <a:ext uri="{FF2B5EF4-FFF2-40B4-BE49-F238E27FC236}">
+                <a16:creationId xmlns:a16="http://schemas.microsoft.com/office/drawing/2014/main" id="{63F043B8-8CF0-6A63-C232-C5BDEA35E2A7}"/>
+              </a:ext>
+            </a:extLst>
+          </p:cNvPr>
+          <p:cNvSpPr/>
           <p:nvPr/>
-        </p:nvPicPr>
-        <p:blipFill>
-          <a:blip r:embed="rId2"/>
-          <a:stretch>
-            <a:fillRect/>
-          </a:stretch>
-        </p:blipFill>
-        <p:spPr>
-          <a:xfrm>
-            <a:off x="1732550" y="2274487"/>
-            <a:ext cx="4382112" cy="2029108"/>
+        </p:nvSpPr>
+        <p:spPr>
+          <a:xfrm>
+            <a:off x="838200" y="2008136"/>
+            <a:ext cx="2209800" cy="1076209"/>
+          </a:xfrm>
+          <a:prstGeom prst="roundRect">
+            <a:avLst/>
+          </a:prstGeom>
+        </p:spPr>
+        <p:style>
+          <a:lnRef idx="2">
+            <a:schemeClr val="accent1">
+              <a:shade val="50000"/>
+            </a:schemeClr>
+          </a:lnRef>
+          <a:fillRef idx="1">
+            <a:schemeClr val="accent1"/>
+          </a:fillRef>
+          <a:effectRef idx="0">
+            <a:schemeClr val="accent1"/>
+          </a:effectRef>
+          <a:fontRef idx="minor">
+            <a:schemeClr val="lt1"/>
+          </a:fontRef>
+        </p:style>
+        <p:txBody>
+          <a:bodyPr rtlCol="0" anchor="t"/>
+          <a:lstStyle/>
+          <a:p>
+            <a:pPr algn="ctr"/>
+            <a:r>
+              <a:rPr lang="en-US" dirty="0"/>
+              <a:t>Lookup Types Enum</a:t>
+            </a:r>
+          </a:p>
+        </p:txBody>
+      </p:sp>
+      <p:sp>
+        <p:nvSpPr>
+          <p:cNvPr id="7" name="Rectangle: Rounded Corners 6">
+            <a:extLst>
+              <a:ext uri="{FF2B5EF4-FFF2-40B4-BE49-F238E27FC236}">
+                <a16:creationId xmlns:a16="http://schemas.microsoft.com/office/drawing/2014/main" id="{F8A8962C-1BC0-1E2C-E7D2-6285C5C1799D}"/>
+              </a:ext>
+            </a:extLst>
+          </p:cNvPr>
+          <p:cNvSpPr/>
+          <p:nvPr/>
+        </p:nvSpPr>
+        <p:spPr>
+          <a:xfrm>
+            <a:off x="2890023" y="2339293"/>
+            <a:ext cx="2197508" cy="381434"/>
+          </a:xfrm>
+          <a:prstGeom prst="roundRect">
+            <a:avLst/>
+          </a:prstGeom>
+          <a:solidFill>
+            <a:schemeClr val="accent5"/>
+          </a:solidFill>
+        </p:spPr>
+        <p:style>
+          <a:lnRef idx="2">
+            <a:schemeClr val="accent1">
+              <a:shade val="50000"/>
+            </a:schemeClr>
+          </a:lnRef>
+          <a:fillRef idx="1">
+            <a:schemeClr val="accent1"/>
+          </a:fillRef>
+          <a:effectRef idx="0">
+            <a:schemeClr val="accent1"/>
+          </a:effectRef>
+          <a:fontRef idx="minor">
+            <a:schemeClr val="lt1"/>
+          </a:fontRef>
+        </p:style>
+        <p:txBody>
+          <a:bodyPr rtlCol="0" anchor="ctr"/>
+          <a:lstStyle/>
+          <a:p>
+            <a:pPr algn="ctr"/>
+            <a:r>
+              <a:rPr lang="en-US" dirty="0"/>
+              <a:t>Enum_LK1 </a:t>
+            </a:r>
+          </a:p>
+        </p:txBody>
+      </p:sp>
+      <p:sp>
+        <p:nvSpPr>
+          <p:cNvPr id="8" name="Rectangle: Rounded Corners 7">
+            <a:extLst>
+              <a:ext uri="{FF2B5EF4-FFF2-40B4-BE49-F238E27FC236}">
+                <a16:creationId xmlns:a16="http://schemas.microsoft.com/office/drawing/2014/main" id="{1782E295-C10D-38E0-5892-9D970BD08814}"/>
+              </a:ext>
+            </a:extLst>
+          </p:cNvPr>
+          <p:cNvSpPr/>
+          <p:nvPr/>
+        </p:nvSpPr>
+        <p:spPr>
+          <a:xfrm>
+            <a:off x="2873269" y="2702908"/>
+            <a:ext cx="2197508" cy="381434"/>
+          </a:xfrm>
+          <a:prstGeom prst="roundRect">
+            <a:avLst/>
+          </a:prstGeom>
+          <a:solidFill>
+            <a:schemeClr val="accent6">
+              <a:lumMod val="75000"/>
+            </a:schemeClr>
+          </a:solidFill>
+          <a:ln>
+            <a:solidFill>
+              <a:schemeClr val="accent6">
+                <a:lumMod val="50000"/>
+              </a:schemeClr>
+            </a:solidFill>
+          </a:ln>
+        </p:spPr>
+        <p:style>
+          <a:lnRef idx="2">
+            <a:schemeClr val="accent1">
+              <a:shade val="50000"/>
+            </a:schemeClr>
+          </a:lnRef>
+          <a:fillRef idx="1">
+            <a:schemeClr val="accent1"/>
+          </a:fillRef>
+          <a:effectRef idx="0">
+            <a:schemeClr val="accent1"/>
+          </a:effectRef>
+          <a:fontRef idx="minor">
+            <a:schemeClr val="lt1"/>
+          </a:fontRef>
+        </p:style>
+        <p:txBody>
+          <a:bodyPr rtlCol="0" anchor="ctr"/>
+          <a:lstStyle/>
+          <a:p>
+            <a:pPr algn="ctr"/>
+            <a:r>
+              <a:rPr lang="en-US" dirty="0"/>
+              <a:t>Entity_LK1</a:t>
+            </a:r>
+          </a:p>
+        </p:txBody>
+      </p:sp>
+      <p:sp>
+        <p:nvSpPr>
+          <p:cNvPr id="9" name="Rectangle: Rounded Corners 8">
+            <a:extLst>
+              <a:ext uri="{FF2B5EF4-FFF2-40B4-BE49-F238E27FC236}">
+                <a16:creationId xmlns:a16="http://schemas.microsoft.com/office/drawing/2014/main" id="{4E59E482-DCA6-AC8F-C578-8E4C49BAF03C}"/>
+              </a:ext>
+            </a:extLst>
+          </p:cNvPr>
+          <p:cNvSpPr/>
+          <p:nvPr/>
+        </p:nvSpPr>
+        <p:spPr>
+          <a:xfrm>
+            <a:off x="5947490" y="2702911"/>
+            <a:ext cx="2512664" cy="381434"/>
+          </a:xfrm>
+          <a:prstGeom prst="roundRect">
+            <a:avLst/>
+          </a:prstGeom>
+        </p:spPr>
+        <p:style>
+          <a:lnRef idx="2">
+            <a:schemeClr val="accent1">
+              <a:shade val="50000"/>
+            </a:schemeClr>
+          </a:lnRef>
+          <a:fillRef idx="1">
+            <a:schemeClr val="accent1"/>
+          </a:fillRef>
+          <a:effectRef idx="0">
+            <a:schemeClr val="accent1"/>
+          </a:effectRef>
+          <a:fontRef idx="minor">
+            <a:schemeClr val="lt1"/>
+          </a:fontRef>
+        </p:style>
+        <p:txBody>
+          <a:bodyPr rtlCol="0" anchor="ctr"/>
+          <a:lstStyle/>
+          <a:p>
+            <a:pPr algn="ctr"/>
+            <a:r>
+              <a:rPr lang="en-US" dirty="0"/>
+              <a:t>Entity_LK1 Repository  </a:t>
+            </a:r>
+          </a:p>
+        </p:txBody>
+      </p:sp>
+      <p:cxnSp>
+        <p:nvCxnSpPr>
+          <p:cNvPr id="11" name="Straight Arrow Connector 10">
+            <a:extLst>
+              <a:ext uri="{FF2B5EF4-FFF2-40B4-BE49-F238E27FC236}">
+                <a16:creationId xmlns:a16="http://schemas.microsoft.com/office/drawing/2014/main" id="{B93C1A7F-4D73-4634-3D56-32556279C3BC}"/>
+              </a:ext>
+            </a:extLst>
+          </p:cNvPr>
+          <p:cNvCxnSpPr>
+            <a:stCxn id="8" idx="3"/>
+            <a:endCxn id="9" idx="1"/>
+          </p:cNvCxnSpPr>
+          <p:nvPr/>
+        </p:nvCxnSpPr>
+        <p:spPr>
+          <a:xfrm>
+            <a:off x="5070777" y="2893625"/>
+            <a:ext cx="876713" cy="3"/>
+          </a:xfrm>
+          <a:prstGeom prst="straightConnector1">
+            <a:avLst/>
+          </a:prstGeom>
+          <a:ln w="19050">
+            <a:tailEnd type="triangle"/>
+          </a:ln>
+        </p:spPr>
+        <p:style>
+          <a:lnRef idx="1">
+            <a:schemeClr val="accent1"/>
+          </a:lnRef>
+          <a:fillRef idx="0">
+            <a:schemeClr val="accent1"/>
+          </a:fillRef>
+          <a:effectRef idx="0">
+            <a:schemeClr val="accent1"/>
+          </a:effectRef>
+          <a:fontRef idx="minor">
+            <a:schemeClr val="tx1"/>
+          </a:fontRef>
+        </p:style>
+      </p:cxnSp>
+      <p:sp>
+        <p:nvSpPr>
+          <p:cNvPr id="12" name="Cylinder 11">
+            <a:extLst>
+              <a:ext uri="{FF2B5EF4-FFF2-40B4-BE49-F238E27FC236}">
+                <a16:creationId xmlns:a16="http://schemas.microsoft.com/office/drawing/2014/main" id="{CBF0BC2E-7BCD-CC93-E4DF-13BE09C5EC8C}"/>
+              </a:ext>
+            </a:extLst>
+          </p:cNvPr>
+          <p:cNvSpPr/>
+          <p:nvPr/>
+        </p:nvSpPr>
+        <p:spPr>
+          <a:xfrm>
+            <a:off x="9668778" y="2530010"/>
+            <a:ext cx="1544715" cy="727970"/>
+          </a:xfrm>
+          <a:prstGeom prst="can">
+            <a:avLst/>
+          </a:prstGeom>
+        </p:spPr>
+        <p:style>
+          <a:lnRef idx="2">
+            <a:schemeClr val="accent4">
+              <a:shade val="50000"/>
+            </a:schemeClr>
+          </a:lnRef>
+          <a:fillRef idx="1">
+            <a:schemeClr val="accent4"/>
+          </a:fillRef>
+          <a:effectRef idx="0">
+            <a:schemeClr val="accent4"/>
+          </a:effectRef>
+          <a:fontRef idx="minor">
+            <a:schemeClr val="lt1"/>
+          </a:fontRef>
+        </p:style>
+        <p:txBody>
+          <a:bodyPr rtlCol="0" anchor="ctr"/>
+          <a:lstStyle/>
+          <a:p>
+            <a:pPr algn="ctr"/>
+            <a:r>
+              <a:rPr lang="en-US" dirty="0"/>
+              <a:t>DB</a:t>
+            </a:r>
+          </a:p>
+        </p:txBody>
+      </p:sp>
+      <p:cxnSp>
+        <p:nvCxnSpPr>
+          <p:cNvPr id="13" name="Straight Arrow Connector 12">
+            <a:extLst>
+              <a:ext uri="{FF2B5EF4-FFF2-40B4-BE49-F238E27FC236}">
+                <a16:creationId xmlns:a16="http://schemas.microsoft.com/office/drawing/2014/main" id="{DF0686C0-4690-51CF-BD87-B004C9067759}"/>
+              </a:ext>
+            </a:extLst>
+          </p:cNvPr>
+          <p:cNvCxnSpPr>
+            <a:cxnSpLocks/>
+            <a:stCxn id="9" idx="3"/>
+            <a:endCxn id="12" idx="2"/>
+          </p:cNvCxnSpPr>
+          <p:nvPr/>
+        </p:nvCxnSpPr>
+        <p:spPr>
+          <a:xfrm>
+            <a:off x="8460154" y="2893628"/>
+            <a:ext cx="1208624" cy="367"/>
+          </a:xfrm>
+          <a:prstGeom prst="straightConnector1">
+            <a:avLst/>
+          </a:prstGeom>
+          <a:ln w="19050">
+            <a:tailEnd type="triangle"/>
+          </a:ln>
+        </p:spPr>
+        <p:style>
+          <a:lnRef idx="1">
+            <a:schemeClr val="accent1"/>
+          </a:lnRef>
+          <a:fillRef idx="0">
+            <a:schemeClr val="accent1"/>
+          </a:fillRef>
+          <a:effectRef idx="0">
+            <a:schemeClr val="accent1"/>
+          </a:effectRef>
+          <a:fontRef idx="minor">
+            <a:schemeClr val="tx1"/>
+          </a:fontRef>
+        </p:style>
+      </p:cxnSp>
+      <p:sp>
+        <p:nvSpPr>
+          <p:cNvPr id="18" name="Rectangle: Rounded Corners 17">
+            <a:extLst>
+              <a:ext uri="{FF2B5EF4-FFF2-40B4-BE49-F238E27FC236}">
+                <a16:creationId xmlns:a16="http://schemas.microsoft.com/office/drawing/2014/main" id="{2FED9644-4FB3-2ECB-52F1-09A378A0DF89}"/>
+              </a:ext>
+            </a:extLst>
+          </p:cNvPr>
+          <p:cNvSpPr/>
+          <p:nvPr/>
+        </p:nvSpPr>
+        <p:spPr>
+          <a:xfrm>
+            <a:off x="3988777" y="3898909"/>
+            <a:ext cx="1849315" cy="464766"/>
+          </a:xfrm>
+          <a:prstGeom prst="roundRect">
+            <a:avLst/>
+          </a:prstGeom>
+        </p:spPr>
+        <p:style>
+          <a:lnRef idx="2">
+            <a:schemeClr val="accent1">
+              <a:shade val="50000"/>
+            </a:schemeClr>
+          </a:lnRef>
+          <a:fillRef idx="1">
+            <a:schemeClr val="accent1"/>
+          </a:fillRef>
+          <a:effectRef idx="0">
+            <a:schemeClr val="accent1"/>
+          </a:effectRef>
+          <a:fontRef idx="minor">
+            <a:schemeClr val="lt1"/>
+          </a:fontRef>
+        </p:style>
+        <p:txBody>
+          <a:bodyPr rtlCol="0" anchor="ctr"/>
+          <a:lstStyle/>
+          <a:p>
+            <a:pPr algn="ctr"/>
+            <a:r>
+              <a:rPr lang="en-US" dirty="0"/>
+              <a:t>Lookup Service  </a:t>
+            </a:r>
+          </a:p>
+        </p:txBody>
+      </p:sp>
+      <p:cxnSp>
+        <p:nvCxnSpPr>
+          <p:cNvPr id="20" name="Connector: Curved 19">
+            <a:extLst>
+              <a:ext uri="{FF2B5EF4-FFF2-40B4-BE49-F238E27FC236}">
+                <a16:creationId xmlns:a16="http://schemas.microsoft.com/office/drawing/2014/main" id="{5EA6D580-FF2D-A8FB-D49B-096690C33067}"/>
+              </a:ext>
+            </a:extLst>
+          </p:cNvPr>
+          <p:cNvCxnSpPr>
+            <a:stCxn id="6" idx="2"/>
+            <a:endCxn id="18" idx="1"/>
+          </p:cNvCxnSpPr>
+          <p:nvPr/>
+        </p:nvCxnSpPr>
+        <p:spPr>
+          <a:xfrm rot="16200000" flipH="1">
+            <a:off x="2442465" y="2584979"/>
+            <a:ext cx="1046947" cy="2045677"/>
+          </a:xfrm>
+          <a:prstGeom prst="curvedConnector2">
+            <a:avLst/>
+          </a:prstGeom>
+          <a:ln>
+            <a:tailEnd type="triangle"/>
+          </a:ln>
+        </p:spPr>
+        <p:style>
+          <a:lnRef idx="1">
+            <a:schemeClr val="accent1"/>
+          </a:lnRef>
+          <a:fillRef idx="0">
+            <a:schemeClr val="accent1"/>
+          </a:fillRef>
+          <a:effectRef idx="0">
+            <a:schemeClr val="accent1"/>
+          </a:effectRef>
+          <a:fontRef idx="minor">
+            <a:schemeClr val="tx1"/>
+          </a:fontRef>
+        </p:style>
+      </p:cxnSp>
+      <p:sp>
+        <p:nvSpPr>
+          <p:cNvPr id="21" name="TextBox 20">
+            <a:extLst>
+              <a:ext uri="{FF2B5EF4-FFF2-40B4-BE49-F238E27FC236}">
+                <a16:creationId xmlns:a16="http://schemas.microsoft.com/office/drawing/2014/main" id="{D9AE3076-5C28-1C26-EE92-B09E6A1920FF}"/>
+              </a:ext>
+            </a:extLst>
+          </p:cNvPr>
+          <p:cNvSpPr txBox="1"/>
+          <p:nvPr/>
+        </p:nvSpPr>
+        <p:spPr>
+          <a:xfrm>
+            <a:off x="1327638" y="3653822"/>
+            <a:ext cx="1104900" cy="276999"/>
           </a:xfrm>
           <a:prstGeom prst="rect">
             <a:avLst/>
           </a:prstGeom>
-        </p:spPr>
-      </p:pic>
-      <p:pic>
-        <p:nvPicPr>
-          <p:cNvPr id="8" name="Picture 7">
-            <a:extLst>
-              <a:ext uri="{FF2B5EF4-FFF2-40B4-BE49-F238E27FC236}">
-                <a16:creationId xmlns:a16="http://schemas.microsoft.com/office/drawing/2014/main" id="{1FC90C02-E023-3913-E53C-593E4546D873}"/>
-              </a:ext>
-            </a:extLst>
-          </p:cNvPr>
-          <p:cNvPicPr>
-            <a:picLocks noChangeAspect="1"/>
-          </p:cNvPicPr>
+          <a:noFill/>
+        </p:spPr>
+        <p:txBody>
+          <a:bodyPr wrap="square" rtlCol="0">
+            <a:spAutoFit/>
+          </a:bodyPr>
+          <a:lstStyle/>
+          <a:p>
+            <a:r>
+              <a:rPr lang="en-US" sz="1200" dirty="0"/>
+              <a:t>Register Types</a:t>
+            </a:r>
+          </a:p>
+        </p:txBody>
+      </p:sp>
+      <p:sp>
+        <p:nvSpPr>
+          <p:cNvPr id="22" name="Hexagon 21">
+            <a:extLst>
+              <a:ext uri="{FF2B5EF4-FFF2-40B4-BE49-F238E27FC236}">
+                <a16:creationId xmlns:a16="http://schemas.microsoft.com/office/drawing/2014/main" id="{B00CD0ED-6DAB-5DFE-38E5-11A3D2E0A9BD}"/>
+              </a:ext>
+            </a:extLst>
+          </p:cNvPr>
+          <p:cNvSpPr/>
           <p:nvPr/>
-        </p:nvPicPr>
-        <p:blipFill>
-          <a:blip r:embed="rId3"/>
-          <a:stretch>
-            <a:fillRect/>
-          </a:stretch>
-        </p:blipFill>
-        <p:spPr>
-          <a:xfrm>
-            <a:off x="1627562" y="4657418"/>
-            <a:ext cx="7630590" cy="2200582"/>
-          </a:xfrm>
-          <a:prstGeom prst="rect">
+        </p:nvSpPr>
+        <p:spPr>
+          <a:xfrm>
+            <a:off x="1349449" y="5330962"/>
+            <a:ext cx="2347546" cy="386862"/>
+          </a:xfrm>
+          <a:prstGeom prst="hexagon">
             <a:avLst/>
           </a:prstGeom>
         </p:spPr>
-      </p:pic>
+        <p:style>
+          <a:lnRef idx="2">
+            <a:schemeClr val="accent6">
+              <a:shade val="50000"/>
+            </a:schemeClr>
+          </a:lnRef>
+          <a:fillRef idx="1">
+            <a:schemeClr val="accent6"/>
+          </a:fillRef>
+          <a:effectRef idx="0">
+            <a:schemeClr val="accent6"/>
+          </a:effectRef>
+          <a:fontRef idx="minor">
+            <a:schemeClr val="lt1"/>
+          </a:fontRef>
+        </p:style>
+        <p:txBody>
+          <a:bodyPr rtlCol="0" anchor="ctr"/>
+          <a:lstStyle/>
+          <a:p>
+            <a:pPr algn="ctr"/>
+            <a:r>
+              <a:rPr lang="en-US" dirty="0"/>
+              <a:t>Lookup Controller</a:t>
+            </a:r>
+          </a:p>
+        </p:txBody>
+      </p:sp>
+      <p:sp>
+        <p:nvSpPr>
+          <p:cNvPr id="23" name="Hexagon 22">
+            <a:extLst>
+              <a:ext uri="{FF2B5EF4-FFF2-40B4-BE49-F238E27FC236}">
+                <a16:creationId xmlns:a16="http://schemas.microsoft.com/office/drawing/2014/main" id="{320E4E50-6C67-B9FB-E856-0FBF50C319FE}"/>
+              </a:ext>
+            </a:extLst>
+          </p:cNvPr>
+          <p:cNvSpPr/>
+          <p:nvPr/>
+        </p:nvSpPr>
+        <p:spPr>
+          <a:xfrm>
+            <a:off x="6044541" y="5330962"/>
+            <a:ext cx="3107886" cy="386862"/>
+          </a:xfrm>
+          <a:prstGeom prst="hexagon">
+            <a:avLst/>
+          </a:prstGeom>
+        </p:spPr>
+        <p:style>
+          <a:lnRef idx="2">
+            <a:schemeClr val="accent6">
+              <a:shade val="50000"/>
+            </a:schemeClr>
+          </a:lnRef>
+          <a:fillRef idx="1">
+            <a:schemeClr val="accent6"/>
+          </a:fillRef>
+          <a:effectRef idx="0">
+            <a:schemeClr val="accent6"/>
+          </a:effectRef>
+          <a:fontRef idx="minor">
+            <a:schemeClr val="lt1"/>
+          </a:fontRef>
+        </p:style>
+        <p:txBody>
+          <a:bodyPr rtlCol="0" anchor="ctr"/>
+          <a:lstStyle/>
+          <a:p>
+            <a:pPr algn="ctr"/>
+            <a:r>
+              <a:rPr lang="en-US" dirty="0"/>
+              <a:t>Lookup Admin Controller</a:t>
+            </a:r>
+          </a:p>
+        </p:txBody>
+      </p:sp>
+      <p:cxnSp>
+        <p:nvCxnSpPr>
+          <p:cNvPr id="25" name="Connector: Curved 24">
+            <a:extLst>
+              <a:ext uri="{FF2B5EF4-FFF2-40B4-BE49-F238E27FC236}">
+                <a16:creationId xmlns:a16="http://schemas.microsoft.com/office/drawing/2014/main" id="{1C1D3226-7085-CFEB-881F-11AA8C6B9EEF}"/>
+              </a:ext>
+            </a:extLst>
+          </p:cNvPr>
+          <p:cNvCxnSpPr>
+            <a:cxnSpLocks/>
+            <a:stCxn id="18" idx="2"/>
+            <a:endCxn id="22" idx="0"/>
+          </p:cNvCxnSpPr>
+          <p:nvPr/>
+        </p:nvCxnSpPr>
+        <p:spPr>
+          <a:xfrm rot="5400000">
+            <a:off x="3724856" y="4335814"/>
+            <a:ext cx="1160718" cy="1216440"/>
+          </a:xfrm>
+          <a:prstGeom prst="curvedConnector2">
+            <a:avLst/>
+          </a:prstGeom>
+          <a:ln>
+            <a:tailEnd type="triangle"/>
+          </a:ln>
+        </p:spPr>
+        <p:style>
+          <a:lnRef idx="1">
+            <a:schemeClr val="accent1"/>
+          </a:lnRef>
+          <a:fillRef idx="0">
+            <a:schemeClr val="accent1"/>
+          </a:fillRef>
+          <a:effectRef idx="0">
+            <a:schemeClr val="accent1"/>
+          </a:effectRef>
+          <a:fontRef idx="minor">
+            <a:schemeClr val="tx1"/>
+          </a:fontRef>
+        </p:style>
+      </p:cxnSp>
+      <p:cxnSp>
+        <p:nvCxnSpPr>
+          <p:cNvPr id="27" name="Connector: Curved 26">
+            <a:extLst>
+              <a:ext uri="{FF2B5EF4-FFF2-40B4-BE49-F238E27FC236}">
+                <a16:creationId xmlns:a16="http://schemas.microsoft.com/office/drawing/2014/main" id="{03B8FC84-8AF8-5E4D-823E-9456F8C54252}"/>
+              </a:ext>
+            </a:extLst>
+          </p:cNvPr>
+          <p:cNvCxnSpPr>
+            <a:cxnSpLocks/>
+            <a:stCxn id="18" idx="2"/>
+            <a:endCxn id="23" idx="3"/>
+          </p:cNvCxnSpPr>
+          <p:nvPr/>
+        </p:nvCxnSpPr>
+        <p:spPr>
+          <a:xfrm rot="16200000" flipH="1">
+            <a:off x="4898629" y="4378481"/>
+            <a:ext cx="1160718" cy="1131106"/>
+          </a:xfrm>
+          <a:prstGeom prst="curvedConnector2">
+            <a:avLst/>
+          </a:prstGeom>
+          <a:ln>
+            <a:tailEnd type="triangle"/>
+          </a:ln>
+        </p:spPr>
+        <p:style>
+          <a:lnRef idx="1">
+            <a:schemeClr val="accent1"/>
+          </a:lnRef>
+          <a:fillRef idx="0">
+            <a:schemeClr val="accent1"/>
+          </a:fillRef>
+          <a:effectRef idx="0">
+            <a:schemeClr val="accent1"/>
+          </a:effectRef>
+          <a:fontRef idx="minor">
+            <a:schemeClr val="tx1"/>
+          </a:fontRef>
+        </p:style>
+      </p:cxnSp>
     </p:spTree>
     <p:extLst>
       <p:ext uri="{BB962C8B-B14F-4D97-AF65-F5344CB8AC3E}">
-        <p14:creationId xmlns:p14="http://schemas.microsoft.com/office/powerpoint/2010/main" val="2951236380"/>
+        <p14:creationId xmlns:p14="http://schemas.microsoft.com/office/powerpoint/2010/main" val="1102174822"/>
       </p:ext>
     </p:extLst>
   </p:cSld>
@@ -5521,8 +6202,40 @@
             </a:pPr>
             <a:r>
               <a:rPr lang="en-US" dirty="0"/>
-              <a:t>Define repository wrapper class</a:t>
-            </a:r>
+              <a:t>Add entity table to your schema </a:t>
+            </a:r>
+            <a:r>
+              <a:rPr lang="en-US" b="1" dirty="0"/>
+              <a:t>OR</a:t>
+            </a:r>
+            <a:r>
+              <a:rPr lang="en-US" dirty="0"/>
+              <a:t> set </a:t>
+            </a:r>
+            <a:r>
+              <a:rPr lang="en-US" dirty="0" err="1"/>
+              <a:t>app.lookups.auto</a:t>
+            </a:r>
+            <a:r>
+              <a:rPr lang="en-US" dirty="0"/>
+              <a:t>-create=true </a:t>
+            </a:r>
+            <a:br>
+              <a:rPr lang="en-US" dirty="0"/>
+            </a:br>
+            <a:br>
+              <a:rPr lang="en-US" dirty="0"/>
+            </a:br>
+            <a:br>
+              <a:rPr lang="en-US" dirty="0"/>
+            </a:br>
+            <a:br>
+              <a:rPr lang="en-US" dirty="0"/>
+            </a:br>
+            <a:br>
+              <a:rPr lang="en-US" dirty="0"/>
+            </a:br>
+            <a:endParaRPr lang="en-US" dirty="0"/>
           </a:p>
           <a:p>
             <a:pPr>
@@ -5531,11 +6244,19 @@
             </a:pPr>
             <a:r>
               <a:rPr lang="en-US" dirty="0"/>
-              <a:t>Define entity repository extending </a:t>
+              <a:t>Define entity class , </a:t>
             </a:r>
             <a:r>
               <a:rPr lang="en-US" dirty="0" err="1"/>
-              <a:t>BaseLookupRepository</a:t>
+              <a:t>Cachable</a:t>
+            </a:r>
+            <a:r>
+              <a:rPr lang="en-US" dirty="0"/>
+              <a:t> &amp; extending </a:t>
+            </a:r>
+            <a:r>
+              <a:rPr lang="en-US" dirty="0" err="1"/>
+              <a:t>BaseLookupEntity</a:t>
             </a:r>
             <a:br>
               <a:rPr lang="en-US" dirty="0"/>
@@ -5546,21 +6267,6 @@
             <a:br>
               <a:rPr lang="en-US" dirty="0"/>
             </a:br>
-            <a:br>
-              <a:rPr lang="en-US" dirty="0"/>
-            </a:br>
-            <a:br>
-              <a:rPr lang="en-US" dirty="0"/>
-            </a:br>
-            <a:br>
-              <a:rPr lang="en-US" dirty="0"/>
-            </a:br>
-            <a:br>
-              <a:rPr lang="en-US" dirty="0"/>
-            </a:br>
-            <a:br>
-              <a:rPr lang="en-US" dirty="0"/>
-            </a:br>
             <a:endParaRPr lang="en-US" dirty="0"/>
           </a:p>
           <a:p>
@@ -5570,10 +6276,10 @@
       </p:sp>
       <p:pic>
         <p:nvPicPr>
-          <p:cNvPr id="5" name="Picture 4">
-            <a:extLst>
-              <a:ext uri="{FF2B5EF4-FFF2-40B4-BE49-F238E27FC236}">
-                <a16:creationId xmlns:a16="http://schemas.microsoft.com/office/drawing/2014/main" id="{4E1FBC34-B335-2520-6E0C-8FE7F5029958}"/>
+          <p:cNvPr id="6" name="Picture 5">
+            <a:extLst>
+              <a:ext uri="{FF2B5EF4-FFF2-40B4-BE49-F238E27FC236}">
+                <a16:creationId xmlns:a16="http://schemas.microsoft.com/office/drawing/2014/main" id="{18BB87C6-B107-42F2-6035-B1398A3DFE49}"/>
               </a:ext>
             </a:extLst>
           </p:cNvPr>
@@ -5590,8 +6296,38 @@
         </p:blipFill>
         <p:spPr>
           <a:xfrm>
-            <a:off x="1339554" y="2759419"/>
-            <a:ext cx="7964011" cy="2962688"/>
+            <a:off x="1732550" y="2274487"/>
+            <a:ext cx="4382112" cy="2029108"/>
+          </a:xfrm>
+          <a:prstGeom prst="rect">
+            <a:avLst/>
+          </a:prstGeom>
+        </p:spPr>
+      </p:pic>
+      <p:pic>
+        <p:nvPicPr>
+          <p:cNvPr id="8" name="Picture 7">
+            <a:extLst>
+              <a:ext uri="{FF2B5EF4-FFF2-40B4-BE49-F238E27FC236}">
+                <a16:creationId xmlns:a16="http://schemas.microsoft.com/office/drawing/2014/main" id="{1FC90C02-E023-3913-E53C-593E4546D873}"/>
+              </a:ext>
+            </a:extLst>
+          </p:cNvPr>
+          <p:cNvPicPr>
+            <a:picLocks noChangeAspect="1"/>
+          </p:cNvPicPr>
+          <p:nvPr/>
+        </p:nvPicPr>
+        <p:blipFill>
+          <a:blip r:embed="rId3"/>
+          <a:stretch>
+            <a:fillRect/>
+          </a:stretch>
+        </p:blipFill>
+        <p:spPr>
+          <a:xfrm>
+            <a:off x="1627562" y="4657418"/>
+            <a:ext cx="7630590" cy="2200582"/>
           </a:xfrm>
           <a:prstGeom prst="rect">
             <a:avLst/>
@@ -5601,7 +6337,7 @@
     </p:spTree>
     <p:extLst>
       <p:ext uri="{BB962C8B-B14F-4D97-AF65-F5344CB8AC3E}">
-        <p14:creationId xmlns:p14="http://schemas.microsoft.com/office/powerpoint/2010/main" val="3281692762"/>
+        <p14:creationId xmlns:p14="http://schemas.microsoft.com/office/powerpoint/2010/main" val="2951236380"/>
       </p:ext>
     </p:extLst>
   </p:cSld>
@@ -5651,7 +6387,7 @@
           <a:p>
             <a:r>
               <a:rPr lang="en-US" dirty="0"/>
-              <a:t>Integration Guide: Read-only/Enum lookups</a:t>
+              <a:t>Integration Guide: Db managed lookups</a:t>
             </a:r>
           </a:p>
         </p:txBody>
@@ -5690,26 +6426,22 @@
             </a:pPr>
             <a:r>
               <a:rPr lang="en-US" dirty="0"/>
-              <a:t>Define </a:t>
+              <a:t>Define repository wrapper class</a:t>
+            </a:r>
+          </a:p>
+          <a:p>
+            <a:pPr>
+              <a:buFont typeface="Wingdings" panose="05000000000000000000" pitchFamily="2" charset="2"/>
+              <a:buChar char="Ø"/>
+            </a:pPr>
+            <a:r>
+              <a:rPr lang="en-US" dirty="0"/>
+              <a:t>Define entity repository extending </a:t>
             </a:r>
             <a:r>
               <a:rPr lang="en-US" dirty="0" err="1"/>
-              <a:t>enum</a:t>
-            </a:r>
-            <a:r>
-              <a:rPr lang="en-US" dirty="0"/>
-              <a:t> implementing </a:t>
-            </a:r>
-            <a:r>
-              <a:rPr lang="en-US" dirty="0" err="1"/>
-              <a:t>ILookupEnum</a:t>
-            </a:r>
-            <a:endParaRPr lang="en-US" dirty="0"/>
-          </a:p>
-          <a:p>
-            <a:pPr marL="0" indent="0">
-              <a:buNone/>
-            </a:pPr>
+              <a:t>BaseLookupRepository</a:t>
+            </a:r>
             <a:br>
               <a:rPr lang="en-US" dirty="0"/>
             </a:br>
@@ -5731,6 +6463,9 @@
             <a:br>
               <a:rPr lang="en-US" dirty="0"/>
             </a:br>
+            <a:br>
+              <a:rPr lang="en-US" dirty="0"/>
+            </a:br>
             <a:endParaRPr lang="en-US" dirty="0"/>
           </a:p>
           <a:p>
@@ -5740,10 +6475,10 @@
       </p:sp>
       <p:pic>
         <p:nvPicPr>
-          <p:cNvPr id="6" name="Picture 5">
-            <a:extLst>
-              <a:ext uri="{FF2B5EF4-FFF2-40B4-BE49-F238E27FC236}">
-                <a16:creationId xmlns:a16="http://schemas.microsoft.com/office/drawing/2014/main" id="{0B159DA0-FD59-D231-671F-F4C4776BCCF6}"/>
+          <p:cNvPr id="5" name="Picture 4">
+            <a:extLst>
+              <a:ext uri="{FF2B5EF4-FFF2-40B4-BE49-F238E27FC236}">
+                <a16:creationId xmlns:a16="http://schemas.microsoft.com/office/drawing/2014/main" id="{4E1FBC34-B335-2520-6E0C-8FE7F5029958}"/>
               </a:ext>
             </a:extLst>
           </p:cNvPr>
@@ -5760,8 +6495,8 @@
         </p:blipFill>
         <p:spPr>
           <a:xfrm>
-            <a:off x="1316452" y="2473297"/>
-            <a:ext cx="6125430" cy="2962688"/>
+            <a:off x="1339554" y="2759419"/>
+            <a:ext cx="7964011" cy="2962688"/>
           </a:xfrm>
           <a:prstGeom prst="rect">
             <a:avLst/>
@@ -5771,7 +6506,7 @@
     </p:spTree>
     <p:extLst>
       <p:ext uri="{BB962C8B-B14F-4D97-AF65-F5344CB8AC3E}">
-        <p14:creationId xmlns:p14="http://schemas.microsoft.com/office/powerpoint/2010/main" val="3377355585"/>
+        <p14:creationId xmlns:p14="http://schemas.microsoft.com/office/powerpoint/2010/main" val="3281692762"/>
       </p:ext>
     </p:extLst>
   </p:cSld>
@@ -5821,7 +6556,7 @@
           <a:p>
             <a:r>
               <a:rPr lang="en-US" dirty="0"/>
-              <a:t>Integration Guide: Common</a:t>
+              <a:t>Integration Guide: Read-only/Enum lookups</a:t>
             </a:r>
           </a:p>
         </p:txBody>
@@ -5860,7 +6595,7 @@
             </a:pPr>
             <a:r>
               <a:rPr lang="en-US" dirty="0"/>
-              <a:t>Define one or more </a:t>
+              <a:t>Define </a:t>
             </a:r>
             <a:r>
               <a:rPr lang="en-US" dirty="0" err="1"/>
@@ -5868,16 +6603,13 @@
             </a:r>
             <a:r>
               <a:rPr lang="en-US" dirty="0"/>
-              <a:t> of lookup Types implementing </a:t>
+              <a:t> implementing </a:t>
             </a:r>
             <a:r>
               <a:rPr lang="en-US" dirty="0" err="1"/>
-              <a:t>ILookupTypeEnum</a:t>
-            </a:r>
-            <a:r>
-              <a:rPr lang="en-US" dirty="0"/>
-              <a:t> and register them with the lookup service</a:t>
-            </a:r>
+              <a:t>ILookupEnum</a:t>
+            </a:r>
+            <a:endParaRPr lang="en-US" dirty="0"/>
           </a:p>
           <a:p>
             <a:pPr marL="0" indent="0">
@@ -5913,10 +6645,10 @@
       </p:sp>
       <p:pic>
         <p:nvPicPr>
-          <p:cNvPr id="5" name="Picture 4">
-            <a:extLst>
-              <a:ext uri="{FF2B5EF4-FFF2-40B4-BE49-F238E27FC236}">
-                <a16:creationId xmlns:a16="http://schemas.microsoft.com/office/drawing/2014/main" id="{8E0934F1-46BA-2BE5-5231-798C3CD2ED94}"/>
+          <p:cNvPr id="6" name="Picture 5">
+            <a:extLst>
+              <a:ext uri="{FF2B5EF4-FFF2-40B4-BE49-F238E27FC236}">
+                <a16:creationId xmlns:a16="http://schemas.microsoft.com/office/drawing/2014/main" id="{0B159DA0-FD59-D231-671F-F4C4776BCCF6}"/>
               </a:ext>
             </a:extLst>
           </p:cNvPr>
@@ -5933,8 +6665,8 @@
         </p:blipFill>
         <p:spPr>
           <a:xfrm>
-            <a:off x="986557" y="2700831"/>
-            <a:ext cx="9173855" cy="3429479"/>
+            <a:off x="1316452" y="2473297"/>
+            <a:ext cx="6125430" cy="2962688"/>
           </a:xfrm>
           <a:prstGeom prst="rect">
             <a:avLst/>
@@ -5944,7 +6676,7 @@
     </p:spTree>
     <p:extLst>
       <p:ext uri="{BB962C8B-B14F-4D97-AF65-F5344CB8AC3E}">
-        <p14:creationId xmlns:p14="http://schemas.microsoft.com/office/powerpoint/2010/main" val="1288190820"/>
+        <p14:creationId xmlns:p14="http://schemas.microsoft.com/office/powerpoint/2010/main" val="3377355585"/>
       </p:ext>
     </p:extLst>
   </p:cSld>
@@ -6033,48 +6765,54 @@
             </a:pPr>
             <a:r>
               <a:rPr lang="en-US" dirty="0"/>
-              <a:t> Call the </a:t>
+              <a:t>Define one or more </a:t>
             </a:r>
             <a:r>
               <a:rPr lang="en-US" dirty="0" err="1"/>
-              <a:t>registerLookupTypes</a:t>
-            </a:r>
-            <a:r>
-              <a:rPr lang="en-US" dirty="0"/>
-              <a:t> on the </a:t>
+              <a:t>enum</a:t>
+            </a:r>
+            <a:r>
+              <a:rPr lang="en-US" dirty="0"/>
+              <a:t> of lookup Types implementing </a:t>
             </a:r>
             <a:r>
               <a:rPr lang="en-US" dirty="0" err="1"/>
-              <a:t>LookupType</a:t>
-            </a:r>
-            <a:br>
-              <a:rPr lang="en-US" dirty="0"/>
-            </a:br>
-            <a:br>
-              <a:rPr lang="en-US" dirty="0"/>
-            </a:br>
-            <a:br>
-              <a:rPr lang="en-US" dirty="0"/>
-            </a:br>
-            <a:br>
-              <a:rPr lang="en-US" dirty="0"/>
-            </a:br>
-            <a:br>
-              <a:rPr lang="en-US" dirty="0"/>
-            </a:br>
-            <a:br>
-              <a:rPr lang="en-US" dirty="0"/>
-            </a:br>
-            <a:endParaRPr lang="en-US" dirty="0"/>
+              <a:t>ILookupTypeEnum</a:t>
+            </a:r>
+            <a:r>
+              <a:rPr lang="en-US" dirty="0"/>
+              <a:t> and register them with the lookup service</a:t>
+            </a:r>
           </a:p>
           <a:p>
             <a:pPr marL="0" indent="0">
               <a:buNone/>
             </a:pPr>
-            <a:r>
-              <a:rPr lang="en-US" dirty="0"/>
-              <a:t> </a:t>
-            </a:r>
+            <a:br>
+              <a:rPr lang="en-US" dirty="0"/>
+            </a:br>
+            <a:br>
+              <a:rPr lang="en-US" dirty="0"/>
+            </a:br>
+            <a:br>
+              <a:rPr lang="en-US" dirty="0"/>
+            </a:br>
+            <a:br>
+              <a:rPr lang="en-US" dirty="0"/>
+            </a:br>
+            <a:br>
+              <a:rPr lang="en-US" dirty="0"/>
+            </a:br>
+            <a:br>
+              <a:rPr lang="en-US" dirty="0"/>
+            </a:br>
+            <a:br>
+              <a:rPr lang="en-US" dirty="0"/>
+            </a:br>
+            <a:endParaRPr lang="en-US" dirty="0"/>
+          </a:p>
+          <a:p>
+            <a:endParaRPr lang="en-US" dirty="0"/>
           </a:p>
         </p:txBody>
       </p:sp>
@@ -6083,7 +6821,7 @@
           <p:cNvPr id="5" name="Picture 4">
             <a:extLst>
               <a:ext uri="{FF2B5EF4-FFF2-40B4-BE49-F238E27FC236}">
-                <a16:creationId xmlns:a16="http://schemas.microsoft.com/office/drawing/2014/main" id="{4D375A2F-A9F5-2C0D-E916-0F460EE42E72}"/>
+                <a16:creationId xmlns:a16="http://schemas.microsoft.com/office/drawing/2014/main" id="{8E0934F1-46BA-2BE5-5231-798C3CD2ED94}"/>
               </a:ext>
             </a:extLst>
           </p:cNvPr>
@@ -6100,8 +6838,8 @@
         </p:blipFill>
         <p:spPr>
           <a:xfrm>
-            <a:off x="1058480" y="2382796"/>
-            <a:ext cx="7274981" cy="2087603"/>
+            <a:off x="986557" y="2700831"/>
+            <a:ext cx="9173855" cy="3429479"/>
           </a:xfrm>
           <a:prstGeom prst="rect">
             <a:avLst/>
@@ -6111,7 +6849,7 @@
     </p:spTree>
     <p:extLst>
       <p:ext uri="{BB962C8B-B14F-4D97-AF65-F5344CB8AC3E}">
-        <p14:creationId xmlns:p14="http://schemas.microsoft.com/office/powerpoint/2010/main" val="821779698"/>
+        <p14:creationId xmlns:p14="http://schemas.microsoft.com/office/powerpoint/2010/main" val="1288190820"/>
       </p:ext>
     </p:extLst>
   </p:cSld>
@@ -6143,7 +6881,7 @@
           <p:cNvPr id="2" name="Title 1">
             <a:extLst>
               <a:ext uri="{FF2B5EF4-FFF2-40B4-BE49-F238E27FC236}">
-                <a16:creationId xmlns:a16="http://schemas.microsoft.com/office/drawing/2014/main" id="{9D7E0FD1-1E50-89EE-5BC7-3954EB4BCD79}"/>
+                <a16:creationId xmlns:a16="http://schemas.microsoft.com/office/drawing/2014/main" id="{ABD2D63A-122D-A2FD-C639-CFDBB6A7A47C}"/>
               </a:ext>
             </a:extLst>
           </p:cNvPr>
@@ -6159,7 +6897,10 @@
           <a:bodyPr/>
           <a:lstStyle/>
           <a:p>
-            <a:endParaRPr lang="en-US"/>
+            <a:r>
+              <a:rPr lang="en-US" dirty="0"/>
+              <a:t>Integration Guide: Common</a:t>
+            </a:r>
           </a:p>
         </p:txBody>
       </p:sp>
@@ -6168,7 +6909,7 @@
           <p:cNvPr id="3" name="Content Placeholder 2">
             <a:extLst>
               <a:ext uri="{FF2B5EF4-FFF2-40B4-BE49-F238E27FC236}">
-                <a16:creationId xmlns:a16="http://schemas.microsoft.com/office/drawing/2014/main" id="{655A58E3-2DF4-D0A4-2A73-1B8EEFC91F25}"/>
+                <a16:creationId xmlns:a16="http://schemas.microsoft.com/office/drawing/2014/main" id="{D2F0607F-DDE5-DF4E-3B52-C25A67E5FCFB}"/>
               </a:ext>
             </a:extLst>
           </p:cNvPr>
@@ -6179,19 +6920,103 @@
             <p:ph idx="1"/>
           </p:nvPr>
         </p:nvSpPr>
-        <p:spPr/>
-        <p:txBody>
-          <a:bodyPr/>
-          <a:lstStyle/>
-          <a:p>
-            <a:endParaRPr lang="en-US"/>
-          </a:p>
-        </p:txBody>
-      </p:sp>
+        <p:spPr>
+          <a:xfrm>
+            <a:off x="838200" y="1778972"/>
+            <a:ext cx="10515600" cy="4351338"/>
+          </a:xfrm>
+        </p:spPr>
+        <p:txBody>
+          <a:bodyPr>
+            <a:normAutofit/>
+          </a:bodyPr>
+          <a:lstStyle/>
+          <a:p>
+            <a:pPr>
+              <a:buFont typeface="Wingdings" panose="05000000000000000000" pitchFamily="2" charset="2"/>
+              <a:buChar char="Ø"/>
+            </a:pPr>
+            <a:r>
+              <a:rPr lang="en-US" dirty="0"/>
+              <a:t> Call the </a:t>
+            </a:r>
+            <a:r>
+              <a:rPr lang="en-US" dirty="0" err="1"/>
+              <a:t>registerLookupTypes</a:t>
+            </a:r>
+            <a:r>
+              <a:rPr lang="en-US" dirty="0"/>
+              <a:t> on the </a:t>
+            </a:r>
+            <a:r>
+              <a:rPr lang="en-US" dirty="0" err="1"/>
+              <a:t>LookupType</a:t>
+            </a:r>
+            <a:br>
+              <a:rPr lang="en-US" dirty="0"/>
+            </a:br>
+            <a:br>
+              <a:rPr lang="en-US" dirty="0"/>
+            </a:br>
+            <a:br>
+              <a:rPr lang="en-US" dirty="0"/>
+            </a:br>
+            <a:br>
+              <a:rPr lang="en-US" dirty="0"/>
+            </a:br>
+            <a:br>
+              <a:rPr lang="en-US" dirty="0"/>
+            </a:br>
+            <a:br>
+              <a:rPr lang="en-US" dirty="0"/>
+            </a:br>
+            <a:endParaRPr lang="en-US" dirty="0"/>
+          </a:p>
+          <a:p>
+            <a:pPr marL="0" indent="0">
+              <a:buNone/>
+            </a:pPr>
+            <a:r>
+              <a:rPr lang="en-US" dirty="0"/>
+              <a:t> </a:t>
+            </a:r>
+          </a:p>
+        </p:txBody>
+      </p:sp>
+      <p:pic>
+        <p:nvPicPr>
+          <p:cNvPr id="5" name="Picture 4">
+            <a:extLst>
+              <a:ext uri="{FF2B5EF4-FFF2-40B4-BE49-F238E27FC236}">
+                <a16:creationId xmlns:a16="http://schemas.microsoft.com/office/drawing/2014/main" id="{4D375A2F-A9F5-2C0D-E916-0F460EE42E72}"/>
+              </a:ext>
+            </a:extLst>
+          </p:cNvPr>
+          <p:cNvPicPr>
+            <a:picLocks noChangeAspect="1"/>
+          </p:cNvPicPr>
+          <p:nvPr/>
+        </p:nvPicPr>
+        <p:blipFill>
+          <a:blip r:embed="rId2"/>
+          <a:stretch>
+            <a:fillRect/>
+          </a:stretch>
+        </p:blipFill>
+        <p:spPr>
+          <a:xfrm>
+            <a:off x="1058480" y="2382796"/>
+            <a:ext cx="7274981" cy="2087603"/>
+          </a:xfrm>
+          <a:prstGeom prst="rect">
+            <a:avLst/>
+          </a:prstGeom>
+        </p:spPr>
+      </p:pic>
     </p:spTree>
     <p:extLst>
       <p:ext uri="{BB962C8B-B14F-4D97-AF65-F5344CB8AC3E}">
-        <p14:creationId xmlns:p14="http://schemas.microsoft.com/office/powerpoint/2010/main" val="2006550171"/>
+        <p14:creationId xmlns:p14="http://schemas.microsoft.com/office/powerpoint/2010/main" val="821779698"/>
       </p:ext>
     </p:extLst>
   </p:cSld>

--- a/docs/LookupsDesign.pptx
+++ b/docs/LookupsDesign.pptx
@@ -5,7 +5,7 @@
     <p:sldMasterId id="2147483648" r:id="rId1"/>
   </p:sldMasterIdLst>
   <p:notesMasterIdLst>
-    <p:notesMasterId r:id="rId13"/>
+    <p:notesMasterId r:id="rId17"/>
   </p:notesMasterIdLst>
   <p:sldIdLst>
     <p:sldId id="256" r:id="rId2"/>
@@ -19,6 +19,10 @@
     <p:sldId id="267" r:id="rId10"/>
     <p:sldId id="268" r:id="rId11"/>
     <p:sldId id="269" r:id="rId12"/>
+    <p:sldId id="271" r:id="rId13"/>
+    <p:sldId id="272" r:id="rId14"/>
+    <p:sldId id="273" r:id="rId15"/>
+    <p:sldId id="274" r:id="rId16"/>
   </p:sldIdLst>
   <p:sldSz cx="12192000" cy="6858000"/>
   <p:notesSz cx="6858000" cy="9144000"/>
@@ -118,6 +122,36 @@
     </a:lvl9pPr>
   </p:defaultTextStyle>
   <p:extLst>
+    <p:ext uri="{521415D9-36F7-43E2-AB2F-B90AF26B5E84}">
+      <p14:sectionLst xmlns:p14="http://schemas.microsoft.com/office/powerpoint/2010/main">
+        <p14:section name="Default Section" id="{E6F4005A-1871-43A6-89F0-0A7A54362D62}">
+          <p14:sldIdLst>
+            <p14:sldId id="256"/>
+            <p14:sldId id="259"/>
+            <p14:sldId id="260"/>
+            <p14:sldId id="270"/>
+            <p14:sldId id="261"/>
+            <p14:sldId id="262"/>
+            <p14:sldId id="263"/>
+            <p14:sldId id="265"/>
+            <p14:sldId id="267"/>
+            <p14:sldId id="268"/>
+            <p14:sldId id="269"/>
+            <p14:sldId id="271"/>
+          </p14:sldIdLst>
+        </p14:section>
+        <p14:section name="SearchSpecification" id="{529E4590-9292-4403-B3A5-39D340A22131}">
+          <p14:sldIdLst>
+            <p14:sldId id="272"/>
+            <p14:sldId id="273"/>
+            <p14:sldId id="274"/>
+          </p14:sldIdLst>
+        </p14:section>
+        <p14:section name="Untitled Section" id="{7D0696B9-0F40-47B6-AF66-070248C907AA}">
+          <p14:sldIdLst/>
+        </p14:section>
+      </p14:sectionLst>
+    </p:ext>
     <p:ext uri="{EFAFB233-063F-42B5-8137-9DF3F51BA10A}">
       <p15:sldGuideLst xmlns:p15="http://schemas.microsoft.com/office/powerpoint/2012/main"/>
     </p:ext>
@@ -207,7 +241,7 @@
           <a:p>
             <a:fld id="{BF5530F1-BB2D-4453-B544-7EE3362641FB}" type="datetimeFigureOut">
               <a:rPr lang="en-US" smtClean="0"/>
-              <a:t>5/7/2023</a:t>
+              <a:t>6/1/2023</a:t>
             </a:fld>
             <a:endParaRPr lang="en-US"/>
           </a:p>
@@ -621,7 +655,7 @@
           <a:p>
             <a:fld id="{CB167EDE-B260-44FD-886D-2B2B152B6062}" type="datetimeFigureOut">
               <a:rPr lang="en-US" smtClean="0"/>
-              <a:t>5/7/2023</a:t>
+              <a:t>6/1/2023</a:t>
             </a:fld>
             <a:endParaRPr lang="en-US"/>
           </a:p>
@@ -819,7 +853,7 @@
           <a:p>
             <a:fld id="{CB167EDE-B260-44FD-886D-2B2B152B6062}" type="datetimeFigureOut">
               <a:rPr lang="en-US" smtClean="0"/>
-              <a:t>5/7/2023</a:t>
+              <a:t>6/1/2023</a:t>
             </a:fld>
             <a:endParaRPr lang="en-US"/>
           </a:p>
@@ -1027,7 +1061,7 @@
           <a:p>
             <a:fld id="{CB167EDE-B260-44FD-886D-2B2B152B6062}" type="datetimeFigureOut">
               <a:rPr lang="en-US" smtClean="0"/>
-              <a:t>5/7/2023</a:t>
+              <a:t>6/1/2023</a:t>
             </a:fld>
             <a:endParaRPr lang="en-US"/>
           </a:p>
@@ -1225,7 +1259,7 @@
           <a:p>
             <a:fld id="{CB167EDE-B260-44FD-886D-2B2B152B6062}" type="datetimeFigureOut">
               <a:rPr lang="en-US" smtClean="0"/>
-              <a:t>5/7/2023</a:t>
+              <a:t>6/1/2023</a:t>
             </a:fld>
             <a:endParaRPr lang="en-US"/>
           </a:p>
@@ -1500,7 +1534,7 @@
           <a:p>
             <a:fld id="{CB167EDE-B260-44FD-886D-2B2B152B6062}" type="datetimeFigureOut">
               <a:rPr lang="en-US" smtClean="0"/>
-              <a:t>5/7/2023</a:t>
+              <a:t>6/1/2023</a:t>
             </a:fld>
             <a:endParaRPr lang="en-US"/>
           </a:p>
@@ -1765,7 +1799,7 @@
           <a:p>
             <a:fld id="{CB167EDE-B260-44FD-886D-2B2B152B6062}" type="datetimeFigureOut">
               <a:rPr lang="en-US" smtClean="0"/>
-              <a:t>5/7/2023</a:t>
+              <a:t>6/1/2023</a:t>
             </a:fld>
             <a:endParaRPr lang="en-US"/>
           </a:p>
@@ -2177,7 +2211,7 @@
           <a:p>
             <a:fld id="{CB167EDE-B260-44FD-886D-2B2B152B6062}" type="datetimeFigureOut">
               <a:rPr lang="en-US" smtClean="0"/>
-              <a:t>5/7/2023</a:t>
+              <a:t>6/1/2023</a:t>
             </a:fld>
             <a:endParaRPr lang="en-US"/>
           </a:p>
@@ -2318,7 +2352,7 @@
           <a:p>
             <a:fld id="{CB167EDE-B260-44FD-886D-2B2B152B6062}" type="datetimeFigureOut">
               <a:rPr lang="en-US" smtClean="0"/>
-              <a:t>5/7/2023</a:t>
+              <a:t>6/1/2023</a:t>
             </a:fld>
             <a:endParaRPr lang="en-US"/>
           </a:p>
@@ -2431,7 +2465,7 @@
           <a:p>
             <a:fld id="{CB167EDE-B260-44FD-886D-2B2B152B6062}" type="datetimeFigureOut">
               <a:rPr lang="en-US" smtClean="0"/>
-              <a:t>5/7/2023</a:t>
+              <a:t>6/1/2023</a:t>
             </a:fld>
             <a:endParaRPr lang="en-US"/>
           </a:p>
@@ -2742,7 +2776,7 @@
           <a:p>
             <a:fld id="{CB167EDE-B260-44FD-886D-2B2B152B6062}" type="datetimeFigureOut">
               <a:rPr lang="en-US" smtClean="0"/>
-              <a:t>5/7/2023</a:t>
+              <a:t>6/1/2023</a:t>
             </a:fld>
             <a:endParaRPr lang="en-US"/>
           </a:p>
@@ -3030,7 +3064,7 @@
           <a:p>
             <a:fld id="{CB167EDE-B260-44FD-886D-2B2B152B6062}" type="datetimeFigureOut">
               <a:rPr lang="en-US" smtClean="0"/>
-              <a:t>5/7/2023</a:t>
+              <a:t>6/1/2023</a:t>
             </a:fld>
             <a:endParaRPr lang="en-US"/>
           </a:p>
@@ -3271,7 +3305,7 @@
           <a:p>
             <a:fld id="{CB167EDE-B260-44FD-886D-2B2B152B6062}" type="datetimeFigureOut">
               <a:rPr lang="en-US" smtClean="0"/>
-              <a:t>5/7/2023</a:t>
+              <a:t>6/1/2023</a:t>
             </a:fld>
             <a:endParaRPr lang="en-US"/>
           </a:p>
@@ -3928,6 +3962,2756 @@
 </p:sld>
 </file>
 
+<file path=ppt/slides/slide12.xml><?xml version="1.0" encoding="utf-8"?>
+<p:sld xmlns:a="http://schemas.openxmlformats.org/drawingml/2006/main" xmlns:r="http://schemas.openxmlformats.org/officeDocument/2006/relationships" xmlns:p="http://schemas.openxmlformats.org/presentationml/2006/main">
+  <p:cSld>
+    <p:spTree>
+      <p:nvGrpSpPr>
+        <p:cNvPr id="1" name=""/>
+        <p:cNvGrpSpPr/>
+        <p:nvPr/>
+      </p:nvGrpSpPr>
+      <p:grpSpPr>
+        <a:xfrm>
+          <a:off x="0" y="0"/>
+          <a:ext cx="0" cy="0"/>
+          <a:chOff x="0" y="0"/>
+          <a:chExt cx="0" cy="0"/>
+        </a:xfrm>
+      </p:grpSpPr>
+      <p:sp>
+        <p:nvSpPr>
+          <p:cNvPr id="2" name="Title 1">
+            <a:extLst>
+              <a:ext uri="{FF2B5EF4-FFF2-40B4-BE49-F238E27FC236}">
+                <a16:creationId xmlns:a16="http://schemas.microsoft.com/office/drawing/2014/main" id="{7A38CCBE-C642-8598-1773-BE8B64E9A373}"/>
+              </a:ext>
+            </a:extLst>
+          </p:cNvPr>
+          <p:cNvSpPr>
+            <a:spLocks noGrp="1"/>
+          </p:cNvSpPr>
+          <p:nvPr>
+            <p:ph type="title"/>
+          </p:nvPr>
+        </p:nvSpPr>
+        <p:spPr/>
+        <p:txBody>
+          <a:bodyPr/>
+          <a:lstStyle/>
+          <a:p>
+            <a:r>
+              <a:rPr lang="en-US" dirty="0"/>
+              <a:t>Localization</a:t>
+            </a:r>
+          </a:p>
+        </p:txBody>
+      </p:sp>
+      <p:sp>
+        <p:nvSpPr>
+          <p:cNvPr id="3" name="Content Placeholder 2">
+            <a:extLst>
+              <a:ext uri="{FF2B5EF4-FFF2-40B4-BE49-F238E27FC236}">
+                <a16:creationId xmlns:a16="http://schemas.microsoft.com/office/drawing/2014/main" id="{E2001928-54B9-FD19-A0B2-59BD30619D68}"/>
+              </a:ext>
+            </a:extLst>
+          </p:cNvPr>
+          <p:cNvSpPr>
+            <a:spLocks noGrp="1"/>
+          </p:cNvSpPr>
+          <p:nvPr>
+            <p:ph idx="1"/>
+          </p:nvPr>
+        </p:nvSpPr>
+        <p:spPr/>
+        <p:txBody>
+          <a:bodyPr/>
+          <a:lstStyle/>
+          <a:p>
+            <a:r>
+              <a:rPr lang="en-US" dirty="0"/>
+              <a:t>Add translation table to your schema </a:t>
+            </a:r>
+            <a:r>
+              <a:rPr lang="en-US" b="1" dirty="0"/>
+              <a:t>OR</a:t>
+            </a:r>
+            <a:r>
+              <a:rPr lang="en-US" dirty="0"/>
+              <a:t> set </a:t>
+            </a:r>
+            <a:r>
+              <a:rPr lang="en-US" dirty="0" err="1"/>
+              <a:t>app.localization.auto</a:t>
+            </a:r>
+            <a:r>
+              <a:rPr lang="en-US" dirty="0"/>
+              <a:t>-create=true</a:t>
+            </a:r>
+          </a:p>
+          <a:p>
+            <a:pPr marL="457200" lvl="1" indent="0">
+              <a:buNone/>
+            </a:pPr>
+            <a:r>
+              <a:rPr lang="en-US" sz="1400" b="1" dirty="0">
+                <a:solidFill>
+                  <a:srgbClr val="800000"/>
+                </a:solidFill>
+                <a:latin typeface="Consolas" panose="020B0609020204030204" pitchFamily="49" charset="0"/>
+              </a:rPr>
+              <a:t>CREATE</a:t>
+            </a:r>
+            <a:r>
+              <a:rPr lang="en-US" sz="1400" b="1" dirty="0">
+                <a:solidFill>
+                  <a:srgbClr val="000000"/>
+                </a:solidFill>
+                <a:latin typeface="Consolas" panose="020B0609020204030204" pitchFamily="49" charset="0"/>
+              </a:rPr>
+              <a:t> </a:t>
+            </a:r>
+            <a:r>
+              <a:rPr lang="en-US" sz="1400" b="1" dirty="0">
+                <a:solidFill>
+                  <a:srgbClr val="800000"/>
+                </a:solidFill>
+                <a:latin typeface="Consolas" panose="020B0609020204030204" pitchFamily="49" charset="0"/>
+              </a:rPr>
+              <a:t>TABLE</a:t>
+            </a:r>
+            <a:r>
+              <a:rPr lang="en-US" sz="1400" b="1" dirty="0">
+                <a:solidFill>
+                  <a:srgbClr val="000000"/>
+                </a:solidFill>
+                <a:latin typeface="Consolas" panose="020B0609020204030204" pitchFamily="49" charset="0"/>
+              </a:rPr>
+              <a:t>  </a:t>
+            </a:r>
+            <a:r>
+              <a:rPr lang="en-US" sz="1400" b="1" dirty="0">
+                <a:solidFill>
+                  <a:srgbClr val="000080"/>
+                </a:solidFill>
+                <a:latin typeface="Consolas" panose="020B0609020204030204" pitchFamily="49" charset="0"/>
+              </a:rPr>
+              <a:t>translation</a:t>
+            </a:r>
+            <a:r>
+              <a:rPr lang="en-US" sz="1400" b="1" dirty="0">
+                <a:solidFill>
+                  <a:srgbClr val="000000"/>
+                </a:solidFill>
+                <a:latin typeface="Consolas" panose="020B0609020204030204" pitchFamily="49" charset="0"/>
+              </a:rPr>
+              <a:t> (</a:t>
+            </a:r>
+          </a:p>
+          <a:p>
+            <a:pPr marL="457200" lvl="1" indent="0">
+              <a:buNone/>
+            </a:pPr>
+            <a:r>
+              <a:rPr lang="en-US" sz="1400" dirty="0">
+                <a:solidFill>
+                  <a:srgbClr val="000000"/>
+                </a:solidFill>
+                <a:latin typeface="Consolas" panose="020B0609020204030204" pitchFamily="49" charset="0"/>
+              </a:rPr>
+              <a:t>id serial4 </a:t>
+            </a:r>
+            <a:r>
+              <a:rPr lang="en-US" sz="1400" b="1" dirty="0">
+                <a:solidFill>
+                  <a:srgbClr val="800000"/>
+                </a:solidFill>
+                <a:latin typeface="Consolas" panose="020B0609020204030204" pitchFamily="49" charset="0"/>
+              </a:rPr>
+              <a:t>NOT</a:t>
+            </a:r>
+            <a:r>
+              <a:rPr lang="en-US" sz="1400" b="1" dirty="0">
+                <a:solidFill>
+                  <a:srgbClr val="000000"/>
+                </a:solidFill>
+                <a:latin typeface="Consolas" panose="020B0609020204030204" pitchFamily="49" charset="0"/>
+              </a:rPr>
+              <a:t> </a:t>
+            </a:r>
+            <a:r>
+              <a:rPr lang="en-US" sz="1400" b="1" dirty="0">
+                <a:solidFill>
+                  <a:srgbClr val="800000"/>
+                </a:solidFill>
+                <a:latin typeface="Consolas" panose="020B0609020204030204" pitchFamily="49" charset="0"/>
+              </a:rPr>
+              <a:t>NULL</a:t>
+            </a:r>
+            <a:r>
+              <a:rPr lang="en-US" sz="1400" b="1" dirty="0">
+                <a:solidFill>
+                  <a:srgbClr val="000000"/>
+                </a:solidFill>
+                <a:latin typeface="Consolas" panose="020B0609020204030204" pitchFamily="49" charset="0"/>
+              </a:rPr>
+              <a:t>,</a:t>
+            </a:r>
+          </a:p>
+          <a:p>
+            <a:pPr marL="457200" lvl="1" indent="0">
+              <a:buNone/>
+            </a:pPr>
+            <a:r>
+              <a:rPr lang="en-US" sz="1400" dirty="0">
+                <a:solidFill>
+                  <a:srgbClr val="000080"/>
+                </a:solidFill>
+                <a:latin typeface="Consolas" panose="020B0609020204030204" pitchFamily="49" charset="0"/>
+              </a:rPr>
+              <a:t>"key"</a:t>
+            </a:r>
+            <a:r>
+              <a:rPr lang="en-US" sz="1400" dirty="0">
+                <a:solidFill>
+                  <a:srgbClr val="000000"/>
+                </a:solidFill>
+                <a:latin typeface="Consolas" panose="020B0609020204030204" pitchFamily="49" charset="0"/>
+              </a:rPr>
+              <a:t> </a:t>
+            </a:r>
+            <a:r>
+              <a:rPr lang="en-US" sz="1400" b="1" dirty="0">
+                <a:solidFill>
+                  <a:srgbClr val="000080"/>
+                </a:solidFill>
+                <a:latin typeface="Consolas" panose="020B0609020204030204" pitchFamily="49" charset="0"/>
+              </a:rPr>
+              <a:t>varchar</a:t>
+            </a:r>
+            <a:r>
+              <a:rPr lang="en-US" sz="1400" b="1" dirty="0">
+                <a:solidFill>
+                  <a:srgbClr val="000000"/>
+                </a:solidFill>
+                <a:latin typeface="Consolas" panose="020B0609020204030204" pitchFamily="49" charset="0"/>
+              </a:rPr>
+              <a:t> </a:t>
+            </a:r>
+            <a:r>
+              <a:rPr lang="en-US" sz="1400" b="1" dirty="0">
+                <a:solidFill>
+                  <a:srgbClr val="800000"/>
+                </a:solidFill>
+                <a:latin typeface="Consolas" panose="020B0609020204030204" pitchFamily="49" charset="0"/>
+              </a:rPr>
+              <a:t>NOT</a:t>
+            </a:r>
+            <a:r>
+              <a:rPr lang="en-US" sz="1400" b="1" dirty="0">
+                <a:solidFill>
+                  <a:srgbClr val="000000"/>
+                </a:solidFill>
+                <a:latin typeface="Consolas" panose="020B0609020204030204" pitchFamily="49" charset="0"/>
+              </a:rPr>
+              <a:t> </a:t>
+            </a:r>
+            <a:r>
+              <a:rPr lang="en-US" sz="1400" b="1" dirty="0">
+                <a:solidFill>
+                  <a:srgbClr val="800000"/>
+                </a:solidFill>
+                <a:latin typeface="Consolas" panose="020B0609020204030204" pitchFamily="49" charset="0"/>
+              </a:rPr>
+              <a:t>NULL</a:t>
+            </a:r>
+            <a:r>
+              <a:rPr lang="en-US" sz="1400" b="1" dirty="0">
+                <a:solidFill>
+                  <a:srgbClr val="000000"/>
+                </a:solidFill>
+                <a:latin typeface="Consolas" panose="020B0609020204030204" pitchFamily="49" charset="0"/>
+              </a:rPr>
+              <a:t>,</a:t>
+            </a:r>
+          </a:p>
+          <a:p>
+            <a:pPr marL="457200" lvl="1" indent="0">
+              <a:buNone/>
+            </a:pPr>
+            <a:r>
+              <a:rPr lang="en-US" sz="1400" dirty="0">
+                <a:solidFill>
+                  <a:srgbClr val="000000"/>
+                </a:solidFill>
+                <a:latin typeface="Consolas" panose="020B0609020204030204" pitchFamily="49" charset="0"/>
+              </a:rPr>
+              <a:t>locale </a:t>
+            </a:r>
+            <a:r>
+              <a:rPr lang="en-US" sz="1400" b="1" dirty="0">
+                <a:solidFill>
+                  <a:srgbClr val="000080"/>
+                </a:solidFill>
+                <a:latin typeface="Consolas" panose="020B0609020204030204" pitchFamily="49" charset="0"/>
+              </a:rPr>
+              <a:t>varchar</a:t>
+            </a:r>
+            <a:r>
+              <a:rPr lang="en-US" sz="1400" b="1" dirty="0">
+                <a:solidFill>
+                  <a:srgbClr val="000000"/>
+                </a:solidFill>
+                <a:latin typeface="Consolas" panose="020B0609020204030204" pitchFamily="49" charset="0"/>
+              </a:rPr>
+              <a:t> </a:t>
+            </a:r>
+            <a:r>
+              <a:rPr lang="en-US" sz="1400" b="1" dirty="0">
+                <a:solidFill>
+                  <a:srgbClr val="800000"/>
+                </a:solidFill>
+                <a:latin typeface="Consolas" panose="020B0609020204030204" pitchFamily="49" charset="0"/>
+              </a:rPr>
+              <a:t>NULL</a:t>
+            </a:r>
+            <a:r>
+              <a:rPr lang="en-US" sz="1400" b="1" dirty="0">
+                <a:solidFill>
+                  <a:srgbClr val="000000"/>
+                </a:solidFill>
+                <a:latin typeface="Consolas" panose="020B0609020204030204" pitchFamily="49" charset="0"/>
+              </a:rPr>
+              <a:t>,</a:t>
+            </a:r>
+          </a:p>
+          <a:p>
+            <a:pPr marL="457200" lvl="1" indent="0">
+              <a:buNone/>
+            </a:pPr>
+            <a:r>
+              <a:rPr lang="en-US" sz="1400" dirty="0">
+                <a:solidFill>
+                  <a:srgbClr val="000000"/>
+                </a:solidFill>
+                <a:latin typeface="Consolas" panose="020B0609020204030204" pitchFamily="49" charset="0"/>
+              </a:rPr>
+              <a:t>value </a:t>
+            </a:r>
+            <a:r>
+              <a:rPr lang="en-US" sz="1400" b="1" dirty="0">
+                <a:solidFill>
+                  <a:srgbClr val="000080"/>
+                </a:solidFill>
+                <a:latin typeface="Consolas" panose="020B0609020204030204" pitchFamily="49" charset="0"/>
+              </a:rPr>
+              <a:t>varchar</a:t>
+            </a:r>
+            <a:r>
+              <a:rPr lang="en-US" sz="1400" b="1" dirty="0">
+                <a:solidFill>
+                  <a:srgbClr val="000000"/>
+                </a:solidFill>
+                <a:latin typeface="Consolas" panose="020B0609020204030204" pitchFamily="49" charset="0"/>
+              </a:rPr>
+              <a:t> </a:t>
+            </a:r>
+            <a:r>
+              <a:rPr lang="en-US" sz="1400" b="1" dirty="0">
+                <a:solidFill>
+                  <a:srgbClr val="800000"/>
+                </a:solidFill>
+                <a:latin typeface="Consolas" panose="020B0609020204030204" pitchFamily="49" charset="0"/>
+              </a:rPr>
+              <a:t>NULL</a:t>
+            </a:r>
+            <a:r>
+              <a:rPr lang="en-US" sz="1400" b="1" dirty="0">
+                <a:solidFill>
+                  <a:srgbClr val="000000"/>
+                </a:solidFill>
+                <a:latin typeface="Consolas" panose="020B0609020204030204" pitchFamily="49" charset="0"/>
+              </a:rPr>
+              <a:t>,</a:t>
+            </a:r>
+          </a:p>
+          <a:p>
+            <a:pPr marL="457200" lvl="1" indent="0">
+              <a:buNone/>
+            </a:pPr>
+            <a:r>
+              <a:rPr lang="en-US" sz="1400" b="1" dirty="0">
+                <a:solidFill>
+                  <a:srgbClr val="800000"/>
+                </a:solidFill>
+                <a:latin typeface="Consolas" panose="020B0609020204030204" pitchFamily="49" charset="0"/>
+              </a:rPr>
+              <a:t>CONSTRAINT</a:t>
+            </a:r>
+            <a:r>
+              <a:rPr lang="en-US" sz="1400" b="1" dirty="0">
+                <a:solidFill>
+                  <a:srgbClr val="000000"/>
+                </a:solidFill>
+                <a:latin typeface="Consolas" panose="020B0609020204030204" pitchFamily="49" charset="0"/>
+              </a:rPr>
+              <a:t> </a:t>
+            </a:r>
+            <a:r>
+              <a:rPr lang="en-US" sz="1400" b="1" dirty="0" err="1">
+                <a:solidFill>
+                  <a:srgbClr val="000000"/>
+                </a:solidFill>
+                <a:latin typeface="Consolas" panose="020B0609020204030204" pitchFamily="49" charset="0"/>
+              </a:rPr>
+              <a:t>translation_pk</a:t>
+            </a:r>
+            <a:r>
+              <a:rPr lang="en-US" sz="1400" b="1" dirty="0">
+                <a:solidFill>
+                  <a:srgbClr val="000000"/>
+                </a:solidFill>
+                <a:latin typeface="Consolas" panose="020B0609020204030204" pitchFamily="49" charset="0"/>
+              </a:rPr>
+              <a:t> </a:t>
+            </a:r>
+            <a:r>
+              <a:rPr lang="en-US" sz="1400" b="1" dirty="0">
+                <a:solidFill>
+                  <a:srgbClr val="800000"/>
+                </a:solidFill>
+                <a:latin typeface="Consolas" panose="020B0609020204030204" pitchFamily="49" charset="0"/>
+              </a:rPr>
+              <a:t>PRIMARY</a:t>
+            </a:r>
+            <a:r>
+              <a:rPr lang="en-US" sz="1400" b="1" dirty="0">
+                <a:solidFill>
+                  <a:srgbClr val="000000"/>
+                </a:solidFill>
+                <a:latin typeface="Consolas" panose="020B0609020204030204" pitchFamily="49" charset="0"/>
+              </a:rPr>
+              <a:t> </a:t>
+            </a:r>
+            <a:r>
+              <a:rPr lang="en-US" sz="1400" b="1" dirty="0">
+                <a:solidFill>
+                  <a:srgbClr val="800000"/>
+                </a:solidFill>
+                <a:latin typeface="Consolas" panose="020B0609020204030204" pitchFamily="49" charset="0"/>
+              </a:rPr>
+              <a:t>KEY</a:t>
+            </a:r>
+            <a:r>
+              <a:rPr lang="en-US" sz="1400" b="1" dirty="0">
+                <a:solidFill>
+                  <a:srgbClr val="000000"/>
+                </a:solidFill>
+                <a:latin typeface="Consolas" panose="020B0609020204030204" pitchFamily="49" charset="0"/>
+              </a:rPr>
+              <a:t> (id),</a:t>
+            </a:r>
+          </a:p>
+          <a:p>
+            <a:pPr marL="457200" lvl="1" indent="0">
+              <a:buNone/>
+            </a:pPr>
+            <a:r>
+              <a:rPr lang="fr-FR" sz="1400" b="1" dirty="0">
+                <a:solidFill>
+                  <a:srgbClr val="800000"/>
+                </a:solidFill>
+                <a:latin typeface="Consolas" panose="020B0609020204030204" pitchFamily="49" charset="0"/>
+              </a:rPr>
+              <a:t>CONSTRAINT</a:t>
+            </a:r>
+            <a:r>
+              <a:rPr lang="fr-FR" sz="1400" b="1" dirty="0">
+                <a:solidFill>
+                  <a:srgbClr val="000000"/>
+                </a:solidFill>
+                <a:latin typeface="Consolas" panose="020B0609020204030204" pitchFamily="49" charset="0"/>
+              </a:rPr>
+              <a:t> </a:t>
+            </a:r>
+            <a:r>
+              <a:rPr lang="fr-FR" sz="1400" b="1" dirty="0" err="1">
+                <a:solidFill>
+                  <a:srgbClr val="000000"/>
+                </a:solidFill>
+                <a:latin typeface="Consolas" panose="020B0609020204030204" pitchFamily="49" charset="0"/>
+              </a:rPr>
+              <a:t>translation_un</a:t>
+            </a:r>
+            <a:r>
+              <a:rPr lang="fr-FR" sz="1400" b="1" dirty="0">
+                <a:solidFill>
+                  <a:srgbClr val="000000"/>
+                </a:solidFill>
+                <a:latin typeface="Consolas" panose="020B0609020204030204" pitchFamily="49" charset="0"/>
+              </a:rPr>
+              <a:t> </a:t>
+            </a:r>
+            <a:r>
+              <a:rPr lang="fr-FR" sz="1400" b="1" dirty="0">
+                <a:solidFill>
+                  <a:srgbClr val="800000"/>
+                </a:solidFill>
+                <a:latin typeface="Consolas" panose="020B0609020204030204" pitchFamily="49" charset="0"/>
+              </a:rPr>
+              <a:t>UNIQUE</a:t>
+            </a:r>
+            <a:r>
+              <a:rPr lang="fr-FR" sz="1400" b="1" dirty="0">
+                <a:solidFill>
+                  <a:srgbClr val="000000"/>
+                </a:solidFill>
+                <a:latin typeface="Consolas" panose="020B0609020204030204" pitchFamily="49" charset="0"/>
+              </a:rPr>
+              <a:t> (</a:t>
+            </a:r>
+            <a:r>
+              <a:rPr lang="fr-FR" sz="1400" b="1" dirty="0">
+                <a:solidFill>
+                  <a:srgbClr val="800000"/>
+                </a:solidFill>
+                <a:latin typeface="Consolas" panose="020B0609020204030204" pitchFamily="49" charset="0"/>
+              </a:rPr>
+              <a:t>key</a:t>
+            </a:r>
+            <a:r>
+              <a:rPr lang="fr-FR" sz="1400" b="1" dirty="0">
+                <a:solidFill>
+                  <a:srgbClr val="000000"/>
+                </a:solidFill>
+                <a:latin typeface="Consolas" panose="020B0609020204030204" pitchFamily="49" charset="0"/>
+              </a:rPr>
+              <a:t>, locale)</a:t>
+            </a:r>
+          </a:p>
+          <a:p>
+            <a:pPr marL="457200" lvl="1" indent="0">
+              <a:buNone/>
+            </a:pPr>
+            <a:r>
+              <a:rPr lang="en-US" sz="1400" dirty="0">
+                <a:solidFill>
+                  <a:srgbClr val="000000"/>
+                </a:solidFill>
+                <a:latin typeface="Consolas" panose="020B0609020204030204" pitchFamily="49" charset="0"/>
+              </a:rPr>
+              <a:t>)</a:t>
+            </a:r>
+            <a:r>
+              <a:rPr lang="en-US" sz="1400" dirty="0">
+                <a:solidFill>
+                  <a:srgbClr val="FF0000"/>
+                </a:solidFill>
+                <a:latin typeface="Consolas" panose="020B0609020204030204" pitchFamily="49" charset="0"/>
+              </a:rPr>
+              <a:t>;</a:t>
+            </a:r>
+          </a:p>
+          <a:p>
+            <a:endParaRPr lang="en-US" sz="1800" dirty="0"/>
+          </a:p>
+          <a:p>
+            <a:pPr marL="0" indent="0" algn="l">
+              <a:buNone/>
+            </a:pPr>
+            <a:endParaRPr lang="en-US" sz="1800" dirty="0">
+              <a:solidFill>
+                <a:srgbClr val="FF0000"/>
+              </a:solidFill>
+              <a:latin typeface="Consolas" panose="020B0609020204030204" pitchFamily="49" charset="0"/>
+            </a:endParaRPr>
+          </a:p>
+          <a:p>
+            <a:pPr marL="0" indent="0" algn="l">
+              <a:buNone/>
+            </a:pPr>
+            <a:endParaRPr lang="en-US" dirty="0"/>
+          </a:p>
+        </p:txBody>
+      </p:sp>
+    </p:spTree>
+    <p:extLst>
+      <p:ext uri="{BB962C8B-B14F-4D97-AF65-F5344CB8AC3E}">
+        <p14:creationId xmlns:p14="http://schemas.microsoft.com/office/powerpoint/2010/main" val="3375281103"/>
+      </p:ext>
+    </p:extLst>
+  </p:cSld>
+  <p:clrMapOvr>
+    <a:masterClrMapping/>
+  </p:clrMapOvr>
+</p:sld>
+</file>
+
+<file path=ppt/slides/slide13.xml><?xml version="1.0" encoding="utf-8"?>
+<p:sld xmlns:a="http://schemas.openxmlformats.org/drawingml/2006/main" xmlns:r="http://schemas.openxmlformats.org/officeDocument/2006/relationships" xmlns:p="http://schemas.openxmlformats.org/presentationml/2006/main">
+  <p:cSld>
+    <p:spTree>
+      <p:nvGrpSpPr>
+        <p:cNvPr id="1" name=""/>
+        <p:cNvGrpSpPr/>
+        <p:nvPr/>
+      </p:nvGrpSpPr>
+      <p:grpSpPr>
+        <a:xfrm>
+          <a:off x="0" y="0"/>
+          <a:ext cx="0" cy="0"/>
+          <a:chOff x="0" y="0"/>
+          <a:chExt cx="0" cy="0"/>
+        </a:xfrm>
+      </p:grpSpPr>
+      <p:sp>
+        <p:nvSpPr>
+          <p:cNvPr id="2" name="Title 1">
+            <a:extLst>
+              <a:ext uri="{FF2B5EF4-FFF2-40B4-BE49-F238E27FC236}">
+                <a16:creationId xmlns:a16="http://schemas.microsoft.com/office/drawing/2014/main" id="{902B89EA-F238-32C0-BDC2-8111CA963D8C}"/>
+              </a:ext>
+            </a:extLst>
+          </p:cNvPr>
+          <p:cNvSpPr>
+            <a:spLocks noGrp="1"/>
+          </p:cNvSpPr>
+          <p:nvPr>
+            <p:ph type="title"/>
+          </p:nvPr>
+        </p:nvSpPr>
+        <p:spPr/>
+        <p:txBody>
+          <a:bodyPr/>
+          <a:lstStyle/>
+          <a:p>
+            <a:endParaRPr lang="en-US" dirty="0"/>
+          </a:p>
+        </p:txBody>
+      </p:sp>
+      <p:sp>
+        <p:nvSpPr>
+          <p:cNvPr id="3" name="Content Placeholder 2">
+            <a:extLst>
+              <a:ext uri="{FF2B5EF4-FFF2-40B4-BE49-F238E27FC236}">
+                <a16:creationId xmlns:a16="http://schemas.microsoft.com/office/drawing/2014/main" id="{1BA25703-C833-934A-AC2E-8E0432C2E462}"/>
+              </a:ext>
+            </a:extLst>
+          </p:cNvPr>
+          <p:cNvSpPr>
+            <a:spLocks noGrp="1"/>
+          </p:cNvSpPr>
+          <p:nvPr>
+            <p:ph idx="1"/>
+          </p:nvPr>
+        </p:nvSpPr>
+        <p:spPr/>
+        <p:txBody>
+          <a:bodyPr/>
+          <a:lstStyle/>
+          <a:p>
+            <a:pPr marL="0" marR="0">
+              <a:spcBef>
+                <a:spcPts val="0"/>
+              </a:spcBef>
+              <a:spcAft>
+                <a:spcPts val="0"/>
+              </a:spcAft>
+            </a:pPr>
+            <a:r>
+              <a:rPr lang="en-US" sz="1800" dirty="0">
+                <a:solidFill>
+                  <a:srgbClr val="3F7F5F"/>
+                </a:solidFill>
+                <a:effectLst/>
+                <a:latin typeface="Consolas" panose="020B0609020204030204" pitchFamily="49" charset="0"/>
+              </a:rPr>
+              <a:t>// if (</a:t>
+            </a:r>
+            <a:r>
+              <a:rPr lang="en-US" sz="1800" dirty="0" err="1">
+                <a:solidFill>
+                  <a:srgbClr val="3F7F5F"/>
+                </a:solidFill>
+                <a:effectLst/>
+                <a:latin typeface="Consolas" panose="020B0609020204030204" pitchFamily="49" charset="0"/>
+              </a:rPr>
+              <a:t>issuesExist</a:t>
+            </a:r>
+            <a:r>
+              <a:rPr lang="en-US" sz="1800" dirty="0">
+                <a:solidFill>
+                  <a:srgbClr val="3F7F5F"/>
+                </a:solidFill>
+                <a:effectLst/>
+                <a:latin typeface="Consolas" panose="020B0609020204030204" pitchFamily="49" charset="0"/>
+              </a:rPr>
+              <a:t>) {</a:t>
+            </a:r>
+            <a:endParaRPr lang="en-US" sz="1800" dirty="0">
+              <a:solidFill>
+                <a:srgbClr val="000000"/>
+              </a:solidFill>
+              <a:effectLst/>
+              <a:latin typeface="Consolas" panose="020B0609020204030204" pitchFamily="49" charset="0"/>
+            </a:endParaRPr>
+          </a:p>
+          <a:p>
+            <a:pPr marL="0" marR="0">
+              <a:spcBef>
+                <a:spcPts val="0"/>
+              </a:spcBef>
+              <a:spcAft>
+                <a:spcPts val="0"/>
+              </a:spcAft>
+            </a:pPr>
+            <a:r>
+              <a:rPr lang="en-US" sz="1800" dirty="0">
+                <a:solidFill>
+                  <a:srgbClr val="3F7F5F"/>
+                </a:solidFill>
+                <a:effectLst/>
+                <a:latin typeface="Consolas" panose="020B0609020204030204" pitchFamily="49" charset="0"/>
+              </a:rPr>
+              <a:t>// predicate= </a:t>
+            </a:r>
+            <a:r>
+              <a:rPr lang="en-US" sz="1800" dirty="0" err="1">
+                <a:solidFill>
+                  <a:srgbClr val="3F7F5F"/>
+                </a:solidFill>
+                <a:effectLst/>
+                <a:latin typeface="Consolas" panose="020B0609020204030204" pitchFamily="49" charset="0"/>
+              </a:rPr>
+              <a:t>root.join</a:t>
+            </a:r>
+            <a:r>
+              <a:rPr lang="en-US" sz="1800" dirty="0">
+                <a:solidFill>
+                  <a:srgbClr val="3F7F5F"/>
+                </a:solidFill>
+                <a:effectLst/>
+                <a:latin typeface="Consolas" panose="020B0609020204030204" pitchFamily="49" charset="0"/>
+              </a:rPr>
+              <a:t>("</a:t>
+            </a:r>
+            <a:r>
+              <a:rPr lang="en-US" sz="1800" dirty="0" err="1">
+                <a:solidFill>
+                  <a:srgbClr val="3F7F5F"/>
+                </a:solidFill>
+                <a:effectLst/>
+                <a:latin typeface="Consolas" panose="020B0609020204030204" pitchFamily="49" charset="0"/>
+              </a:rPr>
+              <a:t>aidCardIssues</a:t>
+            </a:r>
+            <a:r>
+              <a:rPr lang="en-US" sz="1800" dirty="0">
+                <a:solidFill>
+                  <a:srgbClr val="3F7F5F"/>
+                </a:solidFill>
+                <a:effectLst/>
+                <a:latin typeface="Consolas" panose="020B0609020204030204" pitchFamily="49" charset="0"/>
+              </a:rPr>
+              <a:t>").get("status").get("id").in(</a:t>
+            </a:r>
+            <a:r>
+              <a:rPr lang="en-US" sz="1800" dirty="0" err="1">
+                <a:solidFill>
+                  <a:srgbClr val="3F7F5F"/>
+                </a:solidFill>
+                <a:effectLst/>
+                <a:latin typeface="Consolas" panose="020B0609020204030204" pitchFamily="49" charset="0"/>
+              </a:rPr>
+              <a:t>finalStatusIds</a:t>
+            </a:r>
+            <a:r>
+              <a:rPr lang="en-US" sz="1800" dirty="0">
+                <a:solidFill>
+                  <a:srgbClr val="3F7F5F"/>
+                </a:solidFill>
+                <a:effectLst/>
+                <a:latin typeface="Consolas" panose="020B0609020204030204" pitchFamily="49" charset="0"/>
+              </a:rPr>
+              <a:t>);</a:t>
+            </a:r>
+            <a:endParaRPr lang="en-US" sz="1800" dirty="0">
+              <a:solidFill>
+                <a:srgbClr val="000000"/>
+              </a:solidFill>
+              <a:effectLst/>
+              <a:latin typeface="Consolas" panose="020B0609020204030204" pitchFamily="49" charset="0"/>
+            </a:endParaRPr>
+          </a:p>
+          <a:p>
+            <a:pPr marL="0" marR="0">
+              <a:spcBef>
+                <a:spcPts val="0"/>
+              </a:spcBef>
+              <a:spcAft>
+                <a:spcPts val="0"/>
+              </a:spcAft>
+            </a:pPr>
+            <a:r>
+              <a:rPr lang="en-US" sz="1800" dirty="0">
+                <a:solidFill>
+                  <a:srgbClr val="3F7F5F"/>
+                </a:solidFill>
+                <a:effectLst/>
+                <a:latin typeface="Consolas" panose="020B0609020204030204" pitchFamily="49" charset="0"/>
+              </a:rPr>
+              <a:t>// </a:t>
+            </a:r>
+            <a:endParaRPr lang="en-US" sz="1800" dirty="0">
+              <a:solidFill>
+                <a:srgbClr val="000000"/>
+              </a:solidFill>
+              <a:effectLst/>
+              <a:latin typeface="Consolas" panose="020B0609020204030204" pitchFamily="49" charset="0"/>
+            </a:endParaRPr>
+          </a:p>
+          <a:p>
+            <a:pPr marL="0" marR="0">
+              <a:spcBef>
+                <a:spcPts val="0"/>
+              </a:spcBef>
+              <a:spcAft>
+                <a:spcPts val="0"/>
+              </a:spcAft>
+            </a:pPr>
+            <a:r>
+              <a:rPr lang="en-US" sz="1800" dirty="0">
+                <a:solidFill>
+                  <a:srgbClr val="3F7F5F"/>
+                </a:solidFill>
+                <a:effectLst/>
+                <a:latin typeface="Consolas" panose="020B0609020204030204" pitchFamily="49" charset="0"/>
+              </a:rPr>
+              <a:t>// } else {</a:t>
+            </a:r>
+            <a:endParaRPr lang="en-US" sz="1800" dirty="0">
+              <a:solidFill>
+                <a:srgbClr val="000000"/>
+              </a:solidFill>
+              <a:effectLst/>
+              <a:latin typeface="Consolas" panose="020B0609020204030204" pitchFamily="49" charset="0"/>
+            </a:endParaRPr>
+          </a:p>
+          <a:p>
+            <a:pPr marL="0" marR="0">
+              <a:spcBef>
+                <a:spcPts val="0"/>
+              </a:spcBef>
+              <a:spcAft>
+                <a:spcPts val="0"/>
+              </a:spcAft>
+            </a:pPr>
+            <a:r>
+              <a:rPr lang="en-US" sz="1800" dirty="0">
+                <a:solidFill>
+                  <a:srgbClr val="3F7F5F"/>
+                </a:solidFill>
+                <a:effectLst/>
+                <a:latin typeface="Consolas" panose="020B0609020204030204" pitchFamily="49" charset="0"/>
+              </a:rPr>
+              <a:t>// Subquery&lt;Long&gt; </a:t>
+            </a:r>
+            <a:r>
+              <a:rPr lang="en-US" sz="1800" dirty="0" err="1">
+                <a:solidFill>
+                  <a:srgbClr val="3F7F5F"/>
+                </a:solidFill>
+                <a:effectLst/>
+                <a:latin typeface="Consolas" panose="020B0609020204030204" pitchFamily="49" charset="0"/>
+              </a:rPr>
+              <a:t>subQuery</a:t>
+            </a:r>
+            <a:r>
+              <a:rPr lang="en-US" sz="1800" dirty="0">
+                <a:solidFill>
+                  <a:srgbClr val="3F7F5F"/>
+                </a:solidFill>
+                <a:effectLst/>
+                <a:latin typeface="Consolas" panose="020B0609020204030204" pitchFamily="49" charset="0"/>
+              </a:rPr>
+              <a:t> = </a:t>
+            </a:r>
+            <a:r>
+              <a:rPr lang="en-US" sz="1800" dirty="0" err="1">
+                <a:solidFill>
+                  <a:srgbClr val="3F7F5F"/>
+                </a:solidFill>
+                <a:effectLst/>
+                <a:latin typeface="Consolas" panose="020B0609020204030204" pitchFamily="49" charset="0"/>
+              </a:rPr>
+              <a:t>query.subquery</a:t>
+            </a:r>
+            <a:r>
+              <a:rPr lang="en-US" sz="1800" dirty="0">
+                <a:solidFill>
+                  <a:srgbClr val="3F7F5F"/>
+                </a:solidFill>
+                <a:effectLst/>
+                <a:latin typeface="Consolas" panose="020B0609020204030204" pitchFamily="49" charset="0"/>
+              </a:rPr>
+              <a:t>(</a:t>
+            </a:r>
+            <a:r>
+              <a:rPr lang="en-US" sz="1800" dirty="0" err="1">
+                <a:solidFill>
+                  <a:srgbClr val="3F7F5F"/>
+                </a:solidFill>
+                <a:effectLst/>
+                <a:latin typeface="Consolas" panose="020B0609020204030204" pitchFamily="49" charset="0"/>
+              </a:rPr>
+              <a:t>Long.class</a:t>
+            </a:r>
+            <a:r>
+              <a:rPr lang="en-US" sz="1800" dirty="0">
+                <a:solidFill>
+                  <a:srgbClr val="3F7F5F"/>
+                </a:solidFill>
+                <a:effectLst/>
+                <a:latin typeface="Consolas" panose="020B0609020204030204" pitchFamily="49" charset="0"/>
+              </a:rPr>
+              <a:t>);</a:t>
+            </a:r>
+            <a:endParaRPr lang="en-US" sz="1800" dirty="0">
+              <a:solidFill>
+                <a:srgbClr val="000000"/>
+              </a:solidFill>
+              <a:effectLst/>
+              <a:latin typeface="Consolas" panose="020B0609020204030204" pitchFamily="49" charset="0"/>
+            </a:endParaRPr>
+          </a:p>
+          <a:p>
+            <a:pPr marL="0" marR="0">
+              <a:spcBef>
+                <a:spcPts val="0"/>
+              </a:spcBef>
+              <a:spcAft>
+                <a:spcPts val="0"/>
+              </a:spcAft>
+            </a:pPr>
+            <a:r>
+              <a:rPr lang="en-US" sz="1800" dirty="0">
+                <a:solidFill>
+                  <a:srgbClr val="3F7F5F"/>
+                </a:solidFill>
+                <a:effectLst/>
+                <a:latin typeface="Consolas" panose="020B0609020204030204" pitchFamily="49" charset="0"/>
+              </a:rPr>
+              <a:t>// Root&lt;</a:t>
+            </a:r>
+            <a:r>
+              <a:rPr lang="en-US" sz="1800" dirty="0" err="1">
+                <a:solidFill>
+                  <a:srgbClr val="3F7F5F"/>
+                </a:solidFill>
+                <a:effectLst/>
+                <a:latin typeface="Consolas" panose="020B0609020204030204" pitchFamily="49" charset="0"/>
+              </a:rPr>
+              <a:t>AidCardIssue</a:t>
+            </a:r>
+            <a:r>
+              <a:rPr lang="en-US" sz="1800" dirty="0">
+                <a:solidFill>
+                  <a:srgbClr val="3F7F5F"/>
+                </a:solidFill>
+                <a:effectLst/>
+                <a:latin typeface="Consolas" panose="020B0609020204030204" pitchFamily="49" charset="0"/>
+              </a:rPr>
+              <a:t>&gt; issue = </a:t>
+            </a:r>
+            <a:r>
+              <a:rPr lang="en-US" sz="1800" dirty="0" err="1">
+                <a:solidFill>
+                  <a:srgbClr val="3F7F5F"/>
+                </a:solidFill>
+                <a:effectLst/>
+                <a:latin typeface="Consolas" panose="020B0609020204030204" pitchFamily="49" charset="0"/>
+              </a:rPr>
+              <a:t>subQuery.from</a:t>
+            </a:r>
+            <a:r>
+              <a:rPr lang="en-US" sz="1800" dirty="0">
+                <a:solidFill>
+                  <a:srgbClr val="3F7F5F"/>
+                </a:solidFill>
+                <a:effectLst/>
+                <a:latin typeface="Consolas" panose="020B0609020204030204" pitchFamily="49" charset="0"/>
+              </a:rPr>
+              <a:t>(</a:t>
+            </a:r>
+            <a:r>
+              <a:rPr lang="en-US" sz="1800" dirty="0" err="1">
+                <a:solidFill>
+                  <a:srgbClr val="3F7F5F"/>
+                </a:solidFill>
+                <a:effectLst/>
+                <a:latin typeface="Consolas" panose="020B0609020204030204" pitchFamily="49" charset="0"/>
+              </a:rPr>
+              <a:t>AidCardIssue.class</a:t>
+            </a:r>
+            <a:r>
+              <a:rPr lang="en-US" sz="1800" dirty="0">
+                <a:solidFill>
+                  <a:srgbClr val="3F7F5F"/>
+                </a:solidFill>
+                <a:effectLst/>
+                <a:latin typeface="Consolas" panose="020B0609020204030204" pitchFamily="49" charset="0"/>
+              </a:rPr>
+              <a:t>);</a:t>
+            </a:r>
+            <a:endParaRPr lang="en-US" sz="1800" dirty="0">
+              <a:solidFill>
+                <a:srgbClr val="000000"/>
+              </a:solidFill>
+              <a:effectLst/>
+              <a:latin typeface="Consolas" panose="020B0609020204030204" pitchFamily="49" charset="0"/>
+            </a:endParaRPr>
+          </a:p>
+          <a:p>
+            <a:pPr marL="0" marR="0">
+              <a:spcBef>
+                <a:spcPts val="0"/>
+              </a:spcBef>
+              <a:spcAft>
+                <a:spcPts val="0"/>
+              </a:spcAft>
+            </a:pPr>
+            <a:r>
+              <a:rPr lang="en-US" sz="1800" dirty="0">
+                <a:solidFill>
+                  <a:srgbClr val="3F7F5F"/>
+                </a:solidFill>
+                <a:effectLst/>
+                <a:latin typeface="Consolas" panose="020B0609020204030204" pitchFamily="49" charset="0"/>
+              </a:rPr>
+              <a:t>// </a:t>
+            </a:r>
+            <a:r>
+              <a:rPr lang="en-US" sz="1800" dirty="0" err="1">
+                <a:solidFill>
+                  <a:srgbClr val="3F7F5F"/>
+                </a:solidFill>
+                <a:effectLst/>
+                <a:latin typeface="Consolas" panose="020B0609020204030204" pitchFamily="49" charset="0"/>
+              </a:rPr>
+              <a:t>subQuery.select</a:t>
+            </a:r>
+            <a:r>
+              <a:rPr lang="en-US" sz="1800" dirty="0">
+                <a:solidFill>
+                  <a:srgbClr val="3F7F5F"/>
+                </a:solidFill>
+                <a:effectLst/>
+                <a:latin typeface="Consolas" panose="020B0609020204030204" pitchFamily="49" charset="0"/>
+              </a:rPr>
+              <a:t>(</a:t>
+            </a:r>
+            <a:r>
+              <a:rPr lang="en-US" sz="1800" dirty="0" err="1">
+                <a:solidFill>
+                  <a:srgbClr val="3F7F5F"/>
+                </a:solidFill>
+                <a:effectLst/>
+                <a:latin typeface="Consolas" panose="020B0609020204030204" pitchFamily="49" charset="0"/>
+              </a:rPr>
+              <a:t>issue.get</a:t>
+            </a:r>
+            <a:r>
+              <a:rPr lang="en-US" sz="1800" dirty="0">
+                <a:solidFill>
+                  <a:srgbClr val="3F7F5F"/>
+                </a:solidFill>
+                <a:effectLst/>
+                <a:latin typeface="Consolas" panose="020B0609020204030204" pitchFamily="49" charset="0"/>
+              </a:rPr>
+              <a:t>("</a:t>
+            </a:r>
+            <a:r>
+              <a:rPr lang="en-US" sz="1800" dirty="0" err="1">
+                <a:solidFill>
+                  <a:srgbClr val="3F7F5F"/>
+                </a:solidFill>
+                <a:effectLst/>
+                <a:latin typeface="Consolas" panose="020B0609020204030204" pitchFamily="49" charset="0"/>
+              </a:rPr>
+              <a:t>aidCardApplication</a:t>
+            </a:r>
+            <a:r>
+              <a:rPr lang="en-US" sz="1800" dirty="0">
+                <a:solidFill>
+                  <a:srgbClr val="3F7F5F"/>
+                </a:solidFill>
+                <a:effectLst/>
+                <a:latin typeface="Consolas" panose="020B0609020204030204" pitchFamily="49" charset="0"/>
+              </a:rPr>
+              <a:t>").get("id"));</a:t>
+            </a:r>
+            <a:endParaRPr lang="en-US" sz="1800" dirty="0">
+              <a:solidFill>
+                <a:srgbClr val="000000"/>
+              </a:solidFill>
+              <a:effectLst/>
+              <a:latin typeface="Consolas" panose="020B0609020204030204" pitchFamily="49" charset="0"/>
+            </a:endParaRPr>
+          </a:p>
+          <a:p>
+            <a:pPr marL="0" marR="0">
+              <a:spcBef>
+                <a:spcPts val="0"/>
+              </a:spcBef>
+              <a:spcAft>
+                <a:spcPts val="0"/>
+              </a:spcAft>
+            </a:pPr>
+            <a:r>
+              <a:rPr lang="en-US" sz="1800" dirty="0">
+                <a:solidFill>
+                  <a:srgbClr val="3F7F5F"/>
+                </a:solidFill>
+                <a:effectLst/>
+                <a:latin typeface="Consolas" panose="020B0609020204030204" pitchFamily="49" charset="0"/>
+              </a:rPr>
+              <a:t>// </a:t>
+            </a:r>
+            <a:r>
+              <a:rPr lang="en-US" sz="1800" dirty="0" err="1">
+                <a:solidFill>
+                  <a:srgbClr val="3F7F5F"/>
+                </a:solidFill>
+                <a:effectLst/>
+                <a:latin typeface="Consolas" panose="020B0609020204030204" pitchFamily="49" charset="0"/>
+              </a:rPr>
+              <a:t>subQuery.where</a:t>
+            </a:r>
+            <a:r>
+              <a:rPr lang="en-US" sz="1800" dirty="0">
+                <a:solidFill>
+                  <a:srgbClr val="3F7F5F"/>
+                </a:solidFill>
+                <a:effectLst/>
+                <a:latin typeface="Consolas" panose="020B0609020204030204" pitchFamily="49" charset="0"/>
+              </a:rPr>
+              <a:t>(</a:t>
+            </a:r>
+            <a:r>
+              <a:rPr lang="en-US" sz="1800" dirty="0" err="1">
+                <a:solidFill>
+                  <a:srgbClr val="3F7F5F"/>
+                </a:solidFill>
+                <a:effectLst/>
+                <a:latin typeface="Consolas" panose="020B0609020204030204" pitchFamily="49" charset="0"/>
+              </a:rPr>
+              <a:t>issue.get</a:t>
+            </a:r>
+            <a:r>
+              <a:rPr lang="en-US" sz="1800" dirty="0">
+                <a:solidFill>
+                  <a:srgbClr val="3F7F5F"/>
+                </a:solidFill>
+                <a:effectLst/>
+                <a:latin typeface="Consolas" panose="020B0609020204030204" pitchFamily="49" charset="0"/>
+              </a:rPr>
+              <a:t>("status").get("id").in(</a:t>
+            </a:r>
+            <a:r>
+              <a:rPr lang="en-US" sz="1800" dirty="0" err="1">
+                <a:solidFill>
+                  <a:srgbClr val="3F7F5F"/>
+                </a:solidFill>
+                <a:effectLst/>
+                <a:latin typeface="Consolas" panose="020B0609020204030204" pitchFamily="49" charset="0"/>
+              </a:rPr>
+              <a:t>finalStatusIds</a:t>
+            </a:r>
+            <a:r>
+              <a:rPr lang="en-US" sz="1800" dirty="0">
+                <a:solidFill>
+                  <a:srgbClr val="3F7F5F"/>
+                </a:solidFill>
+                <a:effectLst/>
+                <a:latin typeface="Consolas" panose="020B0609020204030204" pitchFamily="49" charset="0"/>
+              </a:rPr>
+              <a:t>));</a:t>
+            </a:r>
+            <a:endParaRPr lang="en-US" sz="1800" dirty="0">
+              <a:solidFill>
+                <a:srgbClr val="000000"/>
+              </a:solidFill>
+              <a:effectLst/>
+              <a:latin typeface="Consolas" panose="020B0609020204030204" pitchFamily="49" charset="0"/>
+            </a:endParaRPr>
+          </a:p>
+          <a:p>
+            <a:pPr marL="0" marR="0">
+              <a:spcBef>
+                <a:spcPts val="0"/>
+              </a:spcBef>
+              <a:spcAft>
+                <a:spcPts val="0"/>
+              </a:spcAft>
+            </a:pPr>
+            <a:r>
+              <a:rPr lang="en-US" sz="1800" dirty="0">
+                <a:solidFill>
+                  <a:srgbClr val="3F7F5F"/>
+                </a:solidFill>
+                <a:effectLst/>
+                <a:latin typeface="Consolas" panose="020B0609020204030204" pitchFamily="49" charset="0"/>
+              </a:rPr>
+              <a:t>// </a:t>
+            </a:r>
+            <a:endParaRPr lang="en-US" sz="1800" dirty="0">
+              <a:solidFill>
+                <a:srgbClr val="000000"/>
+              </a:solidFill>
+              <a:effectLst/>
+              <a:latin typeface="Consolas" panose="020B0609020204030204" pitchFamily="49" charset="0"/>
+            </a:endParaRPr>
+          </a:p>
+          <a:p>
+            <a:pPr marL="0" marR="0">
+              <a:spcBef>
+                <a:spcPts val="0"/>
+              </a:spcBef>
+              <a:spcAft>
+                <a:spcPts val="0"/>
+              </a:spcAft>
+            </a:pPr>
+            <a:r>
+              <a:rPr lang="en-US" sz="1800" dirty="0">
+                <a:solidFill>
+                  <a:srgbClr val="3F7F5F"/>
+                </a:solidFill>
+                <a:effectLst/>
+                <a:latin typeface="Consolas" panose="020B0609020204030204" pitchFamily="49" charset="0"/>
+              </a:rPr>
+              <a:t>// predicate = </a:t>
+            </a:r>
+            <a:r>
+              <a:rPr lang="en-US" sz="1800" dirty="0" err="1">
+                <a:solidFill>
+                  <a:srgbClr val="3F7F5F"/>
+                </a:solidFill>
+                <a:effectLst/>
+                <a:latin typeface="Consolas" panose="020B0609020204030204" pitchFamily="49" charset="0"/>
+              </a:rPr>
+              <a:t>criteriaBuilder.not</a:t>
+            </a:r>
+            <a:r>
+              <a:rPr lang="en-US" sz="1800" dirty="0">
+                <a:solidFill>
+                  <a:srgbClr val="3F7F5F"/>
+                </a:solidFill>
+                <a:effectLst/>
+                <a:latin typeface="Consolas" panose="020B0609020204030204" pitchFamily="49" charset="0"/>
+              </a:rPr>
+              <a:t>(</a:t>
+            </a:r>
+            <a:r>
+              <a:rPr lang="en-US" sz="1800" dirty="0" err="1">
+                <a:solidFill>
+                  <a:srgbClr val="3F7F5F"/>
+                </a:solidFill>
+                <a:effectLst/>
+                <a:latin typeface="Consolas" panose="020B0609020204030204" pitchFamily="49" charset="0"/>
+              </a:rPr>
+              <a:t>root.get</a:t>
+            </a:r>
+            <a:r>
+              <a:rPr lang="en-US" sz="1800" dirty="0">
+                <a:solidFill>
+                  <a:srgbClr val="3F7F5F"/>
+                </a:solidFill>
+                <a:effectLst/>
+                <a:latin typeface="Consolas" panose="020B0609020204030204" pitchFamily="49" charset="0"/>
+              </a:rPr>
+              <a:t>("id").in(</a:t>
+            </a:r>
+            <a:r>
+              <a:rPr lang="en-US" sz="1800" dirty="0" err="1">
+                <a:solidFill>
+                  <a:srgbClr val="3F7F5F"/>
+                </a:solidFill>
+                <a:effectLst/>
+                <a:latin typeface="Consolas" panose="020B0609020204030204" pitchFamily="49" charset="0"/>
+              </a:rPr>
+              <a:t>subQuery</a:t>
+            </a:r>
+            <a:r>
+              <a:rPr lang="en-US" sz="1800" dirty="0">
+                <a:solidFill>
+                  <a:srgbClr val="3F7F5F"/>
+                </a:solidFill>
+                <a:effectLst/>
+                <a:latin typeface="Consolas" panose="020B0609020204030204" pitchFamily="49" charset="0"/>
+              </a:rPr>
+              <a:t>));</a:t>
+            </a:r>
+            <a:endParaRPr lang="en-US" sz="1800" dirty="0">
+              <a:solidFill>
+                <a:srgbClr val="000000"/>
+              </a:solidFill>
+              <a:effectLst/>
+              <a:latin typeface="Consolas" panose="020B0609020204030204" pitchFamily="49" charset="0"/>
+            </a:endParaRPr>
+          </a:p>
+          <a:p>
+            <a:pPr marL="0" marR="0">
+              <a:spcBef>
+                <a:spcPts val="0"/>
+              </a:spcBef>
+              <a:spcAft>
+                <a:spcPts val="0"/>
+              </a:spcAft>
+            </a:pPr>
+            <a:r>
+              <a:rPr lang="en-US" sz="1800" dirty="0">
+                <a:solidFill>
+                  <a:srgbClr val="3F7F5F"/>
+                </a:solidFill>
+                <a:effectLst/>
+                <a:latin typeface="Consolas" panose="020B0609020204030204" pitchFamily="49" charset="0"/>
+              </a:rPr>
+              <a:t>// }</a:t>
+            </a:r>
+            <a:endParaRPr lang="en-US" sz="1800" dirty="0">
+              <a:solidFill>
+                <a:srgbClr val="000000"/>
+              </a:solidFill>
+              <a:effectLst/>
+              <a:latin typeface="Consolas" panose="020B0609020204030204" pitchFamily="49" charset="0"/>
+            </a:endParaRPr>
+          </a:p>
+          <a:p>
+            <a:endParaRPr lang="en-US" dirty="0"/>
+          </a:p>
+        </p:txBody>
+      </p:sp>
+    </p:spTree>
+    <p:extLst>
+      <p:ext uri="{BB962C8B-B14F-4D97-AF65-F5344CB8AC3E}">
+        <p14:creationId xmlns:p14="http://schemas.microsoft.com/office/powerpoint/2010/main" val="3430856881"/>
+      </p:ext>
+    </p:extLst>
+  </p:cSld>
+  <p:clrMapOvr>
+    <a:masterClrMapping/>
+  </p:clrMapOvr>
+</p:sld>
+</file>
+
+<file path=ppt/slides/slide14.xml><?xml version="1.0" encoding="utf-8"?>
+<p:sld xmlns:a="http://schemas.openxmlformats.org/drawingml/2006/main" xmlns:r="http://schemas.openxmlformats.org/officeDocument/2006/relationships" xmlns:p="http://schemas.openxmlformats.org/presentationml/2006/main">
+  <p:cSld>
+    <p:spTree>
+      <p:nvGrpSpPr>
+        <p:cNvPr id="1" name=""/>
+        <p:cNvGrpSpPr/>
+        <p:nvPr/>
+      </p:nvGrpSpPr>
+      <p:grpSpPr>
+        <a:xfrm>
+          <a:off x="0" y="0"/>
+          <a:ext cx="0" cy="0"/>
+          <a:chOff x="0" y="0"/>
+          <a:chExt cx="0" cy="0"/>
+        </a:xfrm>
+      </p:grpSpPr>
+      <p:sp>
+        <p:nvSpPr>
+          <p:cNvPr id="2" name="Title 1">
+            <a:extLst>
+              <a:ext uri="{FF2B5EF4-FFF2-40B4-BE49-F238E27FC236}">
+                <a16:creationId xmlns:a16="http://schemas.microsoft.com/office/drawing/2014/main" id="{F0B907C0-68B5-F07F-05AD-6DE230E0D9E1}"/>
+              </a:ext>
+            </a:extLst>
+          </p:cNvPr>
+          <p:cNvSpPr>
+            <a:spLocks noGrp="1"/>
+          </p:cNvSpPr>
+          <p:nvPr>
+            <p:ph type="title"/>
+          </p:nvPr>
+        </p:nvSpPr>
+        <p:spPr/>
+        <p:txBody>
+          <a:bodyPr/>
+          <a:lstStyle/>
+          <a:p>
+            <a:endParaRPr lang="en-US"/>
+          </a:p>
+        </p:txBody>
+      </p:sp>
+      <p:pic>
+        <p:nvPicPr>
+          <p:cNvPr id="5" name="Content Placeholder 4">
+            <a:extLst>
+              <a:ext uri="{FF2B5EF4-FFF2-40B4-BE49-F238E27FC236}">
+                <a16:creationId xmlns:a16="http://schemas.microsoft.com/office/drawing/2014/main" id="{CDC8A6DA-4814-C2E5-AEEE-1D26E4991AD9}"/>
+              </a:ext>
+            </a:extLst>
+          </p:cNvPr>
+          <p:cNvPicPr>
+            <a:picLocks noGrp="1" noChangeAspect="1"/>
+          </p:cNvPicPr>
+          <p:nvPr>
+            <p:ph idx="1"/>
+          </p:nvPr>
+        </p:nvPicPr>
+        <p:blipFill>
+          <a:blip r:embed="rId2"/>
+          <a:stretch>
+            <a:fillRect/>
+          </a:stretch>
+        </p:blipFill>
+        <p:spPr>
+          <a:xfrm>
+            <a:off x="838200" y="2380279"/>
+            <a:ext cx="10515600" cy="3242030"/>
+          </a:xfrm>
+        </p:spPr>
+      </p:pic>
+    </p:spTree>
+    <p:extLst>
+      <p:ext uri="{BB962C8B-B14F-4D97-AF65-F5344CB8AC3E}">
+        <p14:creationId xmlns:p14="http://schemas.microsoft.com/office/powerpoint/2010/main" val="1152564939"/>
+      </p:ext>
+    </p:extLst>
+  </p:cSld>
+  <p:clrMapOvr>
+    <a:masterClrMapping/>
+  </p:clrMapOvr>
+</p:sld>
+</file>
+
+<file path=ppt/slides/slide15.xml><?xml version="1.0" encoding="utf-8"?>
+<p:sld xmlns:a="http://schemas.openxmlformats.org/drawingml/2006/main" xmlns:r="http://schemas.openxmlformats.org/officeDocument/2006/relationships" xmlns:p="http://schemas.openxmlformats.org/presentationml/2006/main">
+  <p:cSld>
+    <p:spTree>
+      <p:nvGrpSpPr>
+        <p:cNvPr id="1" name=""/>
+        <p:cNvGrpSpPr/>
+        <p:nvPr/>
+      </p:nvGrpSpPr>
+      <p:grpSpPr>
+        <a:xfrm>
+          <a:off x="0" y="0"/>
+          <a:ext cx="0" cy="0"/>
+          <a:chOff x="0" y="0"/>
+          <a:chExt cx="0" cy="0"/>
+        </a:xfrm>
+      </p:grpSpPr>
+      <p:sp>
+        <p:nvSpPr>
+          <p:cNvPr id="2" name="Title 1">
+            <a:extLst>
+              <a:ext uri="{FF2B5EF4-FFF2-40B4-BE49-F238E27FC236}">
+                <a16:creationId xmlns:a16="http://schemas.microsoft.com/office/drawing/2014/main" id="{4C33C296-261E-133E-A45B-0718990C47DA}"/>
+              </a:ext>
+            </a:extLst>
+          </p:cNvPr>
+          <p:cNvSpPr>
+            <a:spLocks noGrp="1"/>
+          </p:cNvSpPr>
+          <p:nvPr>
+            <p:ph type="title"/>
+          </p:nvPr>
+        </p:nvSpPr>
+        <p:spPr/>
+        <p:txBody>
+          <a:bodyPr/>
+          <a:lstStyle/>
+          <a:p>
+            <a:endParaRPr lang="en-US"/>
+          </a:p>
+        </p:txBody>
+      </p:sp>
+      <p:sp>
+        <p:nvSpPr>
+          <p:cNvPr id="3" name="Content Placeholder 2">
+            <a:extLst>
+              <a:ext uri="{FF2B5EF4-FFF2-40B4-BE49-F238E27FC236}">
+                <a16:creationId xmlns:a16="http://schemas.microsoft.com/office/drawing/2014/main" id="{AD9CC248-0E9C-4BAE-67A9-2F2EE57CB276}"/>
+              </a:ext>
+            </a:extLst>
+          </p:cNvPr>
+          <p:cNvSpPr>
+            <a:spLocks noGrp="1"/>
+          </p:cNvSpPr>
+          <p:nvPr>
+            <p:ph idx="1"/>
+          </p:nvPr>
+        </p:nvSpPr>
+        <p:spPr/>
+        <p:txBody>
+          <a:bodyPr>
+            <a:normAutofit fontScale="85000" lnSpcReduction="10000"/>
+          </a:bodyPr>
+          <a:lstStyle/>
+          <a:p>
+            <a:pPr marL="0" marR="0">
+              <a:spcBef>
+                <a:spcPts val="0"/>
+              </a:spcBef>
+              <a:spcAft>
+                <a:spcPts val="0"/>
+              </a:spcAft>
+            </a:pPr>
+            <a:r>
+              <a:rPr lang="en-US" sz="1800" dirty="0">
+                <a:solidFill>
+                  <a:srgbClr val="646464"/>
+                </a:solidFill>
+                <a:effectLst/>
+                <a:latin typeface="Consolas" panose="020B0609020204030204" pitchFamily="49" charset="0"/>
+              </a:rPr>
+              <a:t>@Operation</a:t>
+            </a:r>
+            <a:r>
+              <a:rPr lang="en-US" sz="1800" dirty="0">
+                <a:solidFill>
+                  <a:srgbClr val="000000"/>
+                </a:solidFill>
+                <a:effectLst/>
+                <a:latin typeface="Consolas" panose="020B0609020204030204" pitchFamily="49" charset="0"/>
+              </a:rPr>
+              <a:t>(summary = </a:t>
+            </a:r>
+            <a:r>
+              <a:rPr lang="en-US" sz="1800" dirty="0">
+                <a:solidFill>
+                  <a:srgbClr val="2A00FF"/>
+                </a:solidFill>
+                <a:effectLst/>
+                <a:latin typeface="Consolas" panose="020B0609020204030204" pitchFamily="49" charset="0"/>
+              </a:rPr>
+              <a:t>"Fetch Companies list"</a:t>
+            </a:r>
+            <a:r>
+              <a:rPr lang="en-US" sz="1800" dirty="0">
+                <a:solidFill>
+                  <a:srgbClr val="000000"/>
+                </a:solidFill>
+                <a:effectLst/>
+                <a:latin typeface="Consolas" panose="020B0609020204030204" pitchFamily="49" charset="0"/>
+              </a:rPr>
+              <a:t>, description = </a:t>
+            </a:r>
+            <a:r>
+              <a:rPr lang="en-US" sz="1800" dirty="0">
+                <a:solidFill>
+                  <a:srgbClr val="2A00FF"/>
+                </a:solidFill>
+                <a:effectLst/>
+                <a:latin typeface="Consolas" panose="020B0609020204030204" pitchFamily="49" charset="0"/>
+              </a:rPr>
+              <a:t>"Get a page of companies"</a:t>
+            </a:r>
+            <a:r>
+              <a:rPr lang="en-US" sz="1800" dirty="0">
+                <a:solidFill>
+                  <a:srgbClr val="000000"/>
+                </a:solidFill>
+                <a:effectLst/>
+                <a:latin typeface="Consolas" panose="020B0609020204030204" pitchFamily="49" charset="0"/>
+              </a:rPr>
+              <a:t> ,hidden = </a:t>
+            </a:r>
+            <a:r>
+              <a:rPr lang="en-US" sz="1800" b="1" dirty="0">
+                <a:solidFill>
+                  <a:srgbClr val="7F0055"/>
+                </a:solidFill>
+                <a:effectLst/>
+                <a:latin typeface="Consolas" panose="020B0609020204030204" pitchFamily="49" charset="0"/>
+              </a:rPr>
+              <a:t>true</a:t>
+            </a:r>
+            <a:r>
+              <a:rPr lang="en-US" sz="1800" dirty="0">
+                <a:solidFill>
+                  <a:srgbClr val="000000"/>
+                </a:solidFill>
+                <a:effectLst/>
+                <a:latin typeface="Consolas" panose="020B0609020204030204" pitchFamily="49" charset="0"/>
+              </a:rPr>
+              <a:t> )</a:t>
+            </a:r>
+          </a:p>
+          <a:p>
+            <a:pPr marL="0" marR="0">
+              <a:spcBef>
+                <a:spcPts val="0"/>
+              </a:spcBef>
+              <a:spcAft>
+                <a:spcPts val="0"/>
+              </a:spcAft>
+            </a:pPr>
+            <a:r>
+              <a:rPr lang="en-US" sz="1800" dirty="0">
+                <a:solidFill>
+                  <a:srgbClr val="646464"/>
+                </a:solidFill>
+                <a:effectLst/>
+                <a:latin typeface="Consolas" panose="020B0609020204030204" pitchFamily="49" charset="0"/>
+              </a:rPr>
+              <a:t>@Parameter</a:t>
+            </a:r>
+            <a:r>
+              <a:rPr lang="en-US" sz="1800" dirty="0">
+                <a:solidFill>
+                  <a:srgbClr val="000000"/>
+                </a:solidFill>
+                <a:effectLst/>
+                <a:latin typeface="Consolas" panose="020B0609020204030204" pitchFamily="49" charset="0"/>
+              </a:rPr>
+              <a:t>(name = </a:t>
+            </a:r>
+            <a:r>
+              <a:rPr lang="en-US" sz="1800" dirty="0">
+                <a:solidFill>
+                  <a:srgbClr val="2A00FF"/>
+                </a:solidFill>
+                <a:effectLst/>
+                <a:latin typeface="Consolas" panose="020B0609020204030204" pitchFamily="49" charset="0"/>
+              </a:rPr>
+              <a:t>"search"</a:t>
+            </a:r>
+            <a:r>
+              <a:rPr lang="en-US" sz="1800" dirty="0">
+                <a:solidFill>
+                  <a:srgbClr val="000000"/>
+                </a:solidFill>
+                <a:effectLst/>
+                <a:latin typeface="Consolas" panose="020B0609020204030204" pitchFamily="49" charset="0"/>
+              </a:rPr>
+              <a:t>, description = </a:t>
+            </a:r>
+          </a:p>
+          <a:p>
+            <a:pPr marL="0" marR="0">
+              <a:spcBef>
+                <a:spcPts val="0"/>
+              </a:spcBef>
+              <a:spcAft>
+                <a:spcPts val="0"/>
+              </a:spcAft>
+            </a:pPr>
+            <a:r>
+              <a:rPr lang="en-US" sz="1800" dirty="0">
+                <a:solidFill>
+                  <a:srgbClr val="2A00FF"/>
+                </a:solidFill>
+                <a:effectLst/>
+                <a:latin typeface="Consolas" panose="020B0609020204030204" pitchFamily="49" charset="0"/>
+              </a:rPr>
+              <a:t>" &lt;p&gt;A search string of one or more expressions separated by comma , &lt;/p&gt;&lt;</a:t>
+            </a:r>
+            <a:r>
+              <a:rPr lang="en-US" sz="1800" dirty="0" err="1">
+                <a:solidFill>
+                  <a:srgbClr val="2A00FF"/>
+                </a:solidFill>
+                <a:effectLst/>
+                <a:latin typeface="Consolas" panose="020B0609020204030204" pitchFamily="49" charset="0"/>
+              </a:rPr>
+              <a:t>ul</a:t>
+            </a:r>
+            <a:r>
+              <a:rPr lang="en-US" sz="1800" dirty="0">
+                <a:solidFill>
+                  <a:srgbClr val="2A00FF"/>
+                </a:solidFill>
+                <a:effectLst/>
+                <a:latin typeface="Consolas" panose="020B0609020204030204" pitchFamily="49" charset="0"/>
+              </a:rPr>
+              <a:t>&gt;"</a:t>
+            </a:r>
+            <a:endParaRPr lang="en-US" sz="1800" dirty="0">
+              <a:solidFill>
+                <a:srgbClr val="000000"/>
+              </a:solidFill>
+              <a:effectLst/>
+              <a:latin typeface="Consolas" panose="020B0609020204030204" pitchFamily="49" charset="0"/>
+            </a:endParaRPr>
+          </a:p>
+          <a:p>
+            <a:pPr marL="0" marR="0">
+              <a:spcBef>
+                <a:spcPts val="0"/>
+              </a:spcBef>
+              <a:spcAft>
+                <a:spcPts val="0"/>
+              </a:spcAft>
+            </a:pPr>
+            <a:r>
+              <a:rPr lang="en-US" sz="1800" dirty="0">
+                <a:solidFill>
+                  <a:srgbClr val="000000"/>
+                </a:solidFill>
+                <a:effectLst/>
+                <a:latin typeface="Consolas" panose="020B0609020204030204" pitchFamily="49" charset="0"/>
+              </a:rPr>
+              <a:t>+ </a:t>
+            </a:r>
+            <a:r>
+              <a:rPr lang="en-US" sz="1800" dirty="0">
+                <a:solidFill>
+                  <a:srgbClr val="2A00FF"/>
+                </a:solidFill>
+                <a:effectLst/>
+                <a:latin typeface="Consolas" panose="020B0609020204030204" pitchFamily="49" charset="0"/>
+              </a:rPr>
+              <a:t>" &lt;li&gt;Expression is of the form [field][operator][value],...&lt;/li&gt;"</a:t>
+            </a:r>
+            <a:endParaRPr lang="en-US" sz="1800" dirty="0">
+              <a:solidFill>
+                <a:srgbClr val="000000"/>
+              </a:solidFill>
+              <a:effectLst/>
+              <a:latin typeface="Consolas" panose="020B0609020204030204" pitchFamily="49" charset="0"/>
+            </a:endParaRPr>
+          </a:p>
+          <a:p>
+            <a:pPr marL="0" marR="0">
+              <a:spcBef>
+                <a:spcPts val="0"/>
+              </a:spcBef>
+              <a:spcAft>
+                <a:spcPts val="0"/>
+              </a:spcAft>
+            </a:pPr>
+            <a:r>
+              <a:rPr lang="en-US" sz="1800" dirty="0">
+                <a:solidFill>
+                  <a:srgbClr val="000000"/>
+                </a:solidFill>
+                <a:effectLst/>
+                <a:latin typeface="Consolas" panose="020B0609020204030204" pitchFamily="49" charset="0"/>
+              </a:rPr>
+              <a:t>+ </a:t>
+            </a:r>
+            <a:r>
+              <a:rPr lang="en-US" sz="1800" dirty="0">
+                <a:solidFill>
+                  <a:srgbClr val="2A00FF"/>
+                </a:solidFill>
+                <a:effectLst/>
+                <a:latin typeface="Consolas" panose="020B0609020204030204" pitchFamily="49" charset="0"/>
+              </a:rPr>
+              <a:t>" &lt;li&gt;Field can be a field name - or </a:t>
+            </a:r>
+            <a:r>
+              <a:rPr lang="en-US" sz="1800" dirty="0" err="1">
+                <a:solidFill>
+                  <a:srgbClr val="2A00FF"/>
+                </a:solidFill>
+                <a:effectLst/>
+                <a:latin typeface="Consolas" panose="020B0609020204030204" pitchFamily="49" charset="0"/>
+              </a:rPr>
+              <a:t>field.subfield</a:t>
+            </a:r>
+            <a:r>
+              <a:rPr lang="en-US" sz="1800" dirty="0">
+                <a:solidFill>
+                  <a:srgbClr val="2A00FF"/>
+                </a:solidFill>
+                <a:effectLst/>
+                <a:latin typeface="Consolas" panose="020B0609020204030204" pitchFamily="49" charset="0"/>
+              </a:rPr>
+              <a:t> if field is a </a:t>
+            </a:r>
+            <a:r>
+              <a:rPr lang="en-US" sz="1800" dirty="0" err="1">
+                <a:solidFill>
+                  <a:srgbClr val="2A00FF"/>
+                </a:solidFill>
+                <a:effectLst/>
+                <a:latin typeface="Consolas" panose="020B0609020204030204" pitchFamily="49" charset="0"/>
+              </a:rPr>
+              <a:t>subentity</a:t>
+            </a:r>
+            <a:r>
+              <a:rPr lang="en-US" sz="1800" dirty="0">
+                <a:solidFill>
+                  <a:srgbClr val="2A00FF"/>
+                </a:solidFill>
+                <a:effectLst/>
+                <a:latin typeface="Consolas" panose="020B0609020204030204" pitchFamily="49" charset="0"/>
+              </a:rPr>
+              <a:t>.&lt;/li&gt;"</a:t>
+            </a:r>
+            <a:endParaRPr lang="en-US" sz="1800" dirty="0">
+              <a:solidFill>
+                <a:srgbClr val="000000"/>
+              </a:solidFill>
+              <a:effectLst/>
+              <a:latin typeface="Consolas" panose="020B0609020204030204" pitchFamily="49" charset="0"/>
+            </a:endParaRPr>
+          </a:p>
+          <a:p>
+            <a:pPr marL="0" marR="0">
+              <a:spcBef>
+                <a:spcPts val="0"/>
+              </a:spcBef>
+              <a:spcAft>
+                <a:spcPts val="0"/>
+              </a:spcAft>
+            </a:pPr>
+            <a:r>
+              <a:rPr lang="en-US" sz="1800" dirty="0">
+                <a:solidFill>
+                  <a:srgbClr val="000000"/>
+                </a:solidFill>
+                <a:effectLst/>
+                <a:latin typeface="Consolas" panose="020B0609020204030204" pitchFamily="49" charset="0"/>
+              </a:rPr>
+              <a:t>+ </a:t>
+            </a:r>
+            <a:r>
+              <a:rPr lang="en-US" sz="1800" dirty="0">
+                <a:solidFill>
+                  <a:srgbClr val="2A00FF"/>
+                </a:solidFill>
+                <a:effectLst/>
+                <a:latin typeface="Consolas" panose="020B0609020204030204" pitchFamily="49" charset="0"/>
+              </a:rPr>
+              <a:t>" &lt;li&gt;Operator can be any of Equal ':' / Not Equal '!' / Greater Than '&gt;' / Less Than '&lt;' / Greater Than or Equal '&gt;:' Less Than or Equal '&lt;:' Like '~' . &lt;/li&gt;"</a:t>
+            </a:r>
+            <a:endParaRPr lang="en-US" sz="1800" dirty="0">
+              <a:solidFill>
+                <a:srgbClr val="000000"/>
+              </a:solidFill>
+              <a:effectLst/>
+              <a:latin typeface="Consolas" panose="020B0609020204030204" pitchFamily="49" charset="0"/>
+            </a:endParaRPr>
+          </a:p>
+          <a:p>
+            <a:pPr marL="0" marR="0">
+              <a:spcBef>
+                <a:spcPts val="0"/>
+              </a:spcBef>
+              <a:spcAft>
+                <a:spcPts val="0"/>
+              </a:spcAft>
+            </a:pPr>
+            <a:r>
+              <a:rPr lang="en-US" sz="1800" dirty="0">
+                <a:solidFill>
+                  <a:srgbClr val="000000"/>
+                </a:solidFill>
+                <a:effectLst/>
+                <a:latin typeface="Consolas" panose="020B0609020204030204" pitchFamily="49" charset="0"/>
+              </a:rPr>
+              <a:t>+ </a:t>
+            </a:r>
+            <a:r>
+              <a:rPr lang="en-US" sz="1800" dirty="0">
+                <a:solidFill>
+                  <a:srgbClr val="2A00FF"/>
+                </a:solidFill>
+                <a:effectLst/>
+                <a:latin typeface="Consolas" panose="020B0609020204030204" pitchFamily="49" charset="0"/>
+              </a:rPr>
+              <a:t>" &lt;li&gt;Value is a string format of the field data type and can be enclosed in punctuation marks(single quote.)&lt;/li&gt;"</a:t>
+            </a:r>
+            <a:endParaRPr lang="en-US" sz="1800" dirty="0">
+              <a:solidFill>
+                <a:srgbClr val="000000"/>
+              </a:solidFill>
+              <a:effectLst/>
+              <a:latin typeface="Consolas" panose="020B0609020204030204" pitchFamily="49" charset="0"/>
+            </a:endParaRPr>
+          </a:p>
+          <a:p>
+            <a:pPr marL="0" marR="0">
+              <a:spcBef>
+                <a:spcPts val="0"/>
+              </a:spcBef>
+              <a:spcAft>
+                <a:spcPts val="0"/>
+              </a:spcAft>
+            </a:pPr>
+            <a:r>
+              <a:rPr lang="en-US" sz="1800" dirty="0">
+                <a:solidFill>
+                  <a:srgbClr val="000000"/>
+                </a:solidFill>
+                <a:effectLst/>
+                <a:latin typeface="Consolas" panose="020B0609020204030204" pitchFamily="49" charset="0"/>
+              </a:rPr>
+              <a:t>+ </a:t>
+            </a:r>
+            <a:r>
+              <a:rPr lang="en-US" sz="1800" dirty="0">
+                <a:solidFill>
+                  <a:srgbClr val="2A00FF"/>
+                </a:solidFill>
+                <a:effectLst/>
+                <a:latin typeface="Consolas" panose="020B0609020204030204" pitchFamily="49" charset="0"/>
+              </a:rPr>
+              <a:t>" &lt;li&gt;If operator is 'like' an * can be used as wild character, the like expression must be single </a:t>
+            </a:r>
+            <a:r>
+              <a:rPr lang="en-US" sz="1800" dirty="0" err="1">
+                <a:solidFill>
+                  <a:srgbClr val="2A00FF"/>
+                </a:solidFill>
+                <a:effectLst/>
+                <a:latin typeface="Consolas" panose="020B0609020204030204" pitchFamily="49" charset="0"/>
+              </a:rPr>
+              <a:t>qouted</a:t>
+            </a:r>
+            <a:r>
+              <a:rPr lang="en-US" sz="1800" dirty="0">
+                <a:solidFill>
+                  <a:srgbClr val="2A00FF"/>
+                </a:solidFill>
+                <a:effectLst/>
+                <a:latin typeface="Consolas" panose="020B0609020204030204" pitchFamily="49" charset="0"/>
+              </a:rPr>
+              <a:t>&lt;/</a:t>
+            </a:r>
+            <a:r>
+              <a:rPr lang="en-US" sz="1800" dirty="0" err="1">
+                <a:solidFill>
+                  <a:srgbClr val="2A00FF"/>
+                </a:solidFill>
+                <a:effectLst/>
+                <a:latin typeface="Consolas" panose="020B0609020204030204" pitchFamily="49" charset="0"/>
+              </a:rPr>
+              <a:t>ul</a:t>
+            </a:r>
+            <a:r>
+              <a:rPr lang="en-US" sz="1800" dirty="0">
+                <a:solidFill>
+                  <a:srgbClr val="2A00FF"/>
+                </a:solidFill>
+                <a:effectLst/>
+                <a:latin typeface="Consolas" panose="020B0609020204030204" pitchFamily="49" charset="0"/>
+              </a:rPr>
+              <a:t>&gt;"</a:t>
+            </a:r>
+            <a:r>
+              <a:rPr lang="en-US" sz="1800" dirty="0">
+                <a:solidFill>
+                  <a:srgbClr val="000000"/>
+                </a:solidFill>
+                <a:effectLst/>
+                <a:latin typeface="Consolas" panose="020B0609020204030204" pitchFamily="49" charset="0"/>
+              </a:rPr>
+              <a:t>,</a:t>
+            </a:r>
+            <a:r>
+              <a:rPr lang="en-US" sz="1800" dirty="0" err="1">
+                <a:solidFill>
+                  <a:srgbClr val="000000"/>
+                </a:solidFill>
+                <a:effectLst/>
+                <a:latin typeface="Consolas" panose="020B0609020204030204" pitchFamily="49" charset="0"/>
+              </a:rPr>
+              <a:t>allowEmptyValue</a:t>
+            </a:r>
+            <a:r>
+              <a:rPr lang="en-US" sz="1800" dirty="0">
+                <a:solidFill>
+                  <a:srgbClr val="000000"/>
+                </a:solidFill>
+                <a:effectLst/>
+                <a:latin typeface="Consolas" panose="020B0609020204030204" pitchFamily="49" charset="0"/>
+              </a:rPr>
+              <a:t> = </a:t>
+            </a:r>
+            <a:r>
+              <a:rPr lang="en-US" sz="1800" b="1" dirty="0" err="1">
+                <a:solidFill>
+                  <a:srgbClr val="7F0055"/>
+                </a:solidFill>
+                <a:effectLst/>
+                <a:latin typeface="Consolas" panose="020B0609020204030204" pitchFamily="49" charset="0"/>
+              </a:rPr>
+              <a:t>true</a:t>
+            </a:r>
+            <a:r>
+              <a:rPr lang="en-US" sz="1800" dirty="0" err="1">
+                <a:solidFill>
+                  <a:srgbClr val="000000"/>
+                </a:solidFill>
+                <a:effectLst/>
+                <a:latin typeface="Consolas" panose="020B0609020204030204" pitchFamily="49" charset="0"/>
+              </a:rPr>
+              <a:t>,example</a:t>
+            </a:r>
+            <a:r>
+              <a:rPr lang="en-US" sz="1800" dirty="0">
+                <a:solidFill>
+                  <a:srgbClr val="000000"/>
+                </a:solidFill>
+                <a:effectLst/>
+                <a:latin typeface="Consolas" panose="020B0609020204030204" pitchFamily="49" charset="0"/>
+              </a:rPr>
+              <a:t> =</a:t>
+            </a:r>
+            <a:r>
+              <a:rPr lang="en-US" sz="1800" dirty="0">
+                <a:solidFill>
+                  <a:srgbClr val="2A00FF"/>
+                </a:solidFill>
+                <a:effectLst/>
+                <a:latin typeface="Consolas" panose="020B0609020204030204" pitchFamily="49" charset="0"/>
+              </a:rPr>
+              <a:t>"</a:t>
+            </a:r>
+            <a:r>
+              <a:rPr lang="en-US" sz="1800" dirty="0" err="1">
+                <a:solidFill>
+                  <a:srgbClr val="2A00FF"/>
+                </a:solidFill>
+                <a:effectLst/>
+                <a:latin typeface="Consolas" panose="020B0609020204030204" pitchFamily="49" charset="0"/>
+              </a:rPr>
+              <a:t>name~'Siren</a:t>
+            </a:r>
+            <a:r>
+              <a:rPr lang="en-US" sz="1800" dirty="0">
+                <a:solidFill>
+                  <a:srgbClr val="2A00FF"/>
+                </a:solidFill>
+                <a:effectLst/>
+                <a:latin typeface="Consolas" panose="020B0609020204030204" pitchFamily="49" charset="0"/>
+              </a:rPr>
+              <a:t>*'"</a:t>
+            </a:r>
+            <a:r>
+              <a:rPr lang="en-US" sz="1800" dirty="0">
+                <a:solidFill>
+                  <a:srgbClr val="000000"/>
+                </a:solidFill>
+                <a:effectLst/>
+                <a:latin typeface="Consolas" panose="020B0609020204030204" pitchFamily="49" charset="0"/>
+              </a:rPr>
+              <a:t> )</a:t>
+            </a:r>
+          </a:p>
+          <a:p>
+            <a:pPr marL="0" marR="0">
+              <a:spcBef>
+                <a:spcPts val="0"/>
+              </a:spcBef>
+              <a:spcAft>
+                <a:spcPts val="0"/>
+              </a:spcAft>
+            </a:pPr>
+            <a:r>
+              <a:rPr lang="en-US" sz="1800" dirty="0">
+                <a:solidFill>
+                  <a:srgbClr val="646464"/>
+                </a:solidFill>
+                <a:effectLst/>
+                <a:latin typeface="Consolas" panose="020B0609020204030204" pitchFamily="49" charset="0"/>
+              </a:rPr>
+              <a:t>@ResponseStatus</a:t>
+            </a:r>
+            <a:r>
+              <a:rPr lang="en-US" sz="1800" dirty="0">
+                <a:solidFill>
+                  <a:srgbClr val="000000"/>
+                </a:solidFill>
+                <a:effectLst/>
+                <a:latin typeface="Consolas" panose="020B0609020204030204" pitchFamily="49" charset="0"/>
+              </a:rPr>
+              <a:t>(HttpStatus.</a:t>
+            </a:r>
+            <a:r>
+              <a:rPr lang="en-US" sz="1800" b="1" i="1" dirty="0">
+                <a:solidFill>
+                  <a:srgbClr val="0000C0"/>
+                </a:solidFill>
+                <a:effectLst/>
+                <a:latin typeface="Consolas" panose="020B0609020204030204" pitchFamily="49" charset="0"/>
+              </a:rPr>
+              <a:t>OK</a:t>
+            </a:r>
+            <a:r>
+              <a:rPr lang="en-US" sz="1800" dirty="0">
+                <a:solidFill>
+                  <a:srgbClr val="000000"/>
+                </a:solidFill>
+                <a:effectLst/>
+                <a:latin typeface="Consolas" panose="020B0609020204030204" pitchFamily="49" charset="0"/>
+              </a:rPr>
+              <a:t>)</a:t>
+            </a:r>
+          </a:p>
+          <a:p>
+            <a:pPr marL="0" marR="0">
+              <a:spcBef>
+                <a:spcPts val="0"/>
+              </a:spcBef>
+              <a:spcAft>
+                <a:spcPts val="0"/>
+              </a:spcAft>
+            </a:pPr>
+            <a:r>
+              <a:rPr lang="en-US" sz="1800" dirty="0">
+                <a:solidFill>
+                  <a:srgbClr val="646464"/>
+                </a:solidFill>
+                <a:effectLst/>
+                <a:latin typeface="Consolas" panose="020B0609020204030204" pitchFamily="49" charset="0"/>
+              </a:rPr>
+              <a:t>@GetMapping</a:t>
+            </a:r>
+            <a:r>
+              <a:rPr lang="en-US" sz="1800" dirty="0">
+                <a:solidFill>
+                  <a:srgbClr val="000000"/>
+                </a:solidFill>
+                <a:effectLst/>
+                <a:latin typeface="Consolas" panose="020B0609020204030204" pitchFamily="49" charset="0"/>
+              </a:rPr>
+              <a:t>(value = </a:t>
+            </a:r>
+            <a:r>
+              <a:rPr lang="en-US" sz="1800" dirty="0">
+                <a:solidFill>
+                  <a:srgbClr val="2A00FF"/>
+                </a:solidFill>
+                <a:effectLst/>
+                <a:latin typeface="Consolas" panose="020B0609020204030204" pitchFamily="49" charset="0"/>
+              </a:rPr>
+              <a:t>"/search"</a:t>
+            </a:r>
+            <a:r>
+              <a:rPr lang="en-US" sz="1800" dirty="0">
+                <a:solidFill>
+                  <a:srgbClr val="000000"/>
+                </a:solidFill>
+                <a:effectLst/>
+                <a:latin typeface="Consolas" panose="020B0609020204030204" pitchFamily="49" charset="0"/>
+              </a:rPr>
+              <a:t> ) </a:t>
+            </a:r>
+          </a:p>
+          <a:p>
+            <a:pPr marL="0" marR="0">
+              <a:spcBef>
+                <a:spcPts val="0"/>
+              </a:spcBef>
+              <a:spcAft>
+                <a:spcPts val="0"/>
+              </a:spcAft>
+            </a:pPr>
+            <a:r>
+              <a:rPr lang="en-US" sz="1800" dirty="0">
+                <a:solidFill>
+                  <a:srgbClr val="646464"/>
+                </a:solidFill>
+                <a:effectLst/>
+                <a:latin typeface="Consolas" panose="020B0609020204030204" pitchFamily="49" charset="0"/>
+              </a:rPr>
+              <a:t>@PreAuthorize</a:t>
+            </a:r>
+            <a:r>
+              <a:rPr lang="en-US" sz="1800" dirty="0">
+                <a:solidFill>
+                  <a:srgbClr val="000000"/>
+                </a:solidFill>
+                <a:effectLst/>
+                <a:latin typeface="Consolas" panose="020B0609020204030204" pitchFamily="49" charset="0"/>
+              </a:rPr>
+              <a:t>(</a:t>
+            </a:r>
+            <a:r>
+              <a:rPr lang="en-US" sz="1800" b="1" i="1" dirty="0">
+                <a:solidFill>
+                  <a:srgbClr val="0000C0"/>
+                </a:solidFill>
+                <a:effectLst/>
+                <a:latin typeface="Consolas" panose="020B0609020204030204" pitchFamily="49" charset="0"/>
+              </a:rPr>
+              <a:t>$hasAuth</a:t>
+            </a:r>
+            <a:r>
+              <a:rPr lang="en-US" sz="1800" dirty="0">
+                <a:solidFill>
+                  <a:srgbClr val="000000"/>
+                </a:solidFill>
+                <a:effectLst/>
+                <a:latin typeface="Consolas" panose="020B0609020204030204" pitchFamily="49" charset="0"/>
+              </a:rPr>
+              <a:t> + </a:t>
+            </a:r>
+            <a:r>
+              <a:rPr lang="en-US" sz="1800" dirty="0" err="1">
+                <a:solidFill>
+                  <a:srgbClr val="000000"/>
+                </a:solidFill>
+                <a:effectLst/>
+                <a:latin typeface="Consolas" panose="020B0609020204030204" pitchFamily="49" charset="0"/>
+              </a:rPr>
+              <a:t>ApplicationPermissions.</a:t>
+            </a:r>
+            <a:r>
+              <a:rPr lang="en-US" sz="1800" b="1" i="1" dirty="0" err="1">
+                <a:solidFill>
+                  <a:srgbClr val="0000C0"/>
+                </a:solidFill>
+                <a:effectLst/>
+                <a:latin typeface="Consolas" panose="020B0609020204030204" pitchFamily="49" charset="0"/>
+              </a:rPr>
+              <a:t>COMPANY_VIEW</a:t>
+            </a:r>
+            <a:r>
+              <a:rPr lang="en-US" sz="1800" dirty="0">
+                <a:solidFill>
+                  <a:srgbClr val="000000"/>
+                </a:solidFill>
+                <a:effectLst/>
+                <a:latin typeface="Consolas" panose="020B0609020204030204" pitchFamily="49" charset="0"/>
+              </a:rPr>
+              <a:t> + </a:t>
+            </a:r>
+            <a:r>
+              <a:rPr lang="en-US" sz="1800" b="1" i="1" dirty="0">
+                <a:solidFill>
+                  <a:srgbClr val="0000C0"/>
+                </a:solidFill>
+                <a:effectLst/>
+                <a:latin typeface="Consolas" panose="020B0609020204030204" pitchFamily="49" charset="0"/>
+              </a:rPr>
+              <a:t>$</a:t>
+            </a:r>
+            <a:r>
+              <a:rPr lang="en-US" sz="1800" dirty="0">
+                <a:solidFill>
+                  <a:srgbClr val="000000"/>
+                </a:solidFill>
+                <a:effectLst/>
+                <a:latin typeface="Consolas" panose="020B0609020204030204" pitchFamily="49" charset="0"/>
+              </a:rPr>
+              <a:t>)</a:t>
+            </a:r>
+          </a:p>
+          <a:p>
+            <a:pPr marL="0" marR="0">
+              <a:spcBef>
+                <a:spcPts val="0"/>
+              </a:spcBef>
+              <a:spcAft>
+                <a:spcPts val="0"/>
+              </a:spcAft>
+            </a:pPr>
+            <a:r>
+              <a:rPr lang="en-US" sz="1800" dirty="0">
+                <a:solidFill>
+                  <a:srgbClr val="646464"/>
+                </a:solidFill>
+                <a:effectLst/>
+                <a:latin typeface="Consolas" panose="020B0609020204030204" pitchFamily="49" charset="0"/>
+              </a:rPr>
+              <a:t>@Deprecated</a:t>
+            </a:r>
+            <a:endParaRPr lang="en-US" sz="1800" dirty="0">
+              <a:solidFill>
+                <a:srgbClr val="000000"/>
+              </a:solidFill>
+              <a:effectLst/>
+              <a:latin typeface="Consolas" panose="020B0609020204030204" pitchFamily="49" charset="0"/>
+            </a:endParaRPr>
+          </a:p>
+          <a:p>
+            <a:pPr marL="0" marR="0">
+              <a:spcBef>
+                <a:spcPts val="0"/>
+              </a:spcBef>
+              <a:spcAft>
+                <a:spcPts val="0"/>
+              </a:spcAft>
+            </a:pPr>
+            <a:r>
+              <a:rPr lang="en-US" sz="1800" b="1" dirty="0">
+                <a:solidFill>
+                  <a:srgbClr val="7F0055"/>
+                </a:solidFill>
+                <a:effectLst/>
+                <a:latin typeface="Consolas" panose="020B0609020204030204" pitchFamily="49" charset="0"/>
+              </a:rPr>
+              <a:t>public</a:t>
+            </a:r>
+            <a:r>
+              <a:rPr lang="en-US" sz="1800" dirty="0">
+                <a:solidFill>
+                  <a:srgbClr val="000000"/>
+                </a:solidFill>
+                <a:effectLst/>
+                <a:latin typeface="Consolas" panose="020B0609020204030204" pitchFamily="49" charset="0"/>
+              </a:rPr>
+              <a:t> Page&lt;</a:t>
+            </a:r>
+            <a:r>
+              <a:rPr lang="en-US" sz="1800" dirty="0" err="1">
+                <a:solidFill>
+                  <a:srgbClr val="000000"/>
+                </a:solidFill>
+                <a:effectLst/>
+                <a:latin typeface="Consolas" panose="020B0609020204030204" pitchFamily="49" charset="0"/>
+              </a:rPr>
+              <a:t>CompanyListItemDTO</a:t>
+            </a:r>
+            <a:r>
+              <a:rPr lang="en-US" sz="1800" dirty="0">
+                <a:solidFill>
+                  <a:srgbClr val="000000"/>
+                </a:solidFill>
+                <a:effectLst/>
+                <a:latin typeface="Consolas" panose="020B0609020204030204" pitchFamily="49" charset="0"/>
+              </a:rPr>
+              <a:t>&gt; </a:t>
+            </a:r>
+            <a:r>
+              <a:rPr lang="en-US" sz="1800" strike="sngStrike" dirty="0" err="1">
+                <a:solidFill>
+                  <a:srgbClr val="000000"/>
+                </a:solidFill>
+                <a:effectLst/>
+                <a:latin typeface="Consolas" panose="020B0609020204030204" pitchFamily="49" charset="0"/>
+              </a:rPr>
+              <a:t>getCompaniesWithFullSearch</a:t>
+            </a:r>
+            <a:r>
+              <a:rPr lang="en-US" sz="1800" dirty="0">
+                <a:solidFill>
+                  <a:srgbClr val="000000"/>
+                </a:solidFill>
+                <a:effectLst/>
+                <a:latin typeface="Consolas" panose="020B0609020204030204" pitchFamily="49" charset="0"/>
+              </a:rPr>
+              <a:t>(</a:t>
+            </a:r>
+            <a:r>
+              <a:rPr lang="en-US" sz="1800" dirty="0">
+                <a:solidFill>
+                  <a:srgbClr val="646464"/>
+                </a:solidFill>
+                <a:effectLst/>
+                <a:latin typeface="Consolas" panose="020B0609020204030204" pitchFamily="49" charset="0"/>
+              </a:rPr>
+              <a:t>@PageableDefault</a:t>
+            </a:r>
+            <a:r>
+              <a:rPr lang="en-US" sz="1800" dirty="0">
+                <a:solidFill>
+                  <a:srgbClr val="000000"/>
+                </a:solidFill>
+                <a:effectLst/>
+                <a:latin typeface="Consolas" panose="020B0609020204030204" pitchFamily="49" charset="0"/>
+              </a:rPr>
+              <a:t>(page = 0, size = 10) Pageable </a:t>
+            </a:r>
+            <a:r>
+              <a:rPr lang="en-US" sz="1800" dirty="0" err="1">
+                <a:solidFill>
+                  <a:srgbClr val="6A3E3E"/>
+                </a:solidFill>
+                <a:effectLst/>
+                <a:latin typeface="Consolas" panose="020B0609020204030204" pitchFamily="49" charset="0"/>
+              </a:rPr>
+              <a:t>pageable</a:t>
+            </a:r>
+            <a:r>
+              <a:rPr lang="en-US" sz="1800" dirty="0">
+                <a:solidFill>
+                  <a:srgbClr val="000000"/>
+                </a:solidFill>
+                <a:effectLst/>
+                <a:latin typeface="Consolas" panose="020B0609020204030204" pitchFamily="49" charset="0"/>
+              </a:rPr>
+              <a:t>,</a:t>
+            </a:r>
+          </a:p>
+          <a:p>
+            <a:pPr marL="0" marR="0">
+              <a:spcBef>
+                <a:spcPts val="0"/>
+              </a:spcBef>
+              <a:spcAft>
+                <a:spcPts val="0"/>
+              </a:spcAft>
+            </a:pPr>
+            <a:r>
+              <a:rPr lang="en-US" sz="1800" dirty="0">
+                <a:solidFill>
+                  <a:srgbClr val="646464"/>
+                </a:solidFill>
+                <a:effectLst/>
+                <a:latin typeface="Consolas" panose="020B0609020204030204" pitchFamily="49" charset="0"/>
+              </a:rPr>
+              <a:t>@RequestParam</a:t>
+            </a:r>
+            <a:r>
+              <a:rPr lang="en-US" sz="1800" dirty="0">
+                <a:solidFill>
+                  <a:srgbClr val="000000"/>
+                </a:solidFill>
+                <a:effectLst/>
+                <a:latin typeface="Consolas" panose="020B0609020204030204" pitchFamily="49" charset="0"/>
+              </a:rPr>
+              <a:t>(name = </a:t>
+            </a:r>
+            <a:r>
+              <a:rPr lang="en-US" sz="1800" dirty="0">
+                <a:solidFill>
+                  <a:srgbClr val="2A00FF"/>
+                </a:solidFill>
+                <a:effectLst/>
+                <a:latin typeface="Consolas" panose="020B0609020204030204" pitchFamily="49" charset="0"/>
+              </a:rPr>
+              <a:t>"search"</a:t>
+            </a:r>
+            <a:r>
+              <a:rPr lang="en-US" sz="1800" dirty="0">
+                <a:solidFill>
+                  <a:srgbClr val="000000"/>
+                </a:solidFill>
+                <a:effectLst/>
+                <a:latin typeface="Consolas" panose="020B0609020204030204" pitchFamily="49" charset="0"/>
+              </a:rPr>
+              <a:t>, required = </a:t>
+            </a:r>
+            <a:r>
+              <a:rPr lang="en-US" sz="1800" b="1" dirty="0">
+                <a:solidFill>
+                  <a:srgbClr val="7F0055"/>
+                </a:solidFill>
+                <a:effectLst/>
+                <a:latin typeface="Consolas" panose="020B0609020204030204" pitchFamily="49" charset="0"/>
+              </a:rPr>
+              <a:t>false</a:t>
+            </a:r>
+            <a:r>
+              <a:rPr lang="en-US" sz="1800" dirty="0">
+                <a:solidFill>
+                  <a:srgbClr val="000000"/>
+                </a:solidFill>
+                <a:effectLst/>
+                <a:latin typeface="Consolas" panose="020B0609020204030204" pitchFamily="49" charset="0"/>
+              </a:rPr>
+              <a:t> ) String </a:t>
+            </a:r>
+            <a:r>
+              <a:rPr lang="en-US" sz="1800" dirty="0">
+                <a:solidFill>
+                  <a:srgbClr val="6A3E3E"/>
+                </a:solidFill>
+                <a:effectLst/>
+                <a:latin typeface="Consolas" panose="020B0609020204030204" pitchFamily="49" charset="0"/>
+              </a:rPr>
+              <a:t>search</a:t>
+            </a:r>
+            <a:r>
+              <a:rPr lang="en-US" sz="1800" dirty="0">
+                <a:solidFill>
+                  <a:srgbClr val="000000"/>
+                </a:solidFill>
+                <a:effectLst/>
+                <a:latin typeface="Consolas" panose="020B0609020204030204" pitchFamily="49" charset="0"/>
+              </a:rPr>
+              <a:t>) { </a:t>
+            </a:r>
+          </a:p>
+          <a:p>
+            <a:pPr marL="0" marR="0">
+              <a:spcBef>
+                <a:spcPts val="0"/>
+              </a:spcBef>
+              <a:spcAft>
+                <a:spcPts val="0"/>
+              </a:spcAft>
+            </a:pPr>
+            <a:r>
+              <a:rPr lang="en-US" sz="1800" b="1" i="1" dirty="0">
+                <a:solidFill>
+                  <a:srgbClr val="0000C0"/>
+                </a:solidFill>
+                <a:effectLst/>
+                <a:latin typeface="Consolas" panose="020B0609020204030204" pitchFamily="49" charset="0"/>
+              </a:rPr>
+              <a:t>log</a:t>
+            </a:r>
+            <a:r>
+              <a:rPr lang="en-US" sz="1800" dirty="0">
+                <a:solidFill>
+                  <a:srgbClr val="000000"/>
+                </a:solidFill>
+                <a:effectLst/>
+                <a:latin typeface="Consolas" panose="020B0609020204030204" pitchFamily="49" charset="0"/>
+              </a:rPr>
+              <a:t>.info(</a:t>
+            </a:r>
+            <a:r>
+              <a:rPr lang="en-US" sz="1800" dirty="0">
+                <a:solidFill>
+                  <a:srgbClr val="2A00FF"/>
+                </a:solidFill>
+                <a:effectLst/>
+                <a:latin typeface="Consolas" panose="020B0609020204030204" pitchFamily="49" charset="0"/>
+              </a:rPr>
+              <a:t>"Searching companies with criteria {} "</a:t>
+            </a:r>
+            <a:r>
+              <a:rPr lang="en-US" sz="1800" dirty="0">
+                <a:solidFill>
+                  <a:srgbClr val="000000"/>
+                </a:solidFill>
+                <a:effectLst/>
+                <a:latin typeface="Consolas" panose="020B0609020204030204" pitchFamily="49" charset="0"/>
+              </a:rPr>
+              <a:t> , </a:t>
+            </a:r>
+            <a:r>
+              <a:rPr lang="en-US" sz="1800" dirty="0">
+                <a:solidFill>
+                  <a:srgbClr val="6A3E3E"/>
+                </a:solidFill>
+                <a:effectLst/>
+                <a:latin typeface="Consolas" panose="020B0609020204030204" pitchFamily="49" charset="0"/>
+              </a:rPr>
+              <a:t>search</a:t>
+            </a:r>
+            <a:r>
+              <a:rPr lang="en-US" sz="1800" dirty="0">
+                <a:solidFill>
+                  <a:srgbClr val="000000"/>
+                </a:solidFill>
+                <a:effectLst/>
+                <a:latin typeface="Consolas" panose="020B0609020204030204" pitchFamily="49" charset="0"/>
+              </a:rPr>
+              <a:t>);</a:t>
+            </a:r>
+          </a:p>
+          <a:p>
+            <a:pPr marL="0" marR="0">
+              <a:spcBef>
+                <a:spcPts val="0"/>
+              </a:spcBef>
+              <a:spcAft>
+                <a:spcPts val="0"/>
+              </a:spcAft>
+            </a:pPr>
+            <a:r>
+              <a:rPr lang="en-US" sz="1800" dirty="0">
+                <a:solidFill>
+                  <a:srgbClr val="000000"/>
+                </a:solidFill>
+                <a:effectLst/>
+                <a:latin typeface="Consolas" panose="020B0609020204030204" pitchFamily="49" charset="0"/>
+              </a:rPr>
+              <a:t>Page&lt;</a:t>
+            </a:r>
+            <a:r>
+              <a:rPr lang="en-US" sz="1800" dirty="0" err="1">
+                <a:solidFill>
+                  <a:srgbClr val="000000"/>
+                </a:solidFill>
+                <a:effectLst/>
+                <a:latin typeface="Consolas" panose="020B0609020204030204" pitchFamily="49" charset="0"/>
+              </a:rPr>
+              <a:t>CompanyListItemDTO</a:t>
+            </a:r>
+            <a:r>
+              <a:rPr lang="en-US" sz="1800" dirty="0">
+                <a:solidFill>
+                  <a:srgbClr val="000000"/>
+                </a:solidFill>
+                <a:effectLst/>
+                <a:latin typeface="Consolas" panose="020B0609020204030204" pitchFamily="49" charset="0"/>
+              </a:rPr>
+              <a:t>&gt; </a:t>
+            </a:r>
+            <a:r>
+              <a:rPr lang="en-US" sz="1800" dirty="0">
+                <a:solidFill>
+                  <a:srgbClr val="6A3E3E"/>
+                </a:solidFill>
+                <a:effectLst/>
+                <a:latin typeface="Consolas" panose="020B0609020204030204" pitchFamily="49" charset="0"/>
+              </a:rPr>
+              <a:t>companies</a:t>
+            </a:r>
+            <a:r>
+              <a:rPr lang="en-US" sz="1800" dirty="0">
+                <a:solidFill>
+                  <a:srgbClr val="000000"/>
+                </a:solidFill>
+                <a:effectLst/>
+                <a:latin typeface="Consolas" panose="020B0609020204030204" pitchFamily="49" charset="0"/>
+              </a:rPr>
+              <a:t> = </a:t>
+            </a:r>
+            <a:r>
+              <a:rPr lang="en-US" sz="1800" dirty="0" err="1">
+                <a:solidFill>
+                  <a:srgbClr val="0000C0"/>
+                </a:solidFill>
+                <a:effectLst/>
+                <a:latin typeface="Consolas" panose="020B0609020204030204" pitchFamily="49" charset="0"/>
+              </a:rPr>
+              <a:t>companyService</a:t>
+            </a:r>
+            <a:r>
+              <a:rPr lang="en-US" sz="1800" dirty="0" err="1">
+                <a:solidFill>
+                  <a:srgbClr val="000000"/>
+                </a:solidFill>
+                <a:effectLst/>
+                <a:latin typeface="Consolas" panose="020B0609020204030204" pitchFamily="49" charset="0"/>
+              </a:rPr>
+              <a:t>.getCompanyList</a:t>
+            </a:r>
+            <a:r>
+              <a:rPr lang="en-US" sz="1800" dirty="0">
+                <a:solidFill>
+                  <a:srgbClr val="000000"/>
+                </a:solidFill>
+                <a:effectLst/>
+                <a:latin typeface="Consolas" panose="020B0609020204030204" pitchFamily="49" charset="0"/>
+              </a:rPr>
+              <a:t>(</a:t>
+            </a:r>
+            <a:r>
+              <a:rPr lang="en-US" sz="1800" dirty="0">
+                <a:solidFill>
+                  <a:srgbClr val="6A3E3E"/>
+                </a:solidFill>
+                <a:effectLst/>
+                <a:latin typeface="Consolas" panose="020B0609020204030204" pitchFamily="49" charset="0"/>
+              </a:rPr>
+              <a:t>pageable</a:t>
+            </a:r>
+            <a:r>
+              <a:rPr lang="en-US" sz="1800" dirty="0">
+                <a:solidFill>
+                  <a:srgbClr val="000000"/>
+                </a:solidFill>
+                <a:effectLst/>
+                <a:latin typeface="Consolas" panose="020B0609020204030204" pitchFamily="49" charset="0"/>
+              </a:rPr>
+              <a:t>, </a:t>
+            </a:r>
+            <a:r>
+              <a:rPr lang="en-US" sz="1800" dirty="0">
+                <a:solidFill>
+                  <a:srgbClr val="6A3E3E"/>
+                </a:solidFill>
+                <a:effectLst/>
+                <a:latin typeface="Consolas" panose="020B0609020204030204" pitchFamily="49" charset="0"/>
+              </a:rPr>
+              <a:t>search</a:t>
+            </a:r>
+            <a:r>
+              <a:rPr lang="en-US" sz="1800" dirty="0">
+                <a:solidFill>
+                  <a:srgbClr val="000000"/>
+                </a:solidFill>
+                <a:effectLst/>
+                <a:latin typeface="Consolas" panose="020B0609020204030204" pitchFamily="49" charset="0"/>
+              </a:rPr>
+              <a:t>); </a:t>
+            </a:r>
+          </a:p>
+          <a:p>
+            <a:pPr marL="0" marR="0">
+              <a:spcBef>
+                <a:spcPts val="0"/>
+              </a:spcBef>
+              <a:spcAft>
+                <a:spcPts val="0"/>
+              </a:spcAft>
+            </a:pPr>
+            <a:r>
+              <a:rPr lang="en-US" sz="1800" b="1" dirty="0">
+                <a:solidFill>
+                  <a:srgbClr val="7F0055"/>
+                </a:solidFill>
+                <a:effectLst/>
+                <a:latin typeface="Consolas" panose="020B0609020204030204" pitchFamily="49" charset="0"/>
+              </a:rPr>
+              <a:t>return</a:t>
+            </a:r>
+            <a:r>
+              <a:rPr lang="en-US" sz="1800" dirty="0">
+                <a:solidFill>
+                  <a:srgbClr val="000000"/>
+                </a:solidFill>
+                <a:effectLst/>
+                <a:latin typeface="Consolas" panose="020B0609020204030204" pitchFamily="49" charset="0"/>
+              </a:rPr>
+              <a:t> </a:t>
+            </a:r>
+            <a:r>
+              <a:rPr lang="en-US" sz="1800" dirty="0">
+                <a:solidFill>
+                  <a:srgbClr val="6A3E3E"/>
+                </a:solidFill>
+                <a:effectLst/>
+                <a:latin typeface="Consolas" panose="020B0609020204030204" pitchFamily="49" charset="0"/>
+              </a:rPr>
+              <a:t>companies</a:t>
+            </a:r>
+            <a:r>
+              <a:rPr lang="en-US" sz="1800" dirty="0">
+                <a:solidFill>
+                  <a:srgbClr val="000000"/>
+                </a:solidFill>
+                <a:effectLst/>
+                <a:latin typeface="Consolas" panose="020B0609020204030204" pitchFamily="49" charset="0"/>
+              </a:rPr>
+              <a:t>;</a:t>
+            </a:r>
+          </a:p>
+          <a:p>
+            <a:pPr marL="0" marR="0">
+              <a:spcBef>
+                <a:spcPts val="0"/>
+              </a:spcBef>
+              <a:spcAft>
+                <a:spcPts val="0"/>
+              </a:spcAft>
+            </a:pPr>
+            <a:r>
+              <a:rPr lang="en-US" sz="1800">
+                <a:solidFill>
+                  <a:srgbClr val="000000"/>
+                </a:solidFill>
+                <a:effectLst/>
+                <a:latin typeface="Consolas" panose="020B0609020204030204" pitchFamily="49" charset="0"/>
+              </a:rPr>
+              <a:t>} </a:t>
+            </a:r>
+          </a:p>
+          <a:p>
+            <a:endParaRPr lang="en-US"/>
+          </a:p>
+        </p:txBody>
+      </p:sp>
+    </p:spTree>
+    <p:extLst>
+      <p:ext uri="{BB962C8B-B14F-4D97-AF65-F5344CB8AC3E}">
+        <p14:creationId xmlns:p14="http://schemas.microsoft.com/office/powerpoint/2010/main" val="10947284"/>
+      </p:ext>
+    </p:extLst>
+  </p:cSld>
+  <p:clrMapOvr>
+    <a:masterClrMapping/>
+  </p:clrMapOvr>
+</p:sld>
+</file>
+
 <file path=ppt/slides/slide2.xml><?xml version="1.0" encoding="utf-8"?>
 <p:sld xmlns:a="http://schemas.openxmlformats.org/drawingml/2006/main" xmlns:r="http://schemas.openxmlformats.org/officeDocument/2006/relationships" xmlns:p="http://schemas.openxmlformats.org/presentationml/2006/main">
   <p:cSld>
@@ -6755,7 +9539,7 @@
         </p:spPr>
         <p:txBody>
           <a:bodyPr>
-            <a:normAutofit/>
+            <a:normAutofit fontScale="77500" lnSpcReduction="20000"/>
           </a:bodyPr>
           <a:lstStyle/>
           <a:p>
@@ -6782,6 +9566,622 @@
             <a:r>
               <a:rPr lang="en-US" dirty="0"/>
               <a:t> and register them with the lookup service</a:t>
+            </a:r>
+          </a:p>
+          <a:p>
+            <a:pPr marL="0" marR="0" indent="0">
+              <a:spcBef>
+                <a:spcPts val="0"/>
+              </a:spcBef>
+              <a:spcAft>
+                <a:spcPts val="0"/>
+              </a:spcAft>
+              <a:buNone/>
+            </a:pPr>
+            <a:br>
+              <a:rPr lang="en-US" dirty="0"/>
+            </a:br>
+            <a:r>
+              <a:rPr lang="en-US" sz="2100" dirty="0">
+                <a:solidFill>
+                  <a:srgbClr val="646464"/>
+                </a:solidFill>
+                <a:effectLst/>
+                <a:latin typeface="Consolas" panose="020B0609020204030204" pitchFamily="49" charset="0"/>
+              </a:rPr>
+              <a:t>@Getter</a:t>
+            </a:r>
+            <a:endParaRPr lang="en-US" sz="2100" dirty="0">
+              <a:solidFill>
+                <a:srgbClr val="000000"/>
+              </a:solidFill>
+              <a:effectLst/>
+              <a:latin typeface="Consolas" panose="020B0609020204030204" pitchFamily="49" charset="0"/>
+            </a:endParaRPr>
+          </a:p>
+          <a:p>
+            <a:pPr marL="0" marR="0" indent="0">
+              <a:spcBef>
+                <a:spcPts val="0"/>
+              </a:spcBef>
+              <a:spcAft>
+                <a:spcPts val="0"/>
+              </a:spcAft>
+              <a:buNone/>
+            </a:pPr>
+            <a:r>
+              <a:rPr lang="en-US" sz="2100" dirty="0">
+                <a:solidFill>
+                  <a:srgbClr val="646464"/>
+                </a:solidFill>
+                <a:effectLst/>
+                <a:latin typeface="Consolas" panose="020B0609020204030204" pitchFamily="49" charset="0"/>
+              </a:rPr>
+              <a:t>@RequiredArgsConstructor</a:t>
+            </a:r>
+            <a:endParaRPr lang="en-US" sz="2100" dirty="0">
+              <a:solidFill>
+                <a:srgbClr val="000000"/>
+              </a:solidFill>
+              <a:effectLst/>
+              <a:latin typeface="Consolas" panose="020B0609020204030204" pitchFamily="49" charset="0"/>
+            </a:endParaRPr>
+          </a:p>
+          <a:p>
+            <a:pPr marL="0" marR="0" indent="0">
+              <a:spcBef>
+                <a:spcPts val="0"/>
+              </a:spcBef>
+              <a:spcAft>
+                <a:spcPts val="0"/>
+              </a:spcAft>
+              <a:buNone/>
+            </a:pPr>
+            <a:r>
+              <a:rPr lang="en-US" sz="2100" b="1" dirty="0">
+                <a:solidFill>
+                  <a:srgbClr val="7F0055"/>
+                </a:solidFill>
+                <a:effectLst/>
+                <a:latin typeface="Consolas" panose="020B0609020204030204" pitchFamily="49" charset="0"/>
+              </a:rPr>
+              <a:t>public</a:t>
+            </a:r>
+            <a:r>
+              <a:rPr lang="en-US" sz="2100" dirty="0">
+                <a:solidFill>
+                  <a:srgbClr val="000000"/>
+                </a:solidFill>
+                <a:effectLst/>
+                <a:latin typeface="Consolas" panose="020B0609020204030204" pitchFamily="49" charset="0"/>
+              </a:rPr>
+              <a:t> </a:t>
+            </a:r>
+            <a:r>
+              <a:rPr lang="en-US" sz="2100" b="1" dirty="0" err="1">
+                <a:solidFill>
+                  <a:srgbClr val="7F0055"/>
+                </a:solidFill>
+                <a:effectLst/>
+                <a:latin typeface="Consolas" panose="020B0609020204030204" pitchFamily="49" charset="0"/>
+              </a:rPr>
+              <a:t>enum</a:t>
+            </a:r>
+            <a:r>
+              <a:rPr lang="en-US" sz="2100" dirty="0">
+                <a:solidFill>
+                  <a:srgbClr val="000000"/>
+                </a:solidFill>
+                <a:effectLst/>
+                <a:latin typeface="Consolas" panose="020B0609020204030204" pitchFamily="49" charset="0"/>
+              </a:rPr>
+              <a:t> </a:t>
+            </a:r>
+            <a:r>
+              <a:rPr lang="en-US" sz="2100" dirty="0" err="1">
+                <a:solidFill>
+                  <a:srgbClr val="000000"/>
+                </a:solidFill>
+                <a:effectLst/>
+                <a:latin typeface="Consolas" panose="020B0609020204030204" pitchFamily="49" charset="0"/>
+              </a:rPr>
+              <a:t>LookupType</a:t>
+            </a:r>
+            <a:r>
+              <a:rPr lang="en-US" sz="2100" dirty="0">
+                <a:solidFill>
+                  <a:srgbClr val="000000"/>
+                </a:solidFill>
+                <a:effectLst/>
+                <a:latin typeface="Consolas" panose="020B0609020204030204" pitchFamily="49" charset="0"/>
+              </a:rPr>
+              <a:t> </a:t>
+            </a:r>
+            <a:r>
+              <a:rPr lang="en-US" sz="2100" b="1" dirty="0">
+                <a:solidFill>
+                  <a:srgbClr val="7F0055"/>
+                </a:solidFill>
+                <a:effectLst/>
+                <a:latin typeface="Consolas" panose="020B0609020204030204" pitchFamily="49" charset="0"/>
+              </a:rPr>
+              <a:t>implements</a:t>
+            </a:r>
+            <a:r>
+              <a:rPr lang="en-US" sz="2100" dirty="0">
+                <a:solidFill>
+                  <a:srgbClr val="000000"/>
+                </a:solidFill>
+                <a:effectLst/>
+                <a:latin typeface="Consolas" panose="020B0609020204030204" pitchFamily="49" charset="0"/>
+              </a:rPr>
+              <a:t> </a:t>
+            </a:r>
+            <a:r>
+              <a:rPr lang="en-US" sz="2100" dirty="0" err="1">
+                <a:solidFill>
+                  <a:srgbClr val="000000"/>
+                </a:solidFill>
+                <a:effectLst/>
+                <a:latin typeface="Consolas" panose="020B0609020204030204" pitchFamily="49" charset="0"/>
+              </a:rPr>
+              <a:t>ILookupTypeEnum</a:t>
+            </a:r>
+            <a:r>
+              <a:rPr lang="en-US" sz="2100" dirty="0">
+                <a:solidFill>
+                  <a:srgbClr val="000000"/>
+                </a:solidFill>
+                <a:effectLst/>
+                <a:latin typeface="Consolas" panose="020B0609020204030204" pitchFamily="49" charset="0"/>
+              </a:rPr>
+              <a:t>&lt;</a:t>
+            </a:r>
+            <a:r>
+              <a:rPr lang="en-US" sz="2100" dirty="0" err="1">
+                <a:solidFill>
+                  <a:srgbClr val="000000"/>
+                </a:solidFill>
+                <a:effectLst/>
+                <a:latin typeface="Consolas" panose="020B0609020204030204" pitchFamily="49" charset="0"/>
+              </a:rPr>
+              <a:t>LookupType</a:t>
+            </a:r>
+            <a:r>
+              <a:rPr lang="en-US" sz="2100" dirty="0">
+                <a:solidFill>
+                  <a:srgbClr val="000000"/>
+                </a:solidFill>
+                <a:effectLst/>
+                <a:latin typeface="Consolas" panose="020B0609020204030204" pitchFamily="49" charset="0"/>
+              </a:rPr>
+              <a:t>&gt; { </a:t>
+            </a:r>
+          </a:p>
+          <a:p>
+            <a:pPr marL="0" marR="0" indent="0">
+              <a:spcBef>
+                <a:spcPts val="0"/>
+              </a:spcBef>
+              <a:spcAft>
+                <a:spcPts val="0"/>
+              </a:spcAft>
+              <a:buNone/>
+            </a:pPr>
+            <a:endParaRPr lang="en-US" sz="2100" dirty="0">
+              <a:solidFill>
+                <a:srgbClr val="000000"/>
+              </a:solidFill>
+              <a:effectLst/>
+              <a:latin typeface="Consolas" panose="020B0609020204030204" pitchFamily="49" charset="0"/>
+            </a:endParaRPr>
+          </a:p>
+          <a:p>
+            <a:pPr marL="457200" lvl="1" indent="0">
+              <a:spcBef>
+                <a:spcPts val="0"/>
+              </a:spcBef>
+              <a:buNone/>
+            </a:pPr>
+            <a:r>
+              <a:rPr lang="en-US" sz="1800" b="1" i="1" dirty="0" err="1">
+                <a:solidFill>
+                  <a:srgbClr val="0000C0"/>
+                </a:solidFill>
+                <a:effectLst/>
+                <a:latin typeface="Consolas" panose="020B0609020204030204" pitchFamily="49" charset="0"/>
+              </a:rPr>
+              <a:t>EntityLK</a:t>
+            </a:r>
+            <a:r>
+              <a:rPr lang="en-US" sz="1800" dirty="0">
+                <a:solidFill>
+                  <a:srgbClr val="000000"/>
+                </a:solidFill>
+                <a:effectLst/>
+                <a:latin typeface="Consolas" panose="020B0609020204030204" pitchFamily="49" charset="0"/>
+              </a:rPr>
+              <a:t>(</a:t>
+            </a:r>
+            <a:r>
+              <a:rPr lang="en-US" sz="1800" dirty="0">
+                <a:solidFill>
+                  <a:srgbClr val="2A00FF"/>
+                </a:solidFill>
+                <a:effectLst/>
+                <a:latin typeface="Consolas" panose="020B0609020204030204" pitchFamily="49" charset="0"/>
+              </a:rPr>
+              <a:t>"Sample </a:t>
+            </a:r>
+            <a:r>
+              <a:rPr lang="en-US" sz="1800" dirty="0" err="1">
+                <a:solidFill>
+                  <a:srgbClr val="2A00FF"/>
+                </a:solidFill>
+                <a:effectLst/>
+                <a:latin typeface="Consolas" panose="020B0609020204030204" pitchFamily="49" charset="0"/>
+              </a:rPr>
+              <a:t>db</a:t>
+            </a:r>
+            <a:r>
+              <a:rPr lang="en-US" sz="1800" dirty="0">
+                <a:solidFill>
+                  <a:srgbClr val="2A00FF"/>
+                </a:solidFill>
+                <a:effectLst/>
+                <a:latin typeface="Consolas" panose="020B0609020204030204" pitchFamily="49" charset="0"/>
+              </a:rPr>
+              <a:t> lookup"</a:t>
+            </a:r>
+            <a:r>
+              <a:rPr lang="en-US" sz="1800" dirty="0">
+                <a:solidFill>
+                  <a:srgbClr val="000000"/>
+                </a:solidFill>
+                <a:effectLst/>
+                <a:latin typeface="Consolas" panose="020B0609020204030204" pitchFamily="49" charset="0"/>
+              </a:rPr>
+              <a:t>, </a:t>
+            </a:r>
+            <a:r>
+              <a:rPr lang="en-US" sz="1800" dirty="0" err="1">
+                <a:solidFill>
+                  <a:srgbClr val="000000"/>
+                </a:solidFill>
+                <a:effectLst/>
+                <a:latin typeface="Consolas" panose="020B0609020204030204" pitchFamily="49" charset="0"/>
+              </a:rPr>
+              <a:t>EntityLk.</a:t>
+            </a:r>
+            <a:r>
+              <a:rPr lang="en-US" sz="1800" b="1" dirty="0" err="1">
+                <a:solidFill>
+                  <a:srgbClr val="7F0055"/>
+                </a:solidFill>
+                <a:effectLst/>
+                <a:latin typeface="Consolas" panose="020B0609020204030204" pitchFamily="49" charset="0"/>
+              </a:rPr>
+              <a:t>class</a:t>
+            </a:r>
+            <a:r>
+              <a:rPr lang="en-US" sz="1800" dirty="0">
+                <a:solidFill>
+                  <a:srgbClr val="000000"/>
+                </a:solidFill>
+                <a:effectLst/>
+                <a:latin typeface="Consolas" panose="020B0609020204030204" pitchFamily="49" charset="0"/>
+              </a:rPr>
+              <a:t>),</a:t>
+            </a:r>
+          </a:p>
+          <a:p>
+            <a:pPr marL="457200" lvl="1" indent="0">
+              <a:spcBef>
+                <a:spcPts val="0"/>
+              </a:spcBef>
+              <a:buNone/>
+            </a:pPr>
+            <a:r>
+              <a:rPr lang="en-US" sz="1800" b="1" i="1" dirty="0" err="1">
+                <a:solidFill>
+                  <a:srgbClr val="0000C0"/>
+                </a:solidFill>
+                <a:effectLst/>
+                <a:latin typeface="Consolas" panose="020B0609020204030204" pitchFamily="49" charset="0"/>
+              </a:rPr>
+              <a:t>EnumLK</a:t>
+            </a:r>
+            <a:r>
+              <a:rPr lang="en-US" sz="1800" dirty="0">
+                <a:solidFill>
+                  <a:srgbClr val="000000"/>
+                </a:solidFill>
+                <a:effectLst/>
+                <a:latin typeface="Consolas" panose="020B0609020204030204" pitchFamily="49" charset="0"/>
+              </a:rPr>
+              <a:t>(</a:t>
+            </a:r>
+            <a:r>
+              <a:rPr lang="en-US" sz="1800" dirty="0">
+                <a:solidFill>
+                  <a:srgbClr val="2A00FF"/>
+                </a:solidFill>
+                <a:effectLst/>
+                <a:latin typeface="Consolas" panose="020B0609020204030204" pitchFamily="49" charset="0"/>
+              </a:rPr>
+              <a:t>"Sample </a:t>
+            </a:r>
+            <a:r>
+              <a:rPr lang="en-US" sz="1800" dirty="0" err="1">
+                <a:solidFill>
+                  <a:srgbClr val="2A00FF"/>
+                </a:solidFill>
+                <a:effectLst/>
+                <a:latin typeface="Consolas" panose="020B0609020204030204" pitchFamily="49" charset="0"/>
+              </a:rPr>
+              <a:t>enum</a:t>
+            </a:r>
+            <a:r>
+              <a:rPr lang="en-US" sz="1800" dirty="0">
+                <a:solidFill>
+                  <a:srgbClr val="2A00FF"/>
+                </a:solidFill>
+                <a:effectLst/>
+                <a:latin typeface="Consolas" panose="020B0609020204030204" pitchFamily="49" charset="0"/>
+              </a:rPr>
+              <a:t> lookup"</a:t>
+            </a:r>
+            <a:r>
+              <a:rPr lang="en-US" sz="1800" dirty="0">
+                <a:solidFill>
+                  <a:srgbClr val="000000"/>
+                </a:solidFill>
+                <a:effectLst/>
+                <a:latin typeface="Consolas" panose="020B0609020204030204" pitchFamily="49" charset="0"/>
+              </a:rPr>
+              <a:t>, </a:t>
+            </a:r>
+            <a:r>
+              <a:rPr lang="en-US" sz="1800" dirty="0" err="1">
+                <a:solidFill>
+                  <a:srgbClr val="000000"/>
+                </a:solidFill>
+                <a:effectLst/>
+                <a:latin typeface="Consolas" panose="020B0609020204030204" pitchFamily="49" charset="0"/>
+              </a:rPr>
+              <a:t>EnumLk.</a:t>
+            </a:r>
+            <a:r>
+              <a:rPr lang="en-US" sz="1800" b="1" dirty="0" err="1">
+                <a:solidFill>
+                  <a:srgbClr val="7F0055"/>
+                </a:solidFill>
+                <a:effectLst/>
+                <a:latin typeface="Consolas" panose="020B0609020204030204" pitchFamily="49" charset="0"/>
+              </a:rPr>
+              <a:t>class</a:t>
+            </a:r>
+            <a:r>
+              <a:rPr lang="en-US" sz="1800" dirty="0">
+                <a:solidFill>
+                  <a:srgbClr val="000000"/>
+                </a:solidFill>
+                <a:effectLst/>
+                <a:latin typeface="Consolas" panose="020B0609020204030204" pitchFamily="49" charset="0"/>
+              </a:rPr>
+              <a:t>);</a:t>
+            </a:r>
+          </a:p>
+          <a:p>
+            <a:pPr marL="457200" lvl="1" indent="0">
+              <a:spcBef>
+                <a:spcPts val="0"/>
+              </a:spcBef>
+              <a:buNone/>
+            </a:pPr>
+            <a:endParaRPr lang="en-US" sz="1800" dirty="0">
+              <a:solidFill>
+                <a:srgbClr val="000000"/>
+              </a:solidFill>
+              <a:effectLst/>
+              <a:latin typeface="Consolas" panose="020B0609020204030204" pitchFamily="49" charset="0"/>
+            </a:endParaRPr>
+          </a:p>
+          <a:p>
+            <a:pPr marL="457200" lvl="1" indent="0">
+              <a:spcBef>
+                <a:spcPts val="0"/>
+              </a:spcBef>
+              <a:buNone/>
+            </a:pPr>
+            <a:r>
+              <a:rPr lang="en-US" sz="1800" b="1" dirty="0">
+                <a:solidFill>
+                  <a:srgbClr val="7F0055"/>
+                </a:solidFill>
+                <a:effectLst/>
+                <a:latin typeface="Consolas" panose="020B0609020204030204" pitchFamily="49" charset="0"/>
+              </a:rPr>
+              <a:t>private</a:t>
+            </a:r>
+            <a:r>
+              <a:rPr lang="en-US" sz="1800" dirty="0">
+                <a:solidFill>
+                  <a:srgbClr val="000000"/>
+                </a:solidFill>
+                <a:effectLst/>
+                <a:latin typeface="Consolas" panose="020B0609020204030204" pitchFamily="49" charset="0"/>
+              </a:rPr>
+              <a:t> </a:t>
+            </a:r>
+            <a:r>
+              <a:rPr lang="en-US" sz="1800" b="1" dirty="0">
+                <a:solidFill>
+                  <a:srgbClr val="7F0055"/>
+                </a:solidFill>
+                <a:effectLst/>
+                <a:latin typeface="Consolas" panose="020B0609020204030204" pitchFamily="49" charset="0"/>
+              </a:rPr>
+              <a:t>final</a:t>
+            </a:r>
+            <a:r>
+              <a:rPr lang="en-US" sz="1800" dirty="0">
+                <a:solidFill>
+                  <a:srgbClr val="000000"/>
+                </a:solidFill>
+                <a:effectLst/>
+                <a:latin typeface="Consolas" panose="020B0609020204030204" pitchFamily="49" charset="0"/>
+              </a:rPr>
+              <a:t> String </a:t>
+            </a:r>
+            <a:r>
+              <a:rPr lang="en-US" sz="1800" dirty="0">
+                <a:solidFill>
+                  <a:srgbClr val="0000C0"/>
+                </a:solidFill>
+                <a:effectLst/>
+                <a:latin typeface="Consolas" panose="020B0609020204030204" pitchFamily="49" charset="0"/>
+              </a:rPr>
+              <a:t>description</a:t>
+            </a:r>
+            <a:r>
+              <a:rPr lang="en-US" sz="1800" dirty="0">
+                <a:solidFill>
+                  <a:srgbClr val="000000"/>
+                </a:solidFill>
+                <a:effectLst/>
+                <a:latin typeface="Consolas" panose="020B0609020204030204" pitchFamily="49" charset="0"/>
+              </a:rPr>
+              <a:t>;</a:t>
+            </a:r>
+          </a:p>
+          <a:p>
+            <a:pPr marL="457200" lvl="1" indent="0">
+              <a:spcBef>
+                <a:spcPts val="0"/>
+              </a:spcBef>
+              <a:buNone/>
+            </a:pPr>
+            <a:r>
+              <a:rPr lang="en-US" sz="1800" b="1" dirty="0">
+                <a:solidFill>
+                  <a:srgbClr val="7F0055"/>
+                </a:solidFill>
+                <a:effectLst/>
+                <a:latin typeface="Consolas" panose="020B0609020204030204" pitchFamily="49" charset="0"/>
+              </a:rPr>
+              <a:t>private</a:t>
+            </a:r>
+            <a:r>
+              <a:rPr lang="en-US" sz="1800" dirty="0">
+                <a:solidFill>
+                  <a:srgbClr val="000000"/>
+                </a:solidFill>
+                <a:effectLst/>
+                <a:latin typeface="Consolas" panose="020B0609020204030204" pitchFamily="49" charset="0"/>
+              </a:rPr>
+              <a:t> </a:t>
+            </a:r>
+            <a:r>
+              <a:rPr lang="en-US" sz="1800" b="1" dirty="0">
+                <a:solidFill>
+                  <a:srgbClr val="7F0055"/>
+                </a:solidFill>
+                <a:effectLst/>
+                <a:latin typeface="Consolas" panose="020B0609020204030204" pitchFamily="49" charset="0"/>
+              </a:rPr>
+              <a:t>final</a:t>
+            </a:r>
+            <a:r>
+              <a:rPr lang="en-US" sz="1800" dirty="0">
+                <a:solidFill>
+                  <a:srgbClr val="000000"/>
+                </a:solidFill>
+                <a:effectLst/>
+                <a:latin typeface="Consolas" panose="020B0609020204030204" pitchFamily="49" charset="0"/>
+              </a:rPr>
+              <a:t> Class&lt;? </a:t>
+            </a:r>
+            <a:r>
+              <a:rPr lang="en-US" sz="1800" b="1" dirty="0">
+                <a:solidFill>
+                  <a:srgbClr val="7F0055"/>
+                </a:solidFill>
+                <a:effectLst/>
+                <a:latin typeface="Consolas" panose="020B0609020204030204" pitchFamily="49" charset="0"/>
+              </a:rPr>
+              <a:t>extends</a:t>
+            </a:r>
+            <a:r>
+              <a:rPr lang="en-US" sz="1800" dirty="0">
+                <a:solidFill>
+                  <a:srgbClr val="000000"/>
+                </a:solidFill>
+                <a:effectLst/>
+                <a:latin typeface="Consolas" panose="020B0609020204030204" pitchFamily="49" charset="0"/>
+              </a:rPr>
+              <a:t> </a:t>
+            </a:r>
+            <a:r>
+              <a:rPr lang="en-US" sz="1800" dirty="0" err="1">
+                <a:solidFill>
+                  <a:srgbClr val="000000"/>
+                </a:solidFill>
+                <a:effectLst/>
+                <a:latin typeface="Consolas" panose="020B0609020204030204" pitchFamily="49" charset="0"/>
+              </a:rPr>
+              <a:t>ILookup</a:t>
+            </a:r>
+            <a:r>
+              <a:rPr lang="en-US" sz="1800" dirty="0">
+                <a:solidFill>
+                  <a:srgbClr val="000000"/>
+                </a:solidFill>
+                <a:effectLst/>
+                <a:latin typeface="Consolas" panose="020B0609020204030204" pitchFamily="49" charset="0"/>
+              </a:rPr>
+              <a:t>&gt; </a:t>
+            </a:r>
+            <a:r>
+              <a:rPr lang="en-US" sz="1800" dirty="0" err="1">
+                <a:solidFill>
+                  <a:srgbClr val="0000C0"/>
+                </a:solidFill>
+                <a:effectLst/>
+                <a:latin typeface="Consolas" panose="020B0609020204030204" pitchFamily="49" charset="0"/>
+              </a:rPr>
+              <a:t>lookupClass</a:t>
+            </a:r>
+            <a:r>
+              <a:rPr lang="en-US" sz="1800" dirty="0">
+                <a:solidFill>
+                  <a:srgbClr val="000000"/>
+                </a:solidFill>
+                <a:effectLst/>
+                <a:latin typeface="Consolas" panose="020B0609020204030204" pitchFamily="49" charset="0"/>
+              </a:rPr>
+              <a:t>;</a:t>
+            </a:r>
+          </a:p>
+          <a:p>
+            <a:pPr marL="0" marR="0" indent="0">
+              <a:spcBef>
+                <a:spcPts val="0"/>
+              </a:spcBef>
+              <a:spcAft>
+                <a:spcPts val="0"/>
+              </a:spcAft>
+              <a:buNone/>
+            </a:pPr>
+            <a:r>
+              <a:rPr lang="en-US" sz="2100" dirty="0">
+                <a:solidFill>
+                  <a:srgbClr val="000000"/>
+                </a:solidFill>
+                <a:effectLst/>
+                <a:latin typeface="Consolas" panose="020B0609020204030204" pitchFamily="49" charset="0"/>
+              </a:rPr>
+              <a:t>}</a:t>
             </a:r>
           </a:p>
           <a:p>
@@ -6806,9 +10206,6 @@
             <a:br>
               <a:rPr lang="en-US" dirty="0"/>
             </a:br>
-            <a:br>
-              <a:rPr lang="en-US" dirty="0"/>
-            </a:br>
             <a:endParaRPr lang="en-US" dirty="0"/>
           </a:p>
           <a:p>
@@ -6816,36 +10213,6 @@
           </a:p>
         </p:txBody>
       </p:sp>
-      <p:pic>
-        <p:nvPicPr>
-          <p:cNvPr id="5" name="Picture 4">
-            <a:extLst>
-              <a:ext uri="{FF2B5EF4-FFF2-40B4-BE49-F238E27FC236}">
-                <a16:creationId xmlns:a16="http://schemas.microsoft.com/office/drawing/2014/main" id="{8E0934F1-46BA-2BE5-5231-798C3CD2ED94}"/>
-              </a:ext>
-            </a:extLst>
-          </p:cNvPr>
-          <p:cNvPicPr>
-            <a:picLocks noChangeAspect="1"/>
-          </p:cNvPicPr>
-          <p:nvPr/>
-        </p:nvPicPr>
-        <p:blipFill>
-          <a:blip r:embed="rId2"/>
-          <a:stretch>
-            <a:fillRect/>
-          </a:stretch>
-        </p:blipFill>
-        <p:spPr>
-          <a:xfrm>
-            <a:off x="986557" y="2700831"/>
-            <a:ext cx="9173855" cy="3429479"/>
-          </a:xfrm>
-          <a:prstGeom prst="rect">
-            <a:avLst/>
-          </a:prstGeom>
-        </p:spPr>
-      </p:pic>
     </p:spTree>
     <p:extLst>
       <p:ext uri="{BB962C8B-B14F-4D97-AF65-F5344CB8AC3E}">
